--- a/Proposal/Images/quadratic_surfaces_bags.pptx
+++ b/Proposal/Images/quadratic_surfaces_bags.pptx
@@ -6,6 +6,9 @@
   </p:sldMasterIdLst>
   <p:sldIdLst>
     <p:sldId id="256" r:id="rId2"/>
+    <p:sldId id="257" r:id="rId3"/>
+    <p:sldId id="258" r:id="rId4"/>
+    <p:sldId id="259" r:id="rId5"/>
   </p:sldIdLst>
   <p:sldSz cx="12192000" cy="6858000"/>
   <p:notesSz cx="6858000" cy="9144000"/>
@@ -104,6 +107,11 @@
       </a:defRPr>
     </a:lvl9pPr>
   </p:defaultTextStyle>
+  <p:extLst>
+    <p:ext uri="{EFAFB233-063F-42B5-8137-9DF3F51BA10A}">
+      <p15:sldGuideLst xmlns:p15="http://schemas.microsoft.com/office/powerpoint/2012/main"/>
+    </p:ext>
+  </p:extLst>
 </p:presentation>
 </file>
 
@@ -254,7 +262,7 @@
           <a:p>
             <a:fld id="{B5686CB4-F599-40B6-B93D-CDA65E645F4F}" type="datetimeFigureOut">
               <a:rPr lang="en-US" smtClean="0"/>
-              <a:t>2/15/2020</a:t>
+              <a:t>5/3/2020</a:t>
             </a:fld>
             <a:endParaRPr lang="en-US"/>
           </a:p>
@@ -452,7 +460,7 @@
           <a:p>
             <a:fld id="{B5686CB4-F599-40B6-B93D-CDA65E645F4F}" type="datetimeFigureOut">
               <a:rPr lang="en-US" smtClean="0"/>
-              <a:t>2/15/2020</a:t>
+              <a:t>5/3/2020</a:t>
             </a:fld>
             <a:endParaRPr lang="en-US"/>
           </a:p>
@@ -660,7 +668,7 @@
           <a:p>
             <a:fld id="{B5686CB4-F599-40B6-B93D-CDA65E645F4F}" type="datetimeFigureOut">
               <a:rPr lang="en-US" smtClean="0"/>
-              <a:t>2/15/2020</a:t>
+              <a:t>5/3/2020</a:t>
             </a:fld>
             <a:endParaRPr lang="en-US"/>
           </a:p>
@@ -858,7 +866,7 @@
           <a:p>
             <a:fld id="{B5686CB4-F599-40B6-B93D-CDA65E645F4F}" type="datetimeFigureOut">
               <a:rPr lang="en-US" smtClean="0"/>
-              <a:t>2/15/2020</a:t>
+              <a:t>5/3/2020</a:t>
             </a:fld>
             <a:endParaRPr lang="en-US"/>
           </a:p>
@@ -1133,7 +1141,7 @@
           <a:p>
             <a:fld id="{B5686CB4-F599-40B6-B93D-CDA65E645F4F}" type="datetimeFigureOut">
               <a:rPr lang="en-US" smtClean="0"/>
-              <a:t>2/15/2020</a:t>
+              <a:t>5/3/2020</a:t>
             </a:fld>
             <a:endParaRPr lang="en-US"/>
           </a:p>
@@ -1398,7 +1406,7 @@
           <a:p>
             <a:fld id="{B5686CB4-F599-40B6-B93D-CDA65E645F4F}" type="datetimeFigureOut">
               <a:rPr lang="en-US" smtClean="0"/>
-              <a:t>2/15/2020</a:t>
+              <a:t>5/3/2020</a:t>
             </a:fld>
             <a:endParaRPr lang="en-US"/>
           </a:p>
@@ -1810,7 +1818,7 @@
           <a:p>
             <a:fld id="{B5686CB4-F599-40B6-B93D-CDA65E645F4F}" type="datetimeFigureOut">
               <a:rPr lang="en-US" smtClean="0"/>
-              <a:t>2/15/2020</a:t>
+              <a:t>5/3/2020</a:t>
             </a:fld>
             <a:endParaRPr lang="en-US"/>
           </a:p>
@@ -1951,7 +1959,7 @@
           <a:p>
             <a:fld id="{B5686CB4-F599-40B6-B93D-CDA65E645F4F}" type="datetimeFigureOut">
               <a:rPr lang="en-US" smtClean="0"/>
-              <a:t>2/15/2020</a:t>
+              <a:t>5/3/2020</a:t>
             </a:fld>
             <a:endParaRPr lang="en-US"/>
           </a:p>
@@ -2064,7 +2072,7 @@
           <a:p>
             <a:fld id="{B5686CB4-F599-40B6-B93D-CDA65E645F4F}" type="datetimeFigureOut">
               <a:rPr lang="en-US" smtClean="0"/>
-              <a:t>2/15/2020</a:t>
+              <a:t>5/3/2020</a:t>
             </a:fld>
             <a:endParaRPr lang="en-US"/>
           </a:p>
@@ -2375,7 +2383,7 @@
           <a:p>
             <a:fld id="{B5686CB4-F599-40B6-B93D-CDA65E645F4F}" type="datetimeFigureOut">
               <a:rPr lang="en-US" smtClean="0"/>
-              <a:t>2/15/2020</a:t>
+              <a:t>5/3/2020</a:t>
             </a:fld>
             <a:endParaRPr lang="en-US"/>
           </a:p>
@@ -2663,7 +2671,7 @@
           <a:p>
             <a:fld id="{B5686CB4-F599-40B6-B93D-CDA65E645F4F}" type="datetimeFigureOut">
               <a:rPr lang="en-US" smtClean="0"/>
-              <a:t>2/15/2020</a:t>
+              <a:t>5/3/2020</a:t>
             </a:fld>
             <a:endParaRPr lang="en-US"/>
           </a:p>
@@ -2904,7 +2912,7 @@
           <a:p>
             <a:fld id="{B5686CB4-F599-40B6-B93D-CDA65E645F4F}" type="datetimeFigureOut">
               <a:rPr lang="en-US" smtClean="0"/>
-              <a:t>2/15/2020</a:t>
+              <a:t>5/3/2020</a:t>
             </a:fld>
             <a:endParaRPr lang="en-US"/>
           </a:p>
@@ -3856,6 +3864,1996 @@
 </p:sld>
 </file>
 
+<file path=ppt/slides/slide2.xml><?xml version="1.0" encoding="utf-8"?>
+<p:sld xmlns:a="http://schemas.openxmlformats.org/drawingml/2006/main" xmlns:r="http://schemas.openxmlformats.org/officeDocument/2006/relationships" xmlns:p="http://schemas.openxmlformats.org/presentationml/2006/main">
+  <p:cSld>
+    <p:spTree>
+      <p:nvGrpSpPr>
+        <p:cNvPr id="1" name=""/>
+        <p:cNvGrpSpPr/>
+        <p:nvPr/>
+      </p:nvGrpSpPr>
+      <p:grpSpPr>
+        <a:xfrm>
+          <a:off x="0" y="0"/>
+          <a:ext cx="0" cy="0"/>
+          <a:chOff x="0" y="0"/>
+          <a:chExt cx="0" cy="0"/>
+        </a:xfrm>
+      </p:grpSpPr>
+      <p:grpSp>
+        <p:nvGrpSpPr>
+          <p:cNvPr id="7" name="Group 6">
+            <a:extLst>
+              <a:ext uri="{FF2B5EF4-FFF2-40B4-BE49-F238E27FC236}">
+                <a16:creationId xmlns:a16="http://schemas.microsoft.com/office/drawing/2014/main" id="{28CECBF9-A6A3-4228-BC35-489219E8E286}"/>
+              </a:ext>
+            </a:extLst>
+          </p:cNvPr>
+          <p:cNvGrpSpPr/>
+          <p:nvPr/>
+        </p:nvGrpSpPr>
+        <p:grpSpPr>
+          <a:xfrm>
+            <a:off x="2667000" y="1000125"/>
+            <a:ext cx="6858000" cy="4857750"/>
+            <a:chOff x="2667000" y="1000125"/>
+            <a:chExt cx="6858000" cy="4857750"/>
+          </a:xfrm>
+        </p:grpSpPr>
+        <p:pic>
+          <p:nvPicPr>
+            <p:cNvPr id="3" name="Picture 2" descr="A picture containing outdoor, grass, track, water&#10;&#10;Description automatically generated">
+              <a:extLst>
+                <a:ext uri="{FF2B5EF4-FFF2-40B4-BE49-F238E27FC236}">
+                  <a16:creationId xmlns:a16="http://schemas.microsoft.com/office/drawing/2014/main" id="{1FFFCB98-A850-4CFF-8640-3C05BF8C6448}"/>
+                </a:ext>
+              </a:extLst>
+            </p:cNvPr>
+            <p:cNvPicPr>
+              <a:picLocks noChangeAspect="1"/>
+            </p:cNvPicPr>
+            <p:nvPr/>
+          </p:nvPicPr>
+          <p:blipFill>
+            <a:blip r:embed="rId2">
+              <a:extLst>
+                <a:ext uri="{28A0092B-C50C-407E-A947-70E740481C1C}">
+                  <a14:useLocalDpi xmlns:a14="http://schemas.microsoft.com/office/drawing/2010/main" val="0"/>
+                </a:ext>
+              </a:extLst>
+            </a:blip>
+            <a:stretch>
+              <a:fillRect/>
+            </a:stretch>
+          </p:blipFill>
+          <p:spPr>
+            <a:xfrm>
+              <a:off x="2667000" y="1000125"/>
+              <a:ext cx="6858000" cy="4857750"/>
+            </a:xfrm>
+            <a:prstGeom prst="rect">
+              <a:avLst/>
+            </a:prstGeom>
+          </p:spPr>
+        </p:pic>
+        <p:sp>
+          <p:nvSpPr>
+            <p:cNvPr id="6" name="TextBox 5">
+              <a:extLst>
+                <a:ext uri="{FF2B5EF4-FFF2-40B4-BE49-F238E27FC236}">
+                  <a16:creationId xmlns:a16="http://schemas.microsoft.com/office/drawing/2014/main" id="{9E4FC295-5DE3-4BB3-9C19-38813DE52D05}"/>
+                </a:ext>
+              </a:extLst>
+            </p:cNvPr>
+            <p:cNvSpPr txBox="1"/>
+            <p:nvPr/>
+          </p:nvSpPr>
+          <p:spPr>
+            <a:xfrm>
+              <a:off x="7190913" y="1411549"/>
+              <a:ext cx="1944209" cy="646331"/>
+            </a:xfrm>
+            <a:prstGeom prst="rect">
+              <a:avLst/>
+            </a:prstGeom>
+            <a:noFill/>
+            <a:ln w="57150">
+              <a:solidFill>
+                <a:srgbClr val="FF0000"/>
+              </a:solidFill>
+            </a:ln>
+          </p:spPr>
+          <p:txBody>
+            <a:bodyPr wrap="square" rtlCol="0">
+              <a:spAutoFit/>
+            </a:bodyPr>
+            <a:lstStyle/>
+            <a:p>
+              <a:pPr algn="ctr"/>
+              <a:r>
+                <a:rPr lang="en-US" sz="3600" b="1" dirty="0"/>
+                <a:t>Target</a:t>
+              </a:r>
+            </a:p>
+          </p:txBody>
+        </p:sp>
+      </p:grpSp>
+    </p:spTree>
+    <p:extLst>
+      <p:ext uri="{BB962C8B-B14F-4D97-AF65-F5344CB8AC3E}">
+        <p14:creationId xmlns:p14="http://schemas.microsoft.com/office/powerpoint/2010/main" val="2370310131"/>
+      </p:ext>
+    </p:extLst>
+  </p:cSld>
+  <p:clrMapOvr>
+    <a:masterClrMapping/>
+  </p:clrMapOvr>
+</p:sld>
+</file>
+
+<file path=ppt/slides/slide3.xml><?xml version="1.0" encoding="utf-8"?>
+<p:sld xmlns:a="http://schemas.openxmlformats.org/drawingml/2006/main" xmlns:r="http://schemas.openxmlformats.org/officeDocument/2006/relationships" xmlns:p="http://schemas.openxmlformats.org/presentationml/2006/main">
+  <p:cSld>
+    <p:spTree>
+      <p:nvGrpSpPr>
+        <p:cNvPr id="1" name=""/>
+        <p:cNvGrpSpPr/>
+        <p:nvPr/>
+      </p:nvGrpSpPr>
+      <p:grpSpPr>
+        <a:xfrm>
+          <a:off x="0" y="0"/>
+          <a:ext cx="0" cy="0"/>
+          <a:chOff x="0" y="0"/>
+          <a:chExt cx="0" cy="0"/>
+        </a:xfrm>
+      </p:grpSpPr>
+      <p:grpSp>
+        <p:nvGrpSpPr>
+          <p:cNvPr id="4" name="Group 3">
+            <a:extLst>
+              <a:ext uri="{FF2B5EF4-FFF2-40B4-BE49-F238E27FC236}">
+                <a16:creationId xmlns:a16="http://schemas.microsoft.com/office/drawing/2014/main" id="{CFCB5C0B-4CA0-4A4C-864B-E657C2F83293}"/>
+              </a:ext>
+            </a:extLst>
+          </p:cNvPr>
+          <p:cNvGrpSpPr/>
+          <p:nvPr/>
+        </p:nvGrpSpPr>
+        <p:grpSpPr>
+          <a:xfrm>
+            <a:off x="2667000" y="1080024"/>
+            <a:ext cx="6858000" cy="4857750"/>
+            <a:chOff x="2667000" y="1080024"/>
+            <a:chExt cx="6858000" cy="4857750"/>
+          </a:xfrm>
+        </p:grpSpPr>
+        <p:pic>
+          <p:nvPicPr>
+            <p:cNvPr id="2" name="Picture 1" descr="A close up of some grass&#10;&#10;Description automatically generated">
+              <a:extLst>
+                <a:ext uri="{FF2B5EF4-FFF2-40B4-BE49-F238E27FC236}">
+                  <a16:creationId xmlns:a16="http://schemas.microsoft.com/office/drawing/2014/main" id="{A0663E77-77F7-4CA4-AB5C-71952A72497C}"/>
+                </a:ext>
+              </a:extLst>
+            </p:cNvPr>
+            <p:cNvPicPr>
+              <a:picLocks noChangeAspect="1"/>
+            </p:cNvPicPr>
+            <p:nvPr/>
+          </p:nvPicPr>
+          <p:blipFill>
+            <a:blip r:embed="rId2">
+              <a:extLst>
+                <a:ext uri="{28A0092B-C50C-407E-A947-70E740481C1C}">
+                  <a14:useLocalDpi xmlns:a14="http://schemas.microsoft.com/office/drawing/2010/main" val="0"/>
+                </a:ext>
+              </a:extLst>
+            </a:blip>
+            <a:stretch>
+              <a:fillRect/>
+            </a:stretch>
+          </p:blipFill>
+          <p:spPr>
+            <a:xfrm>
+              <a:off x="2667000" y="1080024"/>
+              <a:ext cx="6858000" cy="4857750"/>
+            </a:xfrm>
+            <a:prstGeom prst="rect">
+              <a:avLst/>
+            </a:prstGeom>
+          </p:spPr>
+        </p:pic>
+        <p:sp>
+          <p:nvSpPr>
+            <p:cNvPr id="3" name="TextBox 2">
+              <a:extLst>
+                <a:ext uri="{FF2B5EF4-FFF2-40B4-BE49-F238E27FC236}">
+                  <a16:creationId xmlns:a16="http://schemas.microsoft.com/office/drawing/2014/main" id="{30B86E4E-AADE-4AB1-A503-C93D725B5400}"/>
+                </a:ext>
+              </a:extLst>
+            </p:cNvPr>
+            <p:cNvSpPr txBox="1"/>
+            <p:nvPr/>
+          </p:nvSpPr>
+          <p:spPr>
+            <a:xfrm>
+              <a:off x="6587231" y="1411549"/>
+              <a:ext cx="2547891" cy="646331"/>
+            </a:xfrm>
+            <a:prstGeom prst="rect">
+              <a:avLst/>
+            </a:prstGeom>
+            <a:noFill/>
+            <a:ln w="57150">
+              <a:solidFill>
+                <a:srgbClr val="FF0000"/>
+              </a:solidFill>
+            </a:ln>
+          </p:spPr>
+          <p:txBody>
+            <a:bodyPr wrap="square" rtlCol="0">
+              <a:spAutoFit/>
+            </a:bodyPr>
+            <a:lstStyle/>
+            <a:p>
+              <a:pPr algn="ctr"/>
+              <a:r>
+                <a:rPr lang="en-US" sz="3600" b="1" dirty="0"/>
+                <a:t>Background</a:t>
+              </a:r>
+            </a:p>
+          </p:txBody>
+        </p:sp>
+      </p:grpSp>
+    </p:spTree>
+    <p:extLst>
+      <p:ext uri="{BB962C8B-B14F-4D97-AF65-F5344CB8AC3E}">
+        <p14:creationId xmlns:p14="http://schemas.microsoft.com/office/powerpoint/2010/main" val="1691065401"/>
+      </p:ext>
+    </p:extLst>
+  </p:cSld>
+  <p:clrMapOvr>
+    <a:masterClrMapping/>
+  </p:clrMapOvr>
+</p:sld>
+</file>
+
+<file path=ppt/slides/slide4.xml><?xml version="1.0" encoding="utf-8"?>
+<p:sld xmlns:a="http://schemas.openxmlformats.org/drawingml/2006/main" xmlns:r="http://schemas.openxmlformats.org/officeDocument/2006/relationships" xmlns:p="http://schemas.openxmlformats.org/presentationml/2006/main">
+  <p:cSld>
+    <p:spTree>
+      <p:nvGrpSpPr>
+        <p:cNvPr id="1" name=""/>
+        <p:cNvGrpSpPr/>
+        <p:nvPr/>
+      </p:nvGrpSpPr>
+      <p:grpSpPr>
+        <a:xfrm>
+          <a:off x="0" y="0"/>
+          <a:ext cx="0" cy="0"/>
+          <a:chOff x="0" y="0"/>
+          <a:chExt cx="0" cy="0"/>
+        </a:xfrm>
+      </p:grpSpPr>
+      <p:sp>
+        <p:nvSpPr>
+          <p:cNvPr id="8" name="TextBox 7">
+            <a:extLst>
+              <a:ext uri="{FF2B5EF4-FFF2-40B4-BE49-F238E27FC236}">
+                <a16:creationId xmlns:a16="http://schemas.microsoft.com/office/drawing/2014/main" id="{A8D5FF13-A8F4-47FB-8D97-D88796E48B19}"/>
+              </a:ext>
+            </a:extLst>
+          </p:cNvPr>
+          <p:cNvSpPr txBox="1"/>
+          <p:nvPr/>
+        </p:nvSpPr>
+        <p:spPr>
+          <a:xfrm>
+            <a:off x="10696852" y="5661418"/>
+            <a:ext cx="531181" cy="830997"/>
+          </a:xfrm>
+          <a:prstGeom prst="rect">
+            <a:avLst/>
+          </a:prstGeom>
+          <a:noFill/>
+        </p:spPr>
+        <p:txBody>
+          <a:bodyPr wrap="square" rtlCol="0">
+            <a:spAutoFit/>
+          </a:bodyPr>
+          <a:lstStyle/>
+          <a:p>
+            <a:pPr algn="ctr"/>
+            <a:r>
+              <a:rPr lang="en-US" sz="4800" b="1" dirty="0">
+                <a:solidFill>
+                  <a:srgbClr val="0070C0"/>
+                </a:solidFill>
+              </a:rPr>
+              <a:t>-</a:t>
+            </a:r>
+          </a:p>
+        </p:txBody>
+      </p:sp>
+      <p:grpSp>
+        <p:nvGrpSpPr>
+          <p:cNvPr id="44" name="Group 43">
+            <a:extLst>
+              <a:ext uri="{FF2B5EF4-FFF2-40B4-BE49-F238E27FC236}">
+                <a16:creationId xmlns:a16="http://schemas.microsoft.com/office/drawing/2014/main" id="{52F3C845-0EE2-4A2B-8621-E0FCEEE6E9EC}"/>
+              </a:ext>
+            </a:extLst>
+          </p:cNvPr>
+          <p:cNvGrpSpPr/>
+          <p:nvPr/>
+        </p:nvGrpSpPr>
+        <p:grpSpPr>
+          <a:xfrm>
+            <a:off x="4480264" y="1649532"/>
+            <a:ext cx="1397670" cy="1384095"/>
+            <a:chOff x="4480264" y="1649532"/>
+            <a:chExt cx="1397670" cy="1384095"/>
+          </a:xfrm>
+        </p:grpSpPr>
+        <p:sp>
+          <p:nvSpPr>
+            <p:cNvPr id="9" name="Oval 8">
+              <a:extLst>
+                <a:ext uri="{FF2B5EF4-FFF2-40B4-BE49-F238E27FC236}">
+                  <a16:creationId xmlns:a16="http://schemas.microsoft.com/office/drawing/2014/main" id="{98177F7F-1CFA-49D8-960A-B3080E02F66B}"/>
+                </a:ext>
+              </a:extLst>
+            </p:cNvPr>
+            <p:cNvSpPr/>
+            <p:nvPr/>
+          </p:nvSpPr>
+          <p:spPr>
+            <a:xfrm>
+              <a:off x="4480264" y="1684222"/>
+              <a:ext cx="1376039" cy="1349405"/>
+            </a:xfrm>
+            <a:prstGeom prst="ellipse">
+              <a:avLst/>
+            </a:prstGeom>
+            <a:ln w="57150"/>
+          </p:spPr>
+          <p:style>
+            <a:lnRef idx="1">
+              <a:schemeClr val="accent3"/>
+            </a:lnRef>
+            <a:fillRef idx="2">
+              <a:schemeClr val="accent3"/>
+            </a:fillRef>
+            <a:effectRef idx="1">
+              <a:schemeClr val="accent3"/>
+            </a:effectRef>
+            <a:fontRef idx="minor">
+              <a:schemeClr val="dk1"/>
+            </a:fontRef>
+          </p:style>
+          <p:txBody>
+            <a:bodyPr rtlCol="0" anchor="ctr"/>
+            <a:lstStyle/>
+            <a:p>
+              <a:pPr algn="ctr"/>
+              <a:endParaRPr lang="en-US"/>
+            </a:p>
+          </p:txBody>
+        </p:sp>
+        <p:sp>
+          <p:nvSpPr>
+            <p:cNvPr id="18" name="TextBox 17">
+              <a:extLst>
+                <a:ext uri="{FF2B5EF4-FFF2-40B4-BE49-F238E27FC236}">
+                  <a16:creationId xmlns:a16="http://schemas.microsoft.com/office/drawing/2014/main" id="{75B8DE2E-2BEA-4481-9E3E-38B041D94E71}"/>
+                </a:ext>
+              </a:extLst>
+            </p:cNvPr>
+            <p:cNvSpPr txBox="1"/>
+            <p:nvPr/>
+          </p:nvSpPr>
+          <p:spPr>
+            <a:xfrm>
+              <a:off x="4559792" y="1649532"/>
+              <a:ext cx="531181" cy="830997"/>
+            </a:xfrm>
+            <a:prstGeom prst="rect">
+              <a:avLst/>
+            </a:prstGeom>
+            <a:noFill/>
+          </p:spPr>
+          <p:txBody>
+            <a:bodyPr wrap="square" rtlCol="0">
+              <a:spAutoFit/>
+            </a:bodyPr>
+            <a:lstStyle/>
+            <a:p>
+              <a:pPr algn="ctr"/>
+              <a:r>
+                <a:rPr lang="en-US" sz="4800" b="1" dirty="0">
+                  <a:solidFill>
+                    <a:srgbClr val="0070C0"/>
+                  </a:solidFill>
+                </a:rPr>
+                <a:t>-</a:t>
+              </a:r>
+            </a:p>
+          </p:txBody>
+        </p:sp>
+        <p:sp>
+          <p:nvSpPr>
+            <p:cNvPr id="19" name="TextBox 18">
+              <a:extLst>
+                <a:ext uri="{FF2B5EF4-FFF2-40B4-BE49-F238E27FC236}">
+                  <a16:creationId xmlns:a16="http://schemas.microsoft.com/office/drawing/2014/main" id="{381CD562-15C2-4F55-A678-8F6E659569B6}"/>
+                </a:ext>
+              </a:extLst>
+            </p:cNvPr>
+            <p:cNvSpPr txBox="1"/>
+            <p:nvPr/>
+          </p:nvSpPr>
+          <p:spPr>
+            <a:xfrm>
+              <a:off x="4647918" y="2199827"/>
+              <a:ext cx="531181" cy="830997"/>
+            </a:xfrm>
+            <a:prstGeom prst="rect">
+              <a:avLst/>
+            </a:prstGeom>
+            <a:noFill/>
+          </p:spPr>
+          <p:txBody>
+            <a:bodyPr wrap="square" rtlCol="0">
+              <a:spAutoFit/>
+            </a:bodyPr>
+            <a:lstStyle/>
+            <a:p>
+              <a:pPr algn="ctr"/>
+              <a:r>
+                <a:rPr lang="en-US" sz="4800" b="1" dirty="0">
+                  <a:solidFill>
+                    <a:srgbClr val="0070C0"/>
+                  </a:solidFill>
+                </a:rPr>
+                <a:t>-</a:t>
+              </a:r>
+            </a:p>
+          </p:txBody>
+        </p:sp>
+        <p:sp>
+          <p:nvSpPr>
+            <p:cNvPr id="20" name="TextBox 19">
+              <a:extLst>
+                <a:ext uri="{FF2B5EF4-FFF2-40B4-BE49-F238E27FC236}">
+                  <a16:creationId xmlns:a16="http://schemas.microsoft.com/office/drawing/2014/main" id="{88BB0E5F-9D07-4131-B1DB-0C390363C683}"/>
+                </a:ext>
+              </a:extLst>
+            </p:cNvPr>
+            <p:cNvSpPr txBox="1"/>
+            <p:nvPr/>
+          </p:nvSpPr>
+          <p:spPr>
+            <a:xfrm>
+              <a:off x="5346753" y="2063044"/>
+              <a:ext cx="531181" cy="830997"/>
+            </a:xfrm>
+            <a:prstGeom prst="rect">
+              <a:avLst/>
+            </a:prstGeom>
+            <a:noFill/>
+          </p:spPr>
+          <p:txBody>
+            <a:bodyPr wrap="square" rtlCol="0">
+              <a:spAutoFit/>
+            </a:bodyPr>
+            <a:lstStyle/>
+            <a:p>
+              <a:pPr algn="ctr"/>
+              <a:r>
+                <a:rPr lang="en-US" sz="4800" b="1" dirty="0">
+                  <a:solidFill>
+                    <a:srgbClr val="0070C0"/>
+                  </a:solidFill>
+                </a:rPr>
+                <a:t>-</a:t>
+              </a:r>
+            </a:p>
+          </p:txBody>
+        </p:sp>
+        <p:sp>
+          <p:nvSpPr>
+            <p:cNvPr id="21" name="TextBox 20">
+              <a:extLst>
+                <a:ext uri="{FF2B5EF4-FFF2-40B4-BE49-F238E27FC236}">
+                  <a16:creationId xmlns:a16="http://schemas.microsoft.com/office/drawing/2014/main" id="{748272D7-78EE-4C8B-9F01-239E75D4266D}"/>
+                </a:ext>
+              </a:extLst>
+            </p:cNvPr>
+            <p:cNvSpPr txBox="1"/>
+            <p:nvPr/>
+          </p:nvSpPr>
+          <p:spPr>
+            <a:xfrm>
+              <a:off x="4865375" y="1925132"/>
+              <a:ext cx="531181" cy="830997"/>
+            </a:xfrm>
+            <a:prstGeom prst="rect">
+              <a:avLst/>
+            </a:prstGeom>
+            <a:noFill/>
+          </p:spPr>
+          <p:txBody>
+            <a:bodyPr wrap="square" rtlCol="0">
+              <a:spAutoFit/>
+            </a:bodyPr>
+            <a:lstStyle/>
+            <a:p>
+              <a:pPr algn="ctr"/>
+              <a:r>
+                <a:rPr lang="en-US" sz="4800" b="1" dirty="0">
+                  <a:solidFill>
+                    <a:srgbClr val="0070C0"/>
+                  </a:solidFill>
+                </a:rPr>
+                <a:t>-</a:t>
+              </a:r>
+            </a:p>
+          </p:txBody>
+        </p:sp>
+      </p:grpSp>
+      <p:grpSp>
+        <p:nvGrpSpPr>
+          <p:cNvPr id="43" name="Group 42">
+            <a:extLst>
+              <a:ext uri="{FF2B5EF4-FFF2-40B4-BE49-F238E27FC236}">
+                <a16:creationId xmlns:a16="http://schemas.microsoft.com/office/drawing/2014/main" id="{399CD95D-3F49-4E7A-9BAA-B7E019DB1695}"/>
+              </a:ext>
+            </a:extLst>
+          </p:cNvPr>
+          <p:cNvGrpSpPr/>
+          <p:nvPr/>
+        </p:nvGrpSpPr>
+        <p:grpSpPr>
+          <a:xfrm>
+            <a:off x="2540493" y="1547357"/>
+            <a:ext cx="1376039" cy="1453295"/>
+            <a:chOff x="2540493" y="1547357"/>
+            <a:chExt cx="1376039" cy="1453295"/>
+          </a:xfrm>
+        </p:grpSpPr>
+        <p:sp>
+          <p:nvSpPr>
+            <p:cNvPr id="2" name="Oval 1">
+              <a:extLst>
+                <a:ext uri="{FF2B5EF4-FFF2-40B4-BE49-F238E27FC236}">
+                  <a16:creationId xmlns:a16="http://schemas.microsoft.com/office/drawing/2014/main" id="{19C6F433-2494-4EE4-8AE8-E02B4EAB0CDA}"/>
+                </a:ext>
+              </a:extLst>
+            </p:cNvPr>
+            <p:cNvSpPr/>
+            <p:nvPr/>
+          </p:nvSpPr>
+          <p:spPr>
+            <a:xfrm>
+              <a:off x="2540493" y="1651247"/>
+              <a:ext cx="1376039" cy="1349405"/>
+            </a:xfrm>
+            <a:prstGeom prst="ellipse">
+              <a:avLst/>
+            </a:prstGeom>
+            <a:ln w="57150"/>
+          </p:spPr>
+          <p:style>
+            <a:lnRef idx="1">
+              <a:schemeClr val="accent3"/>
+            </a:lnRef>
+            <a:fillRef idx="2">
+              <a:schemeClr val="accent3"/>
+            </a:fillRef>
+            <a:effectRef idx="1">
+              <a:schemeClr val="accent3"/>
+            </a:effectRef>
+            <a:fontRef idx="minor">
+              <a:schemeClr val="dk1"/>
+            </a:fontRef>
+          </p:style>
+          <p:txBody>
+            <a:bodyPr rtlCol="0" anchor="ctr"/>
+            <a:lstStyle/>
+            <a:p>
+              <a:pPr algn="ctr"/>
+              <a:endParaRPr lang="en-US"/>
+            </a:p>
+          </p:txBody>
+        </p:sp>
+        <p:sp>
+          <p:nvSpPr>
+            <p:cNvPr id="13" name="TextBox 12">
+              <a:extLst>
+                <a:ext uri="{FF2B5EF4-FFF2-40B4-BE49-F238E27FC236}">
+                  <a16:creationId xmlns:a16="http://schemas.microsoft.com/office/drawing/2014/main" id="{B14F128C-727A-4AFF-9CD4-C36B4EBE5950}"/>
+                </a:ext>
+              </a:extLst>
+            </p:cNvPr>
+            <p:cNvSpPr txBox="1"/>
+            <p:nvPr/>
+          </p:nvSpPr>
+          <p:spPr>
+            <a:xfrm>
+              <a:off x="2580811" y="1770083"/>
+              <a:ext cx="531181" cy="830997"/>
+            </a:xfrm>
+            <a:prstGeom prst="rect">
+              <a:avLst/>
+            </a:prstGeom>
+            <a:noFill/>
+          </p:spPr>
+          <p:txBody>
+            <a:bodyPr wrap="square" rtlCol="0">
+              <a:spAutoFit/>
+            </a:bodyPr>
+            <a:lstStyle/>
+            <a:p>
+              <a:pPr algn="ctr"/>
+              <a:r>
+                <a:rPr lang="en-US" sz="4800" b="1" dirty="0">
+                  <a:solidFill>
+                    <a:srgbClr val="0070C0"/>
+                  </a:solidFill>
+                </a:rPr>
+                <a:t>-</a:t>
+              </a:r>
+            </a:p>
+          </p:txBody>
+        </p:sp>
+        <p:sp>
+          <p:nvSpPr>
+            <p:cNvPr id="14" name="TextBox 13">
+              <a:extLst>
+                <a:ext uri="{FF2B5EF4-FFF2-40B4-BE49-F238E27FC236}">
+                  <a16:creationId xmlns:a16="http://schemas.microsoft.com/office/drawing/2014/main" id="{B5ECC1CB-C202-406F-99AF-A3AC01902A7C}"/>
+                </a:ext>
+              </a:extLst>
+            </p:cNvPr>
+            <p:cNvSpPr txBox="1"/>
+            <p:nvPr/>
+          </p:nvSpPr>
+          <p:spPr>
+            <a:xfrm>
+              <a:off x="2862676" y="2101681"/>
+              <a:ext cx="531181" cy="830997"/>
+            </a:xfrm>
+            <a:prstGeom prst="rect">
+              <a:avLst/>
+            </a:prstGeom>
+            <a:noFill/>
+          </p:spPr>
+          <p:txBody>
+            <a:bodyPr wrap="square" rtlCol="0">
+              <a:spAutoFit/>
+            </a:bodyPr>
+            <a:lstStyle/>
+            <a:p>
+              <a:pPr algn="ctr"/>
+              <a:r>
+                <a:rPr lang="en-US" sz="4800" b="1" dirty="0">
+                  <a:solidFill>
+                    <a:srgbClr val="0070C0"/>
+                  </a:solidFill>
+                </a:rPr>
+                <a:t>-</a:t>
+              </a:r>
+            </a:p>
+          </p:txBody>
+        </p:sp>
+        <p:sp>
+          <p:nvSpPr>
+            <p:cNvPr id="15" name="TextBox 14">
+              <a:extLst>
+                <a:ext uri="{FF2B5EF4-FFF2-40B4-BE49-F238E27FC236}">
+                  <a16:creationId xmlns:a16="http://schemas.microsoft.com/office/drawing/2014/main" id="{998C0394-E906-4429-815C-9AFF7C2CE290}"/>
+                </a:ext>
+              </a:extLst>
+            </p:cNvPr>
+            <p:cNvSpPr txBox="1"/>
+            <p:nvPr/>
+          </p:nvSpPr>
+          <p:spPr>
+            <a:xfrm>
+              <a:off x="3116060" y="1547357"/>
+              <a:ext cx="531181" cy="830997"/>
+            </a:xfrm>
+            <a:prstGeom prst="rect">
+              <a:avLst/>
+            </a:prstGeom>
+            <a:noFill/>
+          </p:spPr>
+          <p:txBody>
+            <a:bodyPr wrap="square" rtlCol="0">
+              <a:spAutoFit/>
+            </a:bodyPr>
+            <a:lstStyle/>
+            <a:p>
+              <a:pPr algn="ctr"/>
+              <a:r>
+                <a:rPr lang="en-US" sz="4800" b="1" dirty="0">
+                  <a:solidFill>
+                    <a:srgbClr val="0070C0"/>
+                  </a:solidFill>
+                </a:rPr>
+                <a:t>-</a:t>
+              </a:r>
+            </a:p>
+          </p:txBody>
+        </p:sp>
+        <p:sp>
+          <p:nvSpPr>
+            <p:cNvPr id="16" name="TextBox 15">
+              <a:extLst>
+                <a:ext uri="{FF2B5EF4-FFF2-40B4-BE49-F238E27FC236}">
+                  <a16:creationId xmlns:a16="http://schemas.microsoft.com/office/drawing/2014/main" id="{0993228A-CA05-4CFA-A3D1-B144689F0A18}"/>
+                </a:ext>
+              </a:extLst>
+            </p:cNvPr>
+            <p:cNvSpPr txBox="1"/>
+            <p:nvPr/>
+          </p:nvSpPr>
+          <p:spPr>
+            <a:xfrm>
+              <a:off x="3381098" y="1996843"/>
+              <a:ext cx="531181" cy="830997"/>
+            </a:xfrm>
+            <a:prstGeom prst="rect">
+              <a:avLst/>
+            </a:prstGeom>
+            <a:noFill/>
+          </p:spPr>
+          <p:txBody>
+            <a:bodyPr wrap="square" rtlCol="0">
+              <a:spAutoFit/>
+            </a:bodyPr>
+            <a:lstStyle/>
+            <a:p>
+              <a:pPr algn="ctr"/>
+              <a:r>
+                <a:rPr lang="en-US" sz="4800" b="1" dirty="0">
+                  <a:solidFill>
+                    <a:srgbClr val="0070C0"/>
+                  </a:solidFill>
+                </a:rPr>
+                <a:t>-</a:t>
+              </a:r>
+            </a:p>
+          </p:txBody>
+        </p:sp>
+        <p:sp>
+          <p:nvSpPr>
+            <p:cNvPr id="23" name="TextBox 22">
+              <a:extLst>
+                <a:ext uri="{FF2B5EF4-FFF2-40B4-BE49-F238E27FC236}">
+                  <a16:creationId xmlns:a16="http://schemas.microsoft.com/office/drawing/2014/main" id="{77B9C52B-5B79-469F-862F-D27A11E73903}"/>
+                </a:ext>
+              </a:extLst>
+            </p:cNvPr>
+            <p:cNvSpPr txBox="1"/>
+            <p:nvPr/>
+          </p:nvSpPr>
+          <p:spPr>
+            <a:xfrm>
+              <a:off x="2733211" y="1922483"/>
+              <a:ext cx="531181" cy="830997"/>
+            </a:xfrm>
+            <a:prstGeom prst="rect">
+              <a:avLst/>
+            </a:prstGeom>
+            <a:noFill/>
+          </p:spPr>
+          <p:txBody>
+            <a:bodyPr wrap="square" rtlCol="0">
+              <a:spAutoFit/>
+            </a:bodyPr>
+            <a:lstStyle/>
+            <a:p>
+              <a:pPr algn="ctr"/>
+              <a:r>
+                <a:rPr lang="en-US" sz="4800" b="1" dirty="0">
+                  <a:solidFill>
+                    <a:srgbClr val="0070C0"/>
+                  </a:solidFill>
+                </a:rPr>
+                <a:t>-</a:t>
+              </a:r>
+            </a:p>
+          </p:txBody>
+        </p:sp>
+      </p:grpSp>
+      <p:grpSp>
+        <p:nvGrpSpPr>
+          <p:cNvPr id="45" name="Group 44">
+            <a:extLst>
+              <a:ext uri="{FF2B5EF4-FFF2-40B4-BE49-F238E27FC236}">
+                <a16:creationId xmlns:a16="http://schemas.microsoft.com/office/drawing/2014/main" id="{F80F1ADA-0BEB-4D15-BDDE-6F1F5B2D9FF7}"/>
+              </a:ext>
+            </a:extLst>
+          </p:cNvPr>
+          <p:cNvGrpSpPr/>
+          <p:nvPr/>
+        </p:nvGrpSpPr>
+        <p:grpSpPr>
+          <a:xfrm>
+            <a:off x="5270376" y="3353104"/>
+            <a:ext cx="1376039" cy="1536222"/>
+            <a:chOff x="5270376" y="3353104"/>
+            <a:chExt cx="1376039" cy="1536222"/>
+          </a:xfrm>
+        </p:grpSpPr>
+        <p:sp>
+          <p:nvSpPr>
+            <p:cNvPr id="12" name="Oval 11">
+              <a:extLst>
+                <a:ext uri="{FF2B5EF4-FFF2-40B4-BE49-F238E27FC236}">
+                  <a16:creationId xmlns:a16="http://schemas.microsoft.com/office/drawing/2014/main" id="{8A663827-0EF3-4B4C-B0E0-C3BA4D8CAD7D}"/>
+                </a:ext>
+              </a:extLst>
+            </p:cNvPr>
+            <p:cNvSpPr/>
+            <p:nvPr/>
+          </p:nvSpPr>
+          <p:spPr>
+            <a:xfrm>
+              <a:off x="5270376" y="3429000"/>
+              <a:ext cx="1376039" cy="1349405"/>
+            </a:xfrm>
+            <a:prstGeom prst="ellipse">
+              <a:avLst/>
+            </a:prstGeom>
+            <a:ln w="57150"/>
+          </p:spPr>
+          <p:style>
+            <a:lnRef idx="1">
+              <a:schemeClr val="accent3"/>
+            </a:lnRef>
+            <a:fillRef idx="2">
+              <a:schemeClr val="accent3"/>
+            </a:fillRef>
+            <a:effectRef idx="1">
+              <a:schemeClr val="accent3"/>
+            </a:effectRef>
+            <a:fontRef idx="minor">
+              <a:schemeClr val="dk1"/>
+            </a:fontRef>
+          </p:style>
+          <p:txBody>
+            <a:bodyPr rtlCol="0" anchor="ctr"/>
+            <a:lstStyle/>
+            <a:p>
+              <a:pPr algn="ctr"/>
+              <a:endParaRPr lang="en-US"/>
+            </a:p>
+          </p:txBody>
+        </p:sp>
+        <p:sp>
+          <p:nvSpPr>
+            <p:cNvPr id="26" name="TextBox 25">
+              <a:extLst>
+                <a:ext uri="{FF2B5EF4-FFF2-40B4-BE49-F238E27FC236}">
+                  <a16:creationId xmlns:a16="http://schemas.microsoft.com/office/drawing/2014/main" id="{4F550456-4BD8-451C-8165-40AE654646D8}"/>
+                </a:ext>
+              </a:extLst>
+            </p:cNvPr>
+            <p:cNvSpPr txBox="1"/>
+            <p:nvPr/>
+          </p:nvSpPr>
+          <p:spPr>
+            <a:xfrm>
+              <a:off x="5877934" y="3842472"/>
+              <a:ext cx="531181" cy="830997"/>
+            </a:xfrm>
+            <a:prstGeom prst="rect">
+              <a:avLst/>
+            </a:prstGeom>
+            <a:noFill/>
+          </p:spPr>
+          <p:txBody>
+            <a:bodyPr wrap="square" rtlCol="0">
+              <a:spAutoFit/>
+            </a:bodyPr>
+            <a:lstStyle/>
+            <a:p>
+              <a:pPr algn="ctr"/>
+              <a:r>
+                <a:rPr lang="en-US" sz="4800" b="1" dirty="0">
+                  <a:solidFill>
+                    <a:srgbClr val="0070C0"/>
+                  </a:solidFill>
+                </a:rPr>
+                <a:t>-</a:t>
+              </a:r>
+            </a:p>
+          </p:txBody>
+        </p:sp>
+        <p:sp>
+          <p:nvSpPr>
+            <p:cNvPr id="7" name="TextBox 6">
+              <a:extLst>
+                <a:ext uri="{FF2B5EF4-FFF2-40B4-BE49-F238E27FC236}">
+                  <a16:creationId xmlns:a16="http://schemas.microsoft.com/office/drawing/2014/main" id="{12E8C849-16B0-497B-B4F5-745E96424DE4}"/>
+                </a:ext>
+              </a:extLst>
+            </p:cNvPr>
+            <p:cNvSpPr txBox="1"/>
+            <p:nvPr/>
+          </p:nvSpPr>
+          <p:spPr>
+            <a:xfrm>
+              <a:off x="5464444" y="3353104"/>
+              <a:ext cx="531181" cy="707886"/>
+            </a:xfrm>
+            <a:prstGeom prst="rect">
+              <a:avLst/>
+            </a:prstGeom>
+            <a:noFill/>
+          </p:spPr>
+          <p:txBody>
+            <a:bodyPr wrap="square" rtlCol="0">
+              <a:spAutoFit/>
+            </a:bodyPr>
+            <a:lstStyle/>
+            <a:p>
+              <a:pPr algn="ctr"/>
+              <a:r>
+                <a:rPr lang="en-US" sz="4000" b="1" dirty="0">
+                  <a:solidFill>
+                    <a:srgbClr val="FF0000"/>
+                  </a:solidFill>
+                </a:rPr>
+                <a:t>+</a:t>
+              </a:r>
+            </a:p>
+          </p:txBody>
+        </p:sp>
+        <p:sp>
+          <p:nvSpPr>
+            <p:cNvPr id="33" name="TextBox 32">
+              <a:extLst>
+                <a:ext uri="{FF2B5EF4-FFF2-40B4-BE49-F238E27FC236}">
+                  <a16:creationId xmlns:a16="http://schemas.microsoft.com/office/drawing/2014/main" id="{BDCFED7F-BE59-462E-8E31-E25EA48A9EE5}"/>
+                </a:ext>
+              </a:extLst>
+            </p:cNvPr>
+            <p:cNvSpPr txBox="1"/>
+            <p:nvPr/>
+          </p:nvSpPr>
+          <p:spPr>
+            <a:xfrm>
+              <a:off x="6055429" y="3604679"/>
+              <a:ext cx="531181" cy="707886"/>
+            </a:xfrm>
+            <a:prstGeom prst="rect">
+              <a:avLst/>
+            </a:prstGeom>
+            <a:noFill/>
+          </p:spPr>
+          <p:txBody>
+            <a:bodyPr wrap="square" rtlCol="0">
+              <a:spAutoFit/>
+            </a:bodyPr>
+            <a:lstStyle/>
+            <a:p>
+              <a:pPr algn="ctr"/>
+              <a:r>
+                <a:rPr lang="en-US" sz="4000" b="1" dirty="0">
+                  <a:solidFill>
+                    <a:srgbClr val="FF0000"/>
+                  </a:solidFill>
+                </a:rPr>
+                <a:t>+</a:t>
+              </a:r>
+            </a:p>
+          </p:txBody>
+        </p:sp>
+        <p:sp>
+          <p:nvSpPr>
+            <p:cNvPr id="34" name="TextBox 33">
+              <a:extLst>
+                <a:ext uri="{FF2B5EF4-FFF2-40B4-BE49-F238E27FC236}">
+                  <a16:creationId xmlns:a16="http://schemas.microsoft.com/office/drawing/2014/main" id="{481D95D0-CA0E-4645-BC68-007C57F7903F}"/>
+                </a:ext>
+              </a:extLst>
+            </p:cNvPr>
+            <p:cNvSpPr txBox="1"/>
+            <p:nvPr/>
+          </p:nvSpPr>
+          <p:spPr>
+            <a:xfrm>
+              <a:off x="5316851" y="3842390"/>
+              <a:ext cx="531181" cy="707886"/>
+            </a:xfrm>
+            <a:prstGeom prst="rect">
+              <a:avLst/>
+            </a:prstGeom>
+            <a:noFill/>
+          </p:spPr>
+          <p:txBody>
+            <a:bodyPr wrap="square" rtlCol="0">
+              <a:spAutoFit/>
+            </a:bodyPr>
+            <a:lstStyle/>
+            <a:p>
+              <a:pPr algn="ctr"/>
+              <a:r>
+                <a:rPr lang="en-US" sz="4000" b="1" dirty="0">
+                  <a:solidFill>
+                    <a:srgbClr val="FF0000"/>
+                  </a:solidFill>
+                </a:rPr>
+                <a:t>+</a:t>
+              </a:r>
+            </a:p>
+          </p:txBody>
+        </p:sp>
+        <p:sp>
+          <p:nvSpPr>
+            <p:cNvPr id="35" name="TextBox 34">
+              <a:extLst>
+                <a:ext uri="{FF2B5EF4-FFF2-40B4-BE49-F238E27FC236}">
+                  <a16:creationId xmlns:a16="http://schemas.microsoft.com/office/drawing/2014/main" id="{A2358390-0B07-457A-B2BC-64E7EAF56B9E}"/>
+                </a:ext>
+              </a:extLst>
+            </p:cNvPr>
+            <p:cNvSpPr txBox="1"/>
+            <p:nvPr/>
+          </p:nvSpPr>
+          <p:spPr>
+            <a:xfrm>
+              <a:off x="5662156" y="4181440"/>
+              <a:ext cx="531181" cy="707886"/>
+            </a:xfrm>
+            <a:prstGeom prst="rect">
+              <a:avLst/>
+            </a:prstGeom>
+            <a:noFill/>
+          </p:spPr>
+          <p:txBody>
+            <a:bodyPr wrap="square" rtlCol="0">
+              <a:spAutoFit/>
+            </a:bodyPr>
+            <a:lstStyle/>
+            <a:p>
+              <a:pPr algn="ctr"/>
+              <a:r>
+                <a:rPr lang="en-US" sz="4000" b="1" dirty="0">
+                  <a:solidFill>
+                    <a:srgbClr val="FF0000"/>
+                  </a:solidFill>
+                </a:rPr>
+                <a:t>+</a:t>
+              </a:r>
+            </a:p>
+          </p:txBody>
+        </p:sp>
+        <p:sp>
+          <p:nvSpPr>
+            <p:cNvPr id="36" name="TextBox 35">
+              <a:extLst>
+                <a:ext uri="{FF2B5EF4-FFF2-40B4-BE49-F238E27FC236}">
+                  <a16:creationId xmlns:a16="http://schemas.microsoft.com/office/drawing/2014/main" id="{F6DDE6C0-A07A-48F8-B66E-E789A8793505}"/>
+                </a:ext>
+              </a:extLst>
+            </p:cNvPr>
+            <p:cNvSpPr txBox="1"/>
+            <p:nvPr/>
+          </p:nvSpPr>
+          <p:spPr>
+            <a:xfrm>
+              <a:off x="5635122" y="3596214"/>
+              <a:ext cx="531181" cy="707886"/>
+            </a:xfrm>
+            <a:prstGeom prst="rect">
+              <a:avLst/>
+            </a:prstGeom>
+            <a:noFill/>
+          </p:spPr>
+          <p:txBody>
+            <a:bodyPr wrap="square" rtlCol="0">
+              <a:spAutoFit/>
+            </a:bodyPr>
+            <a:lstStyle/>
+            <a:p>
+              <a:pPr algn="ctr"/>
+              <a:r>
+                <a:rPr lang="en-US" sz="4000" b="1" dirty="0">
+                  <a:solidFill>
+                    <a:srgbClr val="FF0000"/>
+                  </a:solidFill>
+                </a:rPr>
+                <a:t>+</a:t>
+              </a:r>
+            </a:p>
+          </p:txBody>
+        </p:sp>
+      </p:grpSp>
+      <p:grpSp>
+        <p:nvGrpSpPr>
+          <p:cNvPr id="46" name="Group 45">
+            <a:extLst>
+              <a:ext uri="{FF2B5EF4-FFF2-40B4-BE49-F238E27FC236}">
+                <a16:creationId xmlns:a16="http://schemas.microsoft.com/office/drawing/2014/main" id="{04010263-ECD4-4398-AD32-88B4B60DF1F3}"/>
+              </a:ext>
+            </a:extLst>
+          </p:cNvPr>
+          <p:cNvGrpSpPr/>
+          <p:nvPr/>
+        </p:nvGrpSpPr>
+        <p:grpSpPr>
+          <a:xfrm>
+            <a:off x="3449344" y="3229993"/>
+            <a:ext cx="1376039" cy="1610092"/>
+            <a:chOff x="3449344" y="3229993"/>
+            <a:chExt cx="1376039" cy="1610092"/>
+          </a:xfrm>
+        </p:grpSpPr>
+        <p:sp>
+          <p:nvSpPr>
+            <p:cNvPr id="11" name="Oval 10">
+              <a:extLst>
+                <a:ext uri="{FF2B5EF4-FFF2-40B4-BE49-F238E27FC236}">
+                  <a16:creationId xmlns:a16="http://schemas.microsoft.com/office/drawing/2014/main" id="{E8D081A8-3F42-461D-BFA7-71B90040879C}"/>
+                </a:ext>
+              </a:extLst>
+            </p:cNvPr>
+            <p:cNvSpPr/>
+            <p:nvPr/>
+          </p:nvSpPr>
+          <p:spPr>
+            <a:xfrm>
+              <a:off x="3449344" y="3428999"/>
+              <a:ext cx="1376039" cy="1349405"/>
+            </a:xfrm>
+            <a:prstGeom prst="ellipse">
+              <a:avLst/>
+            </a:prstGeom>
+            <a:ln w="57150"/>
+          </p:spPr>
+          <p:style>
+            <a:lnRef idx="1">
+              <a:schemeClr val="accent3"/>
+            </a:lnRef>
+            <a:fillRef idx="2">
+              <a:schemeClr val="accent3"/>
+            </a:fillRef>
+            <a:effectRef idx="1">
+              <a:schemeClr val="accent3"/>
+            </a:effectRef>
+            <a:fontRef idx="minor">
+              <a:schemeClr val="dk1"/>
+            </a:fontRef>
+          </p:style>
+          <p:txBody>
+            <a:bodyPr rtlCol="0" anchor="ctr"/>
+            <a:lstStyle/>
+            <a:p>
+              <a:pPr algn="ctr"/>
+              <a:endParaRPr lang="en-US"/>
+            </a:p>
+          </p:txBody>
+        </p:sp>
+        <p:sp>
+          <p:nvSpPr>
+            <p:cNvPr id="27" name="TextBox 26">
+              <a:extLst>
+                <a:ext uri="{FF2B5EF4-FFF2-40B4-BE49-F238E27FC236}">
+                  <a16:creationId xmlns:a16="http://schemas.microsoft.com/office/drawing/2014/main" id="{1ED316DC-6B4D-4B40-A19D-5E4CDB253E9A}"/>
+                </a:ext>
+              </a:extLst>
+            </p:cNvPr>
+            <p:cNvSpPr txBox="1"/>
+            <p:nvPr/>
+          </p:nvSpPr>
+          <p:spPr>
+            <a:xfrm>
+              <a:off x="3707122" y="3272862"/>
+              <a:ext cx="531181" cy="830997"/>
+            </a:xfrm>
+            <a:prstGeom prst="rect">
+              <a:avLst/>
+            </a:prstGeom>
+            <a:noFill/>
+          </p:spPr>
+          <p:txBody>
+            <a:bodyPr wrap="square" rtlCol="0">
+              <a:spAutoFit/>
+            </a:bodyPr>
+            <a:lstStyle/>
+            <a:p>
+              <a:pPr algn="ctr"/>
+              <a:r>
+                <a:rPr lang="en-US" sz="4800" b="1" dirty="0">
+                  <a:solidFill>
+                    <a:srgbClr val="0070C0"/>
+                  </a:solidFill>
+                </a:rPr>
+                <a:t>-</a:t>
+              </a:r>
+            </a:p>
+          </p:txBody>
+        </p:sp>
+        <p:sp>
+          <p:nvSpPr>
+            <p:cNvPr id="28" name="TextBox 27">
+              <a:extLst>
+                <a:ext uri="{FF2B5EF4-FFF2-40B4-BE49-F238E27FC236}">
+                  <a16:creationId xmlns:a16="http://schemas.microsoft.com/office/drawing/2014/main" id="{A7052229-C4AE-48D0-8FE5-510D9647506D}"/>
+                </a:ext>
+              </a:extLst>
+            </p:cNvPr>
+            <p:cNvSpPr txBox="1"/>
+            <p:nvPr/>
+          </p:nvSpPr>
+          <p:spPr>
+            <a:xfrm>
+              <a:off x="4028611" y="3478649"/>
+              <a:ext cx="531181" cy="830997"/>
+            </a:xfrm>
+            <a:prstGeom prst="rect">
+              <a:avLst/>
+            </a:prstGeom>
+            <a:noFill/>
+          </p:spPr>
+          <p:txBody>
+            <a:bodyPr wrap="square" rtlCol="0">
+              <a:spAutoFit/>
+            </a:bodyPr>
+            <a:lstStyle/>
+            <a:p>
+              <a:pPr algn="ctr"/>
+              <a:r>
+                <a:rPr lang="en-US" sz="4800" b="1" dirty="0">
+                  <a:solidFill>
+                    <a:srgbClr val="0070C0"/>
+                  </a:solidFill>
+                </a:rPr>
+                <a:t>-</a:t>
+              </a:r>
+            </a:p>
+          </p:txBody>
+        </p:sp>
+        <p:sp>
+          <p:nvSpPr>
+            <p:cNvPr id="29" name="TextBox 28">
+              <a:extLst>
+                <a:ext uri="{FF2B5EF4-FFF2-40B4-BE49-F238E27FC236}">
+                  <a16:creationId xmlns:a16="http://schemas.microsoft.com/office/drawing/2014/main" id="{4370DE34-9F77-4008-A501-6855C08AACFD}"/>
+                </a:ext>
+              </a:extLst>
+            </p:cNvPr>
+            <p:cNvSpPr txBox="1"/>
+            <p:nvPr/>
+          </p:nvSpPr>
+          <p:spPr>
+            <a:xfrm>
+              <a:off x="3646688" y="3890013"/>
+              <a:ext cx="531181" cy="830997"/>
+            </a:xfrm>
+            <a:prstGeom prst="rect">
+              <a:avLst/>
+            </a:prstGeom>
+            <a:noFill/>
+          </p:spPr>
+          <p:txBody>
+            <a:bodyPr wrap="square" rtlCol="0">
+              <a:spAutoFit/>
+            </a:bodyPr>
+            <a:lstStyle/>
+            <a:p>
+              <a:pPr algn="ctr"/>
+              <a:r>
+                <a:rPr lang="en-US" sz="4800" b="1" dirty="0">
+                  <a:solidFill>
+                    <a:srgbClr val="0070C0"/>
+                  </a:solidFill>
+                </a:rPr>
+                <a:t>-</a:t>
+              </a:r>
+            </a:p>
+          </p:txBody>
+        </p:sp>
+        <p:sp>
+          <p:nvSpPr>
+            <p:cNvPr id="30" name="TextBox 29">
+              <a:extLst>
+                <a:ext uri="{FF2B5EF4-FFF2-40B4-BE49-F238E27FC236}">
+                  <a16:creationId xmlns:a16="http://schemas.microsoft.com/office/drawing/2014/main" id="{ECE69CC0-65FB-4AD4-88B1-E858AEEF89F4}"/>
+                </a:ext>
+              </a:extLst>
+            </p:cNvPr>
+            <p:cNvSpPr txBox="1"/>
+            <p:nvPr/>
+          </p:nvSpPr>
+          <p:spPr>
+            <a:xfrm>
+              <a:off x="4028610" y="4009088"/>
+              <a:ext cx="531181" cy="830997"/>
+            </a:xfrm>
+            <a:prstGeom prst="rect">
+              <a:avLst/>
+            </a:prstGeom>
+            <a:noFill/>
+          </p:spPr>
+          <p:txBody>
+            <a:bodyPr wrap="square" rtlCol="0">
+              <a:spAutoFit/>
+            </a:bodyPr>
+            <a:lstStyle/>
+            <a:p>
+              <a:pPr algn="ctr"/>
+              <a:r>
+                <a:rPr lang="en-US" sz="4800" b="1" dirty="0">
+                  <a:solidFill>
+                    <a:srgbClr val="0070C0"/>
+                  </a:solidFill>
+                </a:rPr>
+                <a:t>-</a:t>
+              </a:r>
+            </a:p>
+          </p:txBody>
+        </p:sp>
+        <p:sp>
+          <p:nvSpPr>
+            <p:cNvPr id="31" name="TextBox 30">
+              <a:extLst>
+                <a:ext uri="{FF2B5EF4-FFF2-40B4-BE49-F238E27FC236}">
+                  <a16:creationId xmlns:a16="http://schemas.microsoft.com/office/drawing/2014/main" id="{3F7B19FD-8154-475E-B099-420FC29562E6}"/>
+                </a:ext>
+              </a:extLst>
+            </p:cNvPr>
+            <p:cNvSpPr txBox="1"/>
+            <p:nvPr/>
+          </p:nvSpPr>
+          <p:spPr>
+            <a:xfrm>
+              <a:off x="4078157" y="3229993"/>
+              <a:ext cx="531181" cy="830997"/>
+            </a:xfrm>
+            <a:prstGeom prst="rect">
+              <a:avLst/>
+            </a:prstGeom>
+            <a:noFill/>
+          </p:spPr>
+          <p:txBody>
+            <a:bodyPr wrap="square" rtlCol="0">
+              <a:spAutoFit/>
+            </a:bodyPr>
+            <a:lstStyle/>
+            <a:p>
+              <a:pPr algn="ctr"/>
+              <a:r>
+                <a:rPr lang="en-US" sz="4800" b="1" dirty="0">
+                  <a:solidFill>
+                    <a:srgbClr val="0070C0"/>
+                  </a:solidFill>
+                </a:rPr>
+                <a:t>-</a:t>
+              </a:r>
+            </a:p>
+          </p:txBody>
+        </p:sp>
+        <p:sp>
+          <p:nvSpPr>
+            <p:cNvPr id="32" name="TextBox 31">
+              <a:extLst>
+                <a:ext uri="{FF2B5EF4-FFF2-40B4-BE49-F238E27FC236}">
+                  <a16:creationId xmlns:a16="http://schemas.microsoft.com/office/drawing/2014/main" id="{5EF8E5DB-639B-4481-A341-6E4512CDAEA3}"/>
+                </a:ext>
+              </a:extLst>
+            </p:cNvPr>
+            <p:cNvSpPr txBox="1"/>
+            <p:nvPr/>
+          </p:nvSpPr>
+          <p:spPr>
+            <a:xfrm>
+              <a:off x="3513055" y="3426892"/>
+              <a:ext cx="531181" cy="830997"/>
+            </a:xfrm>
+            <a:prstGeom prst="rect">
+              <a:avLst/>
+            </a:prstGeom>
+            <a:noFill/>
+          </p:spPr>
+          <p:txBody>
+            <a:bodyPr wrap="square" rtlCol="0">
+              <a:spAutoFit/>
+            </a:bodyPr>
+            <a:lstStyle/>
+            <a:p>
+              <a:pPr algn="ctr"/>
+              <a:r>
+                <a:rPr lang="en-US" sz="4800" b="1" dirty="0">
+                  <a:solidFill>
+                    <a:srgbClr val="0070C0"/>
+                  </a:solidFill>
+                </a:rPr>
+                <a:t>-</a:t>
+              </a:r>
+            </a:p>
+          </p:txBody>
+        </p:sp>
+        <p:sp>
+          <p:nvSpPr>
+            <p:cNvPr id="37" name="TextBox 36">
+              <a:extLst>
+                <a:ext uri="{FF2B5EF4-FFF2-40B4-BE49-F238E27FC236}">
+                  <a16:creationId xmlns:a16="http://schemas.microsoft.com/office/drawing/2014/main" id="{CF8DBF3C-A46E-4716-AEED-8BA81E723A5A}"/>
+                </a:ext>
+              </a:extLst>
+            </p:cNvPr>
+            <p:cNvSpPr txBox="1"/>
+            <p:nvPr/>
+          </p:nvSpPr>
+          <p:spPr>
+            <a:xfrm>
+              <a:off x="4204903" y="3791345"/>
+              <a:ext cx="531181" cy="707886"/>
+            </a:xfrm>
+            <a:prstGeom prst="rect">
+              <a:avLst/>
+            </a:prstGeom>
+            <a:noFill/>
+          </p:spPr>
+          <p:txBody>
+            <a:bodyPr wrap="square" rtlCol="0">
+              <a:spAutoFit/>
+            </a:bodyPr>
+            <a:lstStyle/>
+            <a:p>
+              <a:pPr algn="ctr"/>
+              <a:r>
+                <a:rPr lang="en-US" sz="4000" b="1" dirty="0">
+                  <a:solidFill>
+                    <a:srgbClr val="FF0000"/>
+                  </a:solidFill>
+                </a:rPr>
+                <a:t>+</a:t>
+              </a:r>
+            </a:p>
+          </p:txBody>
+        </p:sp>
+      </p:grpSp>
+      <p:grpSp>
+        <p:nvGrpSpPr>
+          <p:cNvPr id="47" name="Group 46">
+            <a:extLst>
+              <a:ext uri="{FF2B5EF4-FFF2-40B4-BE49-F238E27FC236}">
+                <a16:creationId xmlns:a16="http://schemas.microsoft.com/office/drawing/2014/main" id="{1ACEED68-5020-4788-9EE3-53C32922774D}"/>
+              </a:ext>
+            </a:extLst>
+          </p:cNvPr>
+          <p:cNvGrpSpPr/>
+          <p:nvPr/>
+        </p:nvGrpSpPr>
+        <p:grpSpPr>
+          <a:xfrm>
+            <a:off x="1628312" y="3271888"/>
+            <a:ext cx="1376039" cy="1517731"/>
+            <a:chOff x="1628312" y="3271888"/>
+            <a:chExt cx="1376039" cy="1517731"/>
+          </a:xfrm>
+        </p:grpSpPr>
+        <p:sp>
+          <p:nvSpPr>
+            <p:cNvPr id="10" name="Oval 9">
+              <a:extLst>
+                <a:ext uri="{FF2B5EF4-FFF2-40B4-BE49-F238E27FC236}">
+                  <a16:creationId xmlns:a16="http://schemas.microsoft.com/office/drawing/2014/main" id="{10C7DD83-DB5E-4722-96CE-4728862D09EC}"/>
+                </a:ext>
+              </a:extLst>
+            </p:cNvPr>
+            <p:cNvSpPr/>
+            <p:nvPr/>
+          </p:nvSpPr>
+          <p:spPr>
+            <a:xfrm>
+              <a:off x="1628312" y="3428998"/>
+              <a:ext cx="1376039" cy="1349405"/>
+            </a:xfrm>
+            <a:prstGeom prst="ellipse">
+              <a:avLst/>
+            </a:prstGeom>
+            <a:ln w="57150"/>
+          </p:spPr>
+          <p:style>
+            <a:lnRef idx="1">
+              <a:schemeClr val="accent3"/>
+            </a:lnRef>
+            <a:fillRef idx="2">
+              <a:schemeClr val="accent3"/>
+            </a:fillRef>
+            <a:effectRef idx="1">
+              <a:schemeClr val="accent3"/>
+            </a:effectRef>
+            <a:fontRef idx="minor">
+              <a:schemeClr val="dk1"/>
+            </a:fontRef>
+          </p:style>
+          <p:txBody>
+            <a:bodyPr rtlCol="0" anchor="ctr"/>
+            <a:lstStyle/>
+            <a:p>
+              <a:pPr algn="ctr"/>
+              <a:endParaRPr lang="en-US"/>
+            </a:p>
+          </p:txBody>
+        </p:sp>
+        <p:sp>
+          <p:nvSpPr>
+            <p:cNvPr id="17" name="TextBox 16">
+              <a:extLst>
+                <a:ext uri="{FF2B5EF4-FFF2-40B4-BE49-F238E27FC236}">
+                  <a16:creationId xmlns:a16="http://schemas.microsoft.com/office/drawing/2014/main" id="{0E900530-B27A-44FC-85EF-54BAD51C8784}"/>
+                </a:ext>
+              </a:extLst>
+            </p:cNvPr>
+            <p:cNvSpPr txBox="1"/>
+            <p:nvPr/>
+          </p:nvSpPr>
+          <p:spPr>
+            <a:xfrm>
+              <a:off x="2271289" y="3271888"/>
+              <a:ext cx="531181" cy="830997"/>
+            </a:xfrm>
+            <a:prstGeom prst="rect">
+              <a:avLst/>
+            </a:prstGeom>
+            <a:noFill/>
+          </p:spPr>
+          <p:txBody>
+            <a:bodyPr wrap="square" rtlCol="0">
+              <a:spAutoFit/>
+            </a:bodyPr>
+            <a:lstStyle/>
+            <a:p>
+              <a:pPr algn="ctr"/>
+              <a:r>
+                <a:rPr lang="en-US" sz="4800" b="1" dirty="0">
+                  <a:solidFill>
+                    <a:srgbClr val="0070C0"/>
+                  </a:solidFill>
+                </a:rPr>
+                <a:t>-</a:t>
+              </a:r>
+            </a:p>
+          </p:txBody>
+        </p:sp>
+        <p:sp>
+          <p:nvSpPr>
+            <p:cNvPr id="22" name="TextBox 21">
+              <a:extLst>
+                <a:ext uri="{FF2B5EF4-FFF2-40B4-BE49-F238E27FC236}">
+                  <a16:creationId xmlns:a16="http://schemas.microsoft.com/office/drawing/2014/main" id="{50FA203B-07BB-480F-B618-36EE37C1EE14}"/>
+                </a:ext>
+              </a:extLst>
+            </p:cNvPr>
+            <p:cNvSpPr txBox="1"/>
+            <p:nvPr/>
+          </p:nvSpPr>
+          <p:spPr>
+            <a:xfrm>
+              <a:off x="1783202" y="3428998"/>
+              <a:ext cx="531181" cy="830997"/>
+            </a:xfrm>
+            <a:prstGeom prst="rect">
+              <a:avLst/>
+            </a:prstGeom>
+            <a:noFill/>
+          </p:spPr>
+          <p:txBody>
+            <a:bodyPr wrap="square" rtlCol="0">
+              <a:spAutoFit/>
+            </a:bodyPr>
+            <a:lstStyle/>
+            <a:p>
+              <a:pPr algn="ctr"/>
+              <a:r>
+                <a:rPr lang="en-US" sz="4800" b="1" dirty="0">
+                  <a:solidFill>
+                    <a:srgbClr val="0070C0"/>
+                  </a:solidFill>
+                </a:rPr>
+                <a:t>-</a:t>
+              </a:r>
+            </a:p>
+          </p:txBody>
+        </p:sp>
+        <p:sp>
+          <p:nvSpPr>
+            <p:cNvPr id="24" name="TextBox 23">
+              <a:extLst>
+                <a:ext uri="{FF2B5EF4-FFF2-40B4-BE49-F238E27FC236}">
+                  <a16:creationId xmlns:a16="http://schemas.microsoft.com/office/drawing/2014/main" id="{397DF325-BF76-4ADA-973E-583E2E983BC1}"/>
+                </a:ext>
+              </a:extLst>
+            </p:cNvPr>
+            <p:cNvSpPr txBox="1"/>
+            <p:nvPr/>
+          </p:nvSpPr>
+          <p:spPr>
+            <a:xfrm>
+              <a:off x="2469273" y="3765942"/>
+              <a:ext cx="531181" cy="830997"/>
+            </a:xfrm>
+            <a:prstGeom prst="rect">
+              <a:avLst/>
+            </a:prstGeom>
+            <a:noFill/>
+          </p:spPr>
+          <p:txBody>
+            <a:bodyPr wrap="square" rtlCol="0">
+              <a:spAutoFit/>
+            </a:bodyPr>
+            <a:lstStyle/>
+            <a:p>
+              <a:pPr algn="ctr"/>
+              <a:r>
+                <a:rPr lang="en-US" sz="4800" b="1" dirty="0">
+                  <a:solidFill>
+                    <a:srgbClr val="0070C0"/>
+                  </a:solidFill>
+                </a:rPr>
+                <a:t>-</a:t>
+              </a:r>
+            </a:p>
+          </p:txBody>
+        </p:sp>
+        <p:sp>
+          <p:nvSpPr>
+            <p:cNvPr id="25" name="TextBox 24">
+              <a:extLst>
+                <a:ext uri="{FF2B5EF4-FFF2-40B4-BE49-F238E27FC236}">
+                  <a16:creationId xmlns:a16="http://schemas.microsoft.com/office/drawing/2014/main" id="{66DB73AD-54F2-4C54-BBB6-5BEE0E43F086}"/>
+                </a:ext>
+              </a:extLst>
+            </p:cNvPr>
+            <p:cNvSpPr txBox="1"/>
+            <p:nvPr/>
+          </p:nvSpPr>
+          <p:spPr>
+            <a:xfrm>
+              <a:off x="2146718" y="3958622"/>
+              <a:ext cx="531181" cy="830997"/>
+            </a:xfrm>
+            <a:prstGeom prst="rect">
+              <a:avLst/>
+            </a:prstGeom>
+            <a:noFill/>
+          </p:spPr>
+          <p:txBody>
+            <a:bodyPr wrap="square" rtlCol="0">
+              <a:spAutoFit/>
+            </a:bodyPr>
+            <a:lstStyle/>
+            <a:p>
+              <a:pPr algn="ctr"/>
+              <a:r>
+                <a:rPr lang="en-US" sz="4800" b="1" dirty="0">
+                  <a:solidFill>
+                    <a:srgbClr val="0070C0"/>
+                  </a:solidFill>
+                </a:rPr>
+                <a:t>-</a:t>
+              </a:r>
+            </a:p>
+          </p:txBody>
+        </p:sp>
+        <p:sp>
+          <p:nvSpPr>
+            <p:cNvPr id="38" name="TextBox 37">
+              <a:extLst>
+                <a:ext uri="{FF2B5EF4-FFF2-40B4-BE49-F238E27FC236}">
+                  <a16:creationId xmlns:a16="http://schemas.microsoft.com/office/drawing/2014/main" id="{4EA7824D-13DC-43AA-8CB2-DBF881F661BC}"/>
+                </a:ext>
+              </a:extLst>
+            </p:cNvPr>
+            <p:cNvSpPr txBox="1"/>
+            <p:nvPr/>
+          </p:nvSpPr>
+          <p:spPr>
+            <a:xfrm>
+              <a:off x="2128507" y="3625842"/>
+              <a:ext cx="531181" cy="707886"/>
+            </a:xfrm>
+            <a:prstGeom prst="rect">
+              <a:avLst/>
+            </a:prstGeom>
+            <a:noFill/>
+          </p:spPr>
+          <p:txBody>
+            <a:bodyPr wrap="square" rtlCol="0">
+              <a:spAutoFit/>
+            </a:bodyPr>
+            <a:lstStyle/>
+            <a:p>
+              <a:pPr algn="ctr"/>
+              <a:r>
+                <a:rPr lang="en-US" sz="4000" b="1" dirty="0">
+                  <a:solidFill>
+                    <a:srgbClr val="FF0000"/>
+                  </a:solidFill>
+                </a:rPr>
+                <a:t>+</a:t>
+              </a:r>
+            </a:p>
+          </p:txBody>
+        </p:sp>
+        <p:sp>
+          <p:nvSpPr>
+            <p:cNvPr id="39" name="TextBox 38">
+              <a:extLst>
+                <a:ext uri="{FF2B5EF4-FFF2-40B4-BE49-F238E27FC236}">
+                  <a16:creationId xmlns:a16="http://schemas.microsoft.com/office/drawing/2014/main" id="{DA9ABC68-5C23-4AB9-A1EB-2D6CADF2AD89}"/>
+                </a:ext>
+              </a:extLst>
+            </p:cNvPr>
+            <p:cNvSpPr txBox="1"/>
+            <p:nvPr/>
+          </p:nvSpPr>
+          <p:spPr>
+            <a:xfrm>
+              <a:off x="1648459" y="3699111"/>
+              <a:ext cx="531181" cy="707886"/>
+            </a:xfrm>
+            <a:prstGeom prst="rect">
+              <a:avLst/>
+            </a:prstGeom>
+            <a:noFill/>
+          </p:spPr>
+          <p:txBody>
+            <a:bodyPr wrap="square" rtlCol="0">
+              <a:spAutoFit/>
+            </a:bodyPr>
+            <a:lstStyle/>
+            <a:p>
+              <a:pPr algn="ctr"/>
+              <a:r>
+                <a:rPr lang="en-US" sz="4000" b="1" dirty="0">
+                  <a:solidFill>
+                    <a:srgbClr val="FF0000"/>
+                  </a:solidFill>
+                </a:rPr>
+                <a:t>+</a:t>
+              </a:r>
+            </a:p>
+          </p:txBody>
+        </p:sp>
+        <p:sp>
+          <p:nvSpPr>
+            <p:cNvPr id="40" name="TextBox 39">
+              <a:extLst>
+                <a:ext uri="{FF2B5EF4-FFF2-40B4-BE49-F238E27FC236}">
+                  <a16:creationId xmlns:a16="http://schemas.microsoft.com/office/drawing/2014/main" id="{3079B1C0-B6B0-4892-93BE-E72579CC4C29}"/>
+                </a:ext>
+              </a:extLst>
+            </p:cNvPr>
+            <p:cNvSpPr txBox="1"/>
+            <p:nvPr/>
+          </p:nvSpPr>
+          <p:spPr>
+            <a:xfrm>
+              <a:off x="1923155" y="4065085"/>
+              <a:ext cx="531181" cy="707886"/>
+            </a:xfrm>
+            <a:prstGeom prst="rect">
+              <a:avLst/>
+            </a:prstGeom>
+            <a:noFill/>
+          </p:spPr>
+          <p:txBody>
+            <a:bodyPr wrap="square" rtlCol="0">
+              <a:spAutoFit/>
+            </a:bodyPr>
+            <a:lstStyle/>
+            <a:p>
+              <a:pPr algn="ctr"/>
+              <a:r>
+                <a:rPr lang="en-US" sz="4000" b="1" dirty="0">
+                  <a:solidFill>
+                    <a:srgbClr val="FF0000"/>
+                  </a:solidFill>
+                </a:rPr>
+                <a:t>+</a:t>
+              </a:r>
+            </a:p>
+          </p:txBody>
+        </p:sp>
+        <p:sp>
+          <p:nvSpPr>
+            <p:cNvPr id="41" name="TextBox 40">
+              <a:extLst>
+                <a:ext uri="{FF2B5EF4-FFF2-40B4-BE49-F238E27FC236}">
+                  <a16:creationId xmlns:a16="http://schemas.microsoft.com/office/drawing/2014/main" id="{42812E0E-7107-47CC-841A-D16D8014BE2A}"/>
+                </a:ext>
+              </a:extLst>
+            </p:cNvPr>
+            <p:cNvSpPr txBox="1"/>
+            <p:nvPr/>
+          </p:nvSpPr>
+          <p:spPr>
+            <a:xfrm>
+              <a:off x="1969223" y="3283466"/>
+              <a:ext cx="531181" cy="707886"/>
+            </a:xfrm>
+            <a:prstGeom prst="rect">
+              <a:avLst/>
+            </a:prstGeom>
+            <a:noFill/>
+          </p:spPr>
+          <p:txBody>
+            <a:bodyPr wrap="square" rtlCol="0">
+              <a:spAutoFit/>
+            </a:bodyPr>
+            <a:lstStyle/>
+            <a:p>
+              <a:pPr algn="ctr"/>
+              <a:r>
+                <a:rPr lang="en-US" sz="4000" b="1" dirty="0">
+                  <a:solidFill>
+                    <a:srgbClr val="FF0000"/>
+                  </a:solidFill>
+                </a:rPr>
+                <a:t>+</a:t>
+              </a:r>
+            </a:p>
+          </p:txBody>
+        </p:sp>
+      </p:grpSp>
+      <p:sp>
+        <p:nvSpPr>
+          <p:cNvPr id="42" name="TextBox 41">
+            <a:extLst>
+              <a:ext uri="{FF2B5EF4-FFF2-40B4-BE49-F238E27FC236}">
+                <a16:creationId xmlns:a16="http://schemas.microsoft.com/office/drawing/2014/main" id="{B403A441-1EF2-4F24-B186-53B0621279BF}"/>
+              </a:ext>
+            </a:extLst>
+          </p:cNvPr>
+          <p:cNvSpPr txBox="1"/>
+          <p:nvPr/>
+        </p:nvSpPr>
+        <p:spPr>
+          <a:xfrm>
+            <a:off x="10661135" y="5050231"/>
+            <a:ext cx="531181" cy="707886"/>
+          </a:xfrm>
+          <a:prstGeom prst="rect">
+            <a:avLst/>
+          </a:prstGeom>
+          <a:noFill/>
+        </p:spPr>
+        <p:txBody>
+          <a:bodyPr wrap="square" rtlCol="0">
+            <a:spAutoFit/>
+          </a:bodyPr>
+          <a:lstStyle/>
+          <a:p>
+            <a:pPr algn="ctr"/>
+            <a:r>
+              <a:rPr lang="en-US" sz="4000" b="1" dirty="0">
+                <a:solidFill>
+                  <a:srgbClr val="FF0000"/>
+                </a:solidFill>
+              </a:rPr>
+              <a:t>+</a:t>
+            </a:r>
+          </a:p>
+        </p:txBody>
+      </p:sp>
+      <p:sp>
+        <p:nvSpPr>
+          <p:cNvPr id="48" name="TextBox 47">
+            <a:extLst>
+              <a:ext uri="{FF2B5EF4-FFF2-40B4-BE49-F238E27FC236}">
+                <a16:creationId xmlns:a16="http://schemas.microsoft.com/office/drawing/2014/main" id="{B1E585B3-D330-447E-9950-D4B70896AD45}"/>
+              </a:ext>
+            </a:extLst>
+          </p:cNvPr>
+          <p:cNvSpPr txBox="1"/>
+          <p:nvPr/>
+        </p:nvSpPr>
+        <p:spPr>
+          <a:xfrm>
+            <a:off x="7222257" y="3810306"/>
+            <a:ext cx="3186541" cy="584775"/>
+          </a:xfrm>
+          <a:prstGeom prst="rect">
+            <a:avLst/>
+          </a:prstGeom>
+          <a:noFill/>
+          <a:ln w="57150">
+            <a:solidFill>
+              <a:schemeClr val="bg1">
+                <a:lumMod val="65000"/>
+              </a:schemeClr>
+            </a:solidFill>
+          </a:ln>
+        </p:spPr>
+        <p:txBody>
+          <a:bodyPr wrap="square" rtlCol="0">
+            <a:spAutoFit/>
+          </a:bodyPr>
+          <a:lstStyle/>
+          <a:p>
+            <a:pPr algn="ctr"/>
+            <a:r>
+              <a:rPr lang="en-US" sz="3200" b="1" dirty="0">
+                <a:solidFill>
+                  <a:srgbClr val="FF0000"/>
+                </a:solidFill>
+              </a:rPr>
+              <a:t>Positive Bags</a:t>
+            </a:r>
+          </a:p>
+        </p:txBody>
+      </p:sp>
+      <p:sp>
+        <p:nvSpPr>
+          <p:cNvPr id="49" name="TextBox 48">
+            <a:extLst>
+              <a:ext uri="{FF2B5EF4-FFF2-40B4-BE49-F238E27FC236}">
+                <a16:creationId xmlns:a16="http://schemas.microsoft.com/office/drawing/2014/main" id="{55C4F553-31E2-458B-84F9-FB3807DE5FA2}"/>
+              </a:ext>
+            </a:extLst>
+          </p:cNvPr>
+          <p:cNvSpPr txBox="1"/>
+          <p:nvPr/>
+        </p:nvSpPr>
+        <p:spPr>
+          <a:xfrm>
+            <a:off x="7222257" y="2119953"/>
+            <a:ext cx="3186541" cy="584775"/>
+          </a:xfrm>
+          <a:prstGeom prst="rect">
+            <a:avLst/>
+          </a:prstGeom>
+          <a:noFill/>
+          <a:ln w="57150">
+            <a:solidFill>
+              <a:schemeClr val="bg1">
+                <a:lumMod val="65000"/>
+              </a:schemeClr>
+            </a:solidFill>
+          </a:ln>
+        </p:spPr>
+        <p:txBody>
+          <a:bodyPr wrap="square" rtlCol="0">
+            <a:spAutoFit/>
+          </a:bodyPr>
+          <a:lstStyle/>
+          <a:p>
+            <a:pPr algn="ctr"/>
+            <a:r>
+              <a:rPr lang="en-US" sz="3200" b="1" dirty="0">
+                <a:solidFill>
+                  <a:srgbClr val="0070C0"/>
+                </a:solidFill>
+              </a:rPr>
+              <a:t>Negative Bags</a:t>
+            </a:r>
+          </a:p>
+        </p:txBody>
+      </p:sp>
+    </p:spTree>
+    <p:extLst>
+      <p:ext uri="{BB962C8B-B14F-4D97-AF65-F5344CB8AC3E}">
+        <p14:creationId xmlns:p14="http://schemas.microsoft.com/office/powerpoint/2010/main" val="3843257664"/>
+      </p:ext>
+    </p:extLst>
+  </p:cSld>
+  <p:clrMapOvr>
+    <a:masterClrMapping/>
+  </p:clrMapOvr>
+</p:sld>
+</file>
+
 <file path=ppt/theme/theme1.xml><?xml version="1.0" encoding="utf-8"?>
 <a:theme xmlns:a="http://schemas.openxmlformats.org/drawingml/2006/main" name="Office Theme">
   <a:themeElements>

--- a/Proposal/Images/quadratic_surfaces_bags.pptx
+++ b/Proposal/Images/quadratic_surfaces_bags.pptx
@@ -12,6 +12,8 @@
     <p:sldId id="260" r:id="rId6"/>
     <p:sldId id="261" r:id="rId7"/>
     <p:sldId id="262" r:id="rId8"/>
+    <p:sldId id="264" r:id="rId9"/>
+    <p:sldId id="263" r:id="rId10"/>
   </p:sldIdLst>
   <p:sldSz cx="12192000" cy="6858000"/>
   <p:notesSz cx="6858000" cy="9144000"/>
@@ -265,7 +267,7 @@
           <a:p>
             <a:fld id="{B5686CB4-F599-40B6-B93D-CDA65E645F4F}" type="datetimeFigureOut">
               <a:rPr lang="en-US" smtClean="0"/>
-              <a:t>5/3/2020</a:t>
+              <a:t>5/8/2020</a:t>
             </a:fld>
             <a:endParaRPr lang="en-US"/>
           </a:p>
@@ -463,7 +465,7 @@
           <a:p>
             <a:fld id="{B5686CB4-F599-40B6-B93D-CDA65E645F4F}" type="datetimeFigureOut">
               <a:rPr lang="en-US" smtClean="0"/>
-              <a:t>5/3/2020</a:t>
+              <a:t>5/8/2020</a:t>
             </a:fld>
             <a:endParaRPr lang="en-US"/>
           </a:p>
@@ -671,7 +673,7 @@
           <a:p>
             <a:fld id="{B5686CB4-F599-40B6-B93D-CDA65E645F4F}" type="datetimeFigureOut">
               <a:rPr lang="en-US" smtClean="0"/>
-              <a:t>5/3/2020</a:t>
+              <a:t>5/8/2020</a:t>
             </a:fld>
             <a:endParaRPr lang="en-US"/>
           </a:p>
@@ -869,7 +871,7 @@
           <a:p>
             <a:fld id="{B5686CB4-F599-40B6-B93D-CDA65E645F4F}" type="datetimeFigureOut">
               <a:rPr lang="en-US" smtClean="0"/>
-              <a:t>5/3/2020</a:t>
+              <a:t>5/8/2020</a:t>
             </a:fld>
             <a:endParaRPr lang="en-US"/>
           </a:p>
@@ -1144,7 +1146,7 @@
           <a:p>
             <a:fld id="{B5686CB4-F599-40B6-B93D-CDA65E645F4F}" type="datetimeFigureOut">
               <a:rPr lang="en-US" smtClean="0"/>
-              <a:t>5/3/2020</a:t>
+              <a:t>5/8/2020</a:t>
             </a:fld>
             <a:endParaRPr lang="en-US"/>
           </a:p>
@@ -1409,7 +1411,7 @@
           <a:p>
             <a:fld id="{B5686CB4-F599-40B6-B93D-CDA65E645F4F}" type="datetimeFigureOut">
               <a:rPr lang="en-US" smtClean="0"/>
-              <a:t>5/3/2020</a:t>
+              <a:t>5/8/2020</a:t>
             </a:fld>
             <a:endParaRPr lang="en-US"/>
           </a:p>
@@ -1821,7 +1823,7 @@
           <a:p>
             <a:fld id="{B5686CB4-F599-40B6-B93D-CDA65E645F4F}" type="datetimeFigureOut">
               <a:rPr lang="en-US" smtClean="0"/>
-              <a:t>5/3/2020</a:t>
+              <a:t>5/8/2020</a:t>
             </a:fld>
             <a:endParaRPr lang="en-US"/>
           </a:p>
@@ -1962,7 +1964,7 @@
           <a:p>
             <a:fld id="{B5686CB4-F599-40B6-B93D-CDA65E645F4F}" type="datetimeFigureOut">
               <a:rPr lang="en-US" smtClean="0"/>
-              <a:t>5/3/2020</a:t>
+              <a:t>5/8/2020</a:t>
             </a:fld>
             <a:endParaRPr lang="en-US"/>
           </a:p>
@@ -2075,7 +2077,7 @@
           <a:p>
             <a:fld id="{B5686CB4-F599-40B6-B93D-CDA65E645F4F}" type="datetimeFigureOut">
               <a:rPr lang="en-US" smtClean="0"/>
-              <a:t>5/3/2020</a:t>
+              <a:t>5/8/2020</a:t>
             </a:fld>
             <a:endParaRPr lang="en-US"/>
           </a:p>
@@ -2386,7 +2388,7 @@
           <a:p>
             <a:fld id="{B5686CB4-F599-40B6-B93D-CDA65E645F4F}" type="datetimeFigureOut">
               <a:rPr lang="en-US" smtClean="0"/>
-              <a:t>5/3/2020</a:t>
+              <a:t>5/8/2020</a:t>
             </a:fld>
             <a:endParaRPr lang="en-US"/>
           </a:p>
@@ -2674,7 +2676,7 @@
           <a:p>
             <a:fld id="{B5686CB4-F599-40B6-B93D-CDA65E645F4F}" type="datetimeFigureOut">
               <a:rPr lang="en-US" smtClean="0"/>
-              <a:t>5/3/2020</a:t>
+              <a:t>5/8/2020</a:t>
             </a:fld>
             <a:endParaRPr lang="en-US"/>
           </a:p>
@@ -2915,7 +2917,7 @@
           <a:p>
             <a:fld id="{B5686CB4-F599-40B6-B93D-CDA65E645F4F}" type="datetimeFigureOut">
               <a:rPr lang="en-US" smtClean="0"/>
-              <a:t>5/3/2020</a:t>
+              <a:t>5/8/2020</a:t>
             </a:fld>
             <a:endParaRPr lang="en-US"/>
           </a:p>
@@ -28276,6 +28278,6614 @@
 </p:sld>
 </file>
 
+<file path=ppt/slides/slide8.xml><?xml version="1.0" encoding="utf-8"?>
+<p:sld xmlns:a="http://schemas.openxmlformats.org/drawingml/2006/main" xmlns:r="http://schemas.openxmlformats.org/officeDocument/2006/relationships" xmlns:p="http://schemas.openxmlformats.org/presentationml/2006/main">
+  <p:cSld>
+    <p:spTree>
+      <p:nvGrpSpPr>
+        <p:cNvPr id="1" name=""/>
+        <p:cNvGrpSpPr/>
+        <p:nvPr/>
+      </p:nvGrpSpPr>
+      <p:grpSpPr>
+        <a:xfrm>
+          <a:off x="0" y="0"/>
+          <a:ext cx="0" cy="0"/>
+          <a:chOff x="0" y="0"/>
+          <a:chExt cx="0" cy="0"/>
+        </a:xfrm>
+      </p:grpSpPr>
+      <p:sp>
+        <p:nvSpPr>
+          <p:cNvPr id="76" name="Oval 75">
+            <a:extLst>
+              <a:ext uri="{FF2B5EF4-FFF2-40B4-BE49-F238E27FC236}">
+                <a16:creationId xmlns:a16="http://schemas.microsoft.com/office/drawing/2014/main" id="{A483F952-FC90-4EB6-94B1-D3B37C6828B5}"/>
+              </a:ext>
+            </a:extLst>
+          </p:cNvPr>
+          <p:cNvSpPr/>
+          <p:nvPr/>
+        </p:nvSpPr>
+        <p:spPr>
+          <a:xfrm>
+            <a:off x="8103281" y="1863484"/>
+            <a:ext cx="194484" cy="193811"/>
+          </a:xfrm>
+          <a:prstGeom prst="ellipse">
+            <a:avLst/>
+          </a:prstGeom>
+          <a:solidFill>
+            <a:schemeClr val="accent1"/>
+          </a:solidFill>
+        </p:spPr>
+        <p:style>
+          <a:lnRef idx="2">
+            <a:schemeClr val="dk1">
+              <a:shade val="50000"/>
+            </a:schemeClr>
+          </a:lnRef>
+          <a:fillRef idx="1">
+            <a:schemeClr val="dk1"/>
+          </a:fillRef>
+          <a:effectRef idx="0">
+            <a:schemeClr val="dk1"/>
+          </a:effectRef>
+          <a:fontRef idx="minor">
+            <a:schemeClr val="lt1"/>
+          </a:fontRef>
+        </p:style>
+        <p:txBody>
+          <a:bodyPr rtlCol="0" anchor="ctr"/>
+          <a:lstStyle/>
+          <a:p>
+            <a:pPr algn="ctr"/>
+            <a:endParaRPr lang="en-US" dirty="0"/>
+          </a:p>
+        </p:txBody>
+      </p:sp>
+      <p:cxnSp>
+        <p:nvCxnSpPr>
+          <p:cNvPr id="87" name="Straight Connector 86">
+            <a:extLst>
+              <a:ext uri="{FF2B5EF4-FFF2-40B4-BE49-F238E27FC236}">
+                <a16:creationId xmlns:a16="http://schemas.microsoft.com/office/drawing/2014/main" id="{2E93881D-1060-4274-A975-5E790126A752}"/>
+              </a:ext>
+            </a:extLst>
+          </p:cNvPr>
+          <p:cNvCxnSpPr>
+            <a:cxnSpLocks/>
+            <a:endCxn id="47" idx="5"/>
+          </p:cNvCxnSpPr>
+          <p:nvPr/>
+        </p:nvCxnSpPr>
+        <p:spPr>
+          <a:xfrm>
+            <a:off x="7749631" y="2214367"/>
+            <a:ext cx="307770" cy="316991"/>
+          </a:xfrm>
+          <a:prstGeom prst="line">
+            <a:avLst/>
+          </a:prstGeom>
+          <a:ln w="28575">
+            <a:solidFill>
+              <a:srgbClr val="FF0000"/>
+            </a:solidFill>
+          </a:ln>
+        </p:spPr>
+        <p:style>
+          <a:lnRef idx="1">
+            <a:schemeClr val="accent1"/>
+          </a:lnRef>
+          <a:fillRef idx="0">
+            <a:schemeClr val="accent1"/>
+          </a:fillRef>
+          <a:effectRef idx="0">
+            <a:schemeClr val="accent1"/>
+          </a:effectRef>
+          <a:fontRef idx="minor">
+            <a:schemeClr val="tx1"/>
+          </a:fontRef>
+        </p:style>
+      </p:cxnSp>
+      <p:sp>
+        <p:nvSpPr>
+          <p:cNvPr id="71" name="Oval 70">
+            <a:extLst>
+              <a:ext uri="{FF2B5EF4-FFF2-40B4-BE49-F238E27FC236}">
+                <a16:creationId xmlns:a16="http://schemas.microsoft.com/office/drawing/2014/main" id="{1369E4C3-C0E4-489C-9A75-7EBAA930E13E}"/>
+              </a:ext>
+            </a:extLst>
+          </p:cNvPr>
+          <p:cNvSpPr/>
+          <p:nvPr/>
+        </p:nvSpPr>
+        <p:spPr>
+          <a:xfrm>
+            <a:off x="7747377" y="2244330"/>
+            <a:ext cx="194484" cy="193811"/>
+          </a:xfrm>
+          <a:prstGeom prst="ellipse">
+            <a:avLst/>
+          </a:prstGeom>
+          <a:solidFill>
+            <a:schemeClr val="accent1"/>
+          </a:solidFill>
+        </p:spPr>
+        <p:style>
+          <a:lnRef idx="2">
+            <a:schemeClr val="dk1">
+              <a:shade val="50000"/>
+            </a:schemeClr>
+          </a:lnRef>
+          <a:fillRef idx="1">
+            <a:schemeClr val="dk1"/>
+          </a:fillRef>
+          <a:effectRef idx="0">
+            <a:schemeClr val="dk1"/>
+          </a:effectRef>
+          <a:fontRef idx="minor">
+            <a:schemeClr val="lt1"/>
+          </a:fontRef>
+        </p:style>
+        <p:txBody>
+          <a:bodyPr rtlCol="0" anchor="ctr"/>
+          <a:lstStyle/>
+          <a:p>
+            <a:pPr algn="ctr"/>
+            <a:endParaRPr lang="en-US"/>
+          </a:p>
+        </p:txBody>
+      </p:sp>
+      <p:cxnSp>
+        <p:nvCxnSpPr>
+          <p:cNvPr id="86" name="Straight Connector 85">
+            <a:extLst>
+              <a:ext uri="{FF2B5EF4-FFF2-40B4-BE49-F238E27FC236}">
+                <a16:creationId xmlns:a16="http://schemas.microsoft.com/office/drawing/2014/main" id="{8B071269-4E96-4CDF-B805-835E9B9CBEA1}"/>
+              </a:ext>
+            </a:extLst>
+          </p:cNvPr>
+          <p:cNvCxnSpPr>
+            <a:cxnSpLocks/>
+          </p:cNvCxnSpPr>
+          <p:nvPr/>
+        </p:nvCxnSpPr>
+        <p:spPr>
+          <a:xfrm>
+            <a:off x="7820942" y="1647197"/>
+            <a:ext cx="339712" cy="291437"/>
+          </a:xfrm>
+          <a:prstGeom prst="line">
+            <a:avLst/>
+          </a:prstGeom>
+          <a:ln w="28575">
+            <a:solidFill>
+              <a:srgbClr val="FF0000"/>
+            </a:solidFill>
+          </a:ln>
+        </p:spPr>
+        <p:style>
+          <a:lnRef idx="1">
+            <a:schemeClr val="accent1"/>
+          </a:lnRef>
+          <a:fillRef idx="0">
+            <a:schemeClr val="accent1"/>
+          </a:fillRef>
+          <a:effectRef idx="0">
+            <a:schemeClr val="accent1"/>
+          </a:effectRef>
+          <a:fontRef idx="minor">
+            <a:schemeClr val="tx1"/>
+          </a:fontRef>
+        </p:style>
+      </p:cxnSp>
+      <p:cxnSp>
+        <p:nvCxnSpPr>
+          <p:cNvPr id="85" name="Straight Connector 84">
+            <a:extLst>
+              <a:ext uri="{FF2B5EF4-FFF2-40B4-BE49-F238E27FC236}">
+                <a16:creationId xmlns:a16="http://schemas.microsoft.com/office/drawing/2014/main" id="{36FA9751-00C2-4FF3-8D0B-8EDE946104FF}"/>
+              </a:ext>
+            </a:extLst>
+          </p:cNvPr>
+          <p:cNvCxnSpPr/>
+          <p:nvPr/>
+        </p:nvCxnSpPr>
+        <p:spPr>
+          <a:xfrm>
+            <a:off x="7880601" y="2409625"/>
+            <a:ext cx="339712" cy="291437"/>
+          </a:xfrm>
+          <a:prstGeom prst="line">
+            <a:avLst/>
+          </a:prstGeom>
+          <a:ln w="28575">
+            <a:solidFill>
+              <a:srgbClr val="FF0000"/>
+            </a:solidFill>
+          </a:ln>
+        </p:spPr>
+        <p:style>
+          <a:lnRef idx="1">
+            <a:schemeClr val="accent1"/>
+          </a:lnRef>
+          <a:fillRef idx="0">
+            <a:schemeClr val="accent1"/>
+          </a:fillRef>
+          <a:effectRef idx="0">
+            <a:schemeClr val="accent1"/>
+          </a:effectRef>
+          <a:fontRef idx="minor">
+            <a:schemeClr val="tx1"/>
+          </a:fontRef>
+        </p:style>
+      </p:cxnSp>
+      <p:cxnSp>
+        <p:nvCxnSpPr>
+          <p:cNvPr id="83" name="Straight Connector 82">
+            <a:extLst>
+              <a:ext uri="{FF2B5EF4-FFF2-40B4-BE49-F238E27FC236}">
+                <a16:creationId xmlns:a16="http://schemas.microsoft.com/office/drawing/2014/main" id="{111234D0-E776-4E11-A9F6-CC6F785E95BA}"/>
+              </a:ext>
+            </a:extLst>
+          </p:cNvPr>
+          <p:cNvCxnSpPr>
+            <a:cxnSpLocks/>
+            <a:endCxn id="42" idx="1"/>
+          </p:cNvCxnSpPr>
+          <p:nvPr/>
+        </p:nvCxnSpPr>
+        <p:spPr>
+          <a:xfrm>
+            <a:off x="7573720" y="2631350"/>
+            <a:ext cx="216358" cy="177803"/>
+          </a:xfrm>
+          <a:prstGeom prst="line">
+            <a:avLst/>
+          </a:prstGeom>
+          <a:ln w="28575">
+            <a:solidFill>
+              <a:srgbClr val="FF0000"/>
+            </a:solidFill>
+          </a:ln>
+        </p:spPr>
+        <p:style>
+          <a:lnRef idx="1">
+            <a:schemeClr val="accent1"/>
+          </a:lnRef>
+          <a:fillRef idx="0">
+            <a:schemeClr val="accent1"/>
+          </a:fillRef>
+          <a:effectRef idx="0">
+            <a:schemeClr val="accent1"/>
+          </a:effectRef>
+          <a:fontRef idx="minor">
+            <a:schemeClr val="tx1"/>
+          </a:fontRef>
+        </p:style>
+      </p:cxnSp>
+      <p:cxnSp>
+        <p:nvCxnSpPr>
+          <p:cNvPr id="82" name="Straight Connector 81">
+            <a:extLst>
+              <a:ext uri="{FF2B5EF4-FFF2-40B4-BE49-F238E27FC236}">
+                <a16:creationId xmlns:a16="http://schemas.microsoft.com/office/drawing/2014/main" id="{9D95EDC0-C90C-4A61-9D27-5625BAFC6264}"/>
+              </a:ext>
+            </a:extLst>
+          </p:cNvPr>
+          <p:cNvCxnSpPr/>
+          <p:nvPr/>
+        </p:nvCxnSpPr>
+        <p:spPr>
+          <a:xfrm>
+            <a:off x="8089046" y="2037576"/>
+            <a:ext cx="339712" cy="291437"/>
+          </a:xfrm>
+          <a:prstGeom prst="line">
+            <a:avLst/>
+          </a:prstGeom>
+          <a:ln w="28575">
+            <a:solidFill>
+              <a:srgbClr val="FF0000"/>
+            </a:solidFill>
+          </a:ln>
+        </p:spPr>
+        <p:style>
+          <a:lnRef idx="1">
+            <a:schemeClr val="accent1"/>
+          </a:lnRef>
+          <a:fillRef idx="0">
+            <a:schemeClr val="accent1"/>
+          </a:fillRef>
+          <a:effectRef idx="0">
+            <a:schemeClr val="accent1"/>
+          </a:effectRef>
+          <a:fontRef idx="minor">
+            <a:schemeClr val="tx1"/>
+          </a:fontRef>
+        </p:style>
+      </p:cxnSp>
+      <p:cxnSp>
+        <p:nvCxnSpPr>
+          <p:cNvPr id="80" name="Straight Connector 79">
+            <a:extLst>
+              <a:ext uri="{FF2B5EF4-FFF2-40B4-BE49-F238E27FC236}">
+                <a16:creationId xmlns:a16="http://schemas.microsoft.com/office/drawing/2014/main" id="{36ACCF33-48E6-4CE6-9E4B-6A43429F6F99}"/>
+              </a:ext>
+            </a:extLst>
+          </p:cNvPr>
+          <p:cNvCxnSpPr>
+            <a:cxnSpLocks/>
+            <a:endCxn id="45" idx="1"/>
+          </p:cNvCxnSpPr>
+          <p:nvPr/>
+        </p:nvCxnSpPr>
+        <p:spPr>
+          <a:xfrm>
+            <a:off x="7199290" y="3085105"/>
+            <a:ext cx="127425" cy="93587"/>
+          </a:xfrm>
+          <a:prstGeom prst="line">
+            <a:avLst/>
+          </a:prstGeom>
+          <a:ln w="28575">
+            <a:solidFill>
+              <a:srgbClr val="FF0000"/>
+            </a:solidFill>
+          </a:ln>
+        </p:spPr>
+        <p:style>
+          <a:lnRef idx="1">
+            <a:schemeClr val="accent1"/>
+          </a:lnRef>
+          <a:fillRef idx="0">
+            <a:schemeClr val="accent1"/>
+          </a:fillRef>
+          <a:effectRef idx="0">
+            <a:schemeClr val="accent1"/>
+          </a:effectRef>
+          <a:fontRef idx="minor">
+            <a:schemeClr val="tx1"/>
+          </a:fontRef>
+        </p:style>
+      </p:cxnSp>
+      <p:cxnSp>
+        <p:nvCxnSpPr>
+          <p:cNvPr id="3" name="Straight Arrow Connector 2">
+            <a:extLst>
+              <a:ext uri="{FF2B5EF4-FFF2-40B4-BE49-F238E27FC236}">
+                <a16:creationId xmlns:a16="http://schemas.microsoft.com/office/drawing/2014/main" id="{75727D89-8257-41C4-A953-69942ED594DE}"/>
+              </a:ext>
+            </a:extLst>
+          </p:cNvPr>
+          <p:cNvCxnSpPr/>
+          <p:nvPr/>
+        </p:nvCxnSpPr>
+        <p:spPr>
+          <a:xfrm>
+            <a:off x="807868" y="4074850"/>
+            <a:ext cx="4412202" cy="0"/>
+          </a:xfrm>
+          <a:prstGeom prst="straightConnector1">
+            <a:avLst/>
+          </a:prstGeom>
+          <a:ln w="57150">
+            <a:solidFill>
+              <a:schemeClr val="tx1"/>
+            </a:solidFill>
+            <a:tailEnd type="triangle"/>
+          </a:ln>
+        </p:spPr>
+        <p:style>
+          <a:lnRef idx="1">
+            <a:schemeClr val="accent1"/>
+          </a:lnRef>
+          <a:fillRef idx="0">
+            <a:schemeClr val="accent1"/>
+          </a:fillRef>
+          <a:effectRef idx="0">
+            <a:schemeClr val="accent1"/>
+          </a:effectRef>
+          <a:fontRef idx="minor">
+            <a:schemeClr val="tx1"/>
+          </a:fontRef>
+        </p:style>
+      </p:cxnSp>
+      <p:cxnSp>
+        <p:nvCxnSpPr>
+          <p:cNvPr id="4" name="Straight Arrow Connector 3">
+            <a:extLst>
+              <a:ext uri="{FF2B5EF4-FFF2-40B4-BE49-F238E27FC236}">
+                <a16:creationId xmlns:a16="http://schemas.microsoft.com/office/drawing/2014/main" id="{6E267F8D-1D41-49E5-98F2-8FF4232BF526}"/>
+              </a:ext>
+            </a:extLst>
+          </p:cNvPr>
+          <p:cNvCxnSpPr>
+            <a:cxnSpLocks/>
+          </p:cNvCxnSpPr>
+          <p:nvPr/>
+        </p:nvCxnSpPr>
+        <p:spPr>
+          <a:xfrm flipV="1">
+            <a:off x="807868" y="887766"/>
+            <a:ext cx="0" cy="3187084"/>
+          </a:xfrm>
+          <a:prstGeom prst="straightConnector1">
+            <a:avLst/>
+          </a:prstGeom>
+          <a:ln w="57150">
+            <a:solidFill>
+              <a:schemeClr val="tx1"/>
+            </a:solidFill>
+            <a:tailEnd type="triangle"/>
+          </a:ln>
+        </p:spPr>
+        <p:style>
+          <a:lnRef idx="1">
+            <a:schemeClr val="accent1"/>
+          </a:lnRef>
+          <a:fillRef idx="0">
+            <a:schemeClr val="accent1"/>
+          </a:fillRef>
+          <a:effectRef idx="0">
+            <a:schemeClr val="accent1"/>
+          </a:effectRef>
+          <a:fontRef idx="minor">
+            <a:schemeClr val="tx1"/>
+          </a:fontRef>
+        </p:style>
+      </p:cxnSp>
+      <p:sp>
+        <p:nvSpPr>
+          <p:cNvPr id="7" name="Oval 6">
+            <a:extLst>
+              <a:ext uri="{FF2B5EF4-FFF2-40B4-BE49-F238E27FC236}">
+                <a16:creationId xmlns:a16="http://schemas.microsoft.com/office/drawing/2014/main" id="{2032D6F0-750F-4254-8FA5-99B7743FFB7F}"/>
+              </a:ext>
+            </a:extLst>
+          </p:cNvPr>
+          <p:cNvSpPr/>
+          <p:nvPr/>
+        </p:nvSpPr>
+        <p:spPr>
+          <a:xfrm>
+            <a:off x="753938" y="4012718"/>
+            <a:ext cx="107857" cy="124264"/>
+          </a:xfrm>
+          <a:prstGeom prst="ellipse">
+            <a:avLst/>
+          </a:prstGeom>
+        </p:spPr>
+        <p:style>
+          <a:lnRef idx="2">
+            <a:schemeClr val="dk1">
+              <a:shade val="50000"/>
+            </a:schemeClr>
+          </a:lnRef>
+          <a:fillRef idx="1">
+            <a:schemeClr val="dk1"/>
+          </a:fillRef>
+          <a:effectRef idx="0">
+            <a:schemeClr val="dk1"/>
+          </a:effectRef>
+          <a:fontRef idx="minor">
+            <a:schemeClr val="lt1"/>
+          </a:fontRef>
+        </p:style>
+        <p:txBody>
+          <a:bodyPr rtlCol="0" anchor="ctr"/>
+          <a:lstStyle/>
+          <a:p>
+            <a:pPr algn="ctr"/>
+            <a:endParaRPr lang="en-US"/>
+          </a:p>
+        </p:txBody>
+      </p:sp>
+      <p:sp>
+        <p:nvSpPr>
+          <p:cNvPr id="8" name="Oval 7">
+            <a:extLst>
+              <a:ext uri="{FF2B5EF4-FFF2-40B4-BE49-F238E27FC236}">
+                <a16:creationId xmlns:a16="http://schemas.microsoft.com/office/drawing/2014/main" id="{050F18F4-1E9C-4C2A-A23C-9A61A06B91D9}"/>
+              </a:ext>
+            </a:extLst>
+          </p:cNvPr>
+          <p:cNvSpPr/>
+          <p:nvPr/>
+        </p:nvSpPr>
+        <p:spPr>
+          <a:xfrm>
+            <a:off x="1749708" y="1994191"/>
+            <a:ext cx="194484" cy="193811"/>
+          </a:xfrm>
+          <a:prstGeom prst="ellipse">
+            <a:avLst/>
+          </a:prstGeom>
+          <a:solidFill>
+            <a:srgbClr val="FF0000"/>
+          </a:solidFill>
+        </p:spPr>
+        <p:style>
+          <a:lnRef idx="2">
+            <a:schemeClr val="dk1">
+              <a:shade val="50000"/>
+            </a:schemeClr>
+          </a:lnRef>
+          <a:fillRef idx="1">
+            <a:schemeClr val="dk1"/>
+          </a:fillRef>
+          <a:effectRef idx="0">
+            <a:schemeClr val="dk1"/>
+          </a:effectRef>
+          <a:fontRef idx="minor">
+            <a:schemeClr val="lt1"/>
+          </a:fontRef>
+        </p:style>
+        <p:txBody>
+          <a:bodyPr rtlCol="0" anchor="ctr"/>
+          <a:lstStyle/>
+          <a:p>
+            <a:pPr algn="ctr"/>
+            <a:endParaRPr lang="en-US"/>
+          </a:p>
+        </p:txBody>
+      </p:sp>
+      <p:sp>
+        <p:nvSpPr>
+          <p:cNvPr id="9" name="Oval 8">
+            <a:extLst>
+              <a:ext uri="{FF2B5EF4-FFF2-40B4-BE49-F238E27FC236}">
+                <a16:creationId xmlns:a16="http://schemas.microsoft.com/office/drawing/2014/main" id="{CA435C43-0FDB-4B12-A22F-F102AF0795DC}"/>
+              </a:ext>
+            </a:extLst>
+          </p:cNvPr>
+          <p:cNvSpPr/>
+          <p:nvPr/>
+        </p:nvSpPr>
+        <p:spPr>
+          <a:xfrm>
+            <a:off x="1749708" y="2737873"/>
+            <a:ext cx="194484" cy="193811"/>
+          </a:xfrm>
+          <a:prstGeom prst="ellipse">
+            <a:avLst/>
+          </a:prstGeom>
+          <a:solidFill>
+            <a:srgbClr val="FF0000"/>
+          </a:solidFill>
+        </p:spPr>
+        <p:style>
+          <a:lnRef idx="2">
+            <a:schemeClr val="dk1">
+              <a:shade val="50000"/>
+            </a:schemeClr>
+          </a:lnRef>
+          <a:fillRef idx="1">
+            <a:schemeClr val="dk1"/>
+          </a:fillRef>
+          <a:effectRef idx="0">
+            <a:schemeClr val="dk1"/>
+          </a:effectRef>
+          <a:fontRef idx="minor">
+            <a:schemeClr val="lt1"/>
+          </a:fontRef>
+        </p:style>
+        <p:txBody>
+          <a:bodyPr rtlCol="0" anchor="ctr"/>
+          <a:lstStyle/>
+          <a:p>
+            <a:pPr algn="ctr"/>
+            <a:endParaRPr lang="en-US"/>
+          </a:p>
+        </p:txBody>
+      </p:sp>
+      <p:sp>
+        <p:nvSpPr>
+          <p:cNvPr id="10" name="Oval 9">
+            <a:extLst>
+              <a:ext uri="{FF2B5EF4-FFF2-40B4-BE49-F238E27FC236}">
+                <a16:creationId xmlns:a16="http://schemas.microsoft.com/office/drawing/2014/main" id="{F5ACAEA8-140E-4DC8-B677-D7B71B638716}"/>
+              </a:ext>
+            </a:extLst>
+          </p:cNvPr>
+          <p:cNvSpPr/>
+          <p:nvPr/>
+        </p:nvSpPr>
+        <p:spPr>
+          <a:xfrm>
+            <a:off x="2285991" y="1486690"/>
+            <a:ext cx="194484" cy="193811"/>
+          </a:xfrm>
+          <a:prstGeom prst="ellipse">
+            <a:avLst/>
+          </a:prstGeom>
+          <a:solidFill>
+            <a:srgbClr val="FF0000"/>
+          </a:solidFill>
+        </p:spPr>
+        <p:style>
+          <a:lnRef idx="2">
+            <a:schemeClr val="dk1">
+              <a:shade val="50000"/>
+            </a:schemeClr>
+          </a:lnRef>
+          <a:fillRef idx="1">
+            <a:schemeClr val="dk1"/>
+          </a:fillRef>
+          <a:effectRef idx="0">
+            <a:schemeClr val="dk1"/>
+          </a:effectRef>
+          <a:fontRef idx="minor">
+            <a:schemeClr val="lt1"/>
+          </a:fontRef>
+        </p:style>
+        <p:txBody>
+          <a:bodyPr rtlCol="0" anchor="ctr"/>
+          <a:lstStyle/>
+          <a:p>
+            <a:pPr algn="ctr"/>
+            <a:endParaRPr lang="en-US"/>
+          </a:p>
+        </p:txBody>
+      </p:sp>
+      <p:sp>
+        <p:nvSpPr>
+          <p:cNvPr id="11" name="Oval 10">
+            <a:extLst>
+              <a:ext uri="{FF2B5EF4-FFF2-40B4-BE49-F238E27FC236}">
+                <a16:creationId xmlns:a16="http://schemas.microsoft.com/office/drawing/2014/main" id="{417264F6-32BE-4E6C-B64C-094DD9665E36}"/>
+              </a:ext>
+            </a:extLst>
+          </p:cNvPr>
+          <p:cNvSpPr/>
+          <p:nvPr/>
+        </p:nvSpPr>
+        <p:spPr>
+          <a:xfrm>
+            <a:off x="1944192" y="2419581"/>
+            <a:ext cx="194484" cy="193811"/>
+          </a:xfrm>
+          <a:prstGeom prst="ellipse">
+            <a:avLst/>
+          </a:prstGeom>
+          <a:solidFill>
+            <a:srgbClr val="FF0000"/>
+          </a:solidFill>
+        </p:spPr>
+        <p:style>
+          <a:lnRef idx="2">
+            <a:schemeClr val="dk1">
+              <a:shade val="50000"/>
+            </a:schemeClr>
+          </a:lnRef>
+          <a:fillRef idx="1">
+            <a:schemeClr val="dk1"/>
+          </a:fillRef>
+          <a:effectRef idx="0">
+            <a:schemeClr val="dk1"/>
+          </a:effectRef>
+          <a:fontRef idx="minor">
+            <a:schemeClr val="lt1"/>
+          </a:fontRef>
+        </p:style>
+        <p:txBody>
+          <a:bodyPr rtlCol="0" anchor="ctr"/>
+          <a:lstStyle/>
+          <a:p>
+            <a:pPr algn="ctr"/>
+            <a:endParaRPr lang="en-US"/>
+          </a:p>
+        </p:txBody>
+      </p:sp>
+      <p:sp>
+        <p:nvSpPr>
+          <p:cNvPr id="12" name="Oval 11">
+            <a:extLst>
+              <a:ext uri="{FF2B5EF4-FFF2-40B4-BE49-F238E27FC236}">
+                <a16:creationId xmlns:a16="http://schemas.microsoft.com/office/drawing/2014/main" id="{A89CDF20-2B79-4F50-88E3-C53CCC211EA0}"/>
+              </a:ext>
+            </a:extLst>
+          </p:cNvPr>
+          <p:cNvSpPr/>
+          <p:nvPr/>
+        </p:nvSpPr>
+        <p:spPr>
+          <a:xfrm>
+            <a:off x="2243907" y="2058899"/>
+            <a:ext cx="194484" cy="193811"/>
+          </a:xfrm>
+          <a:prstGeom prst="ellipse">
+            <a:avLst/>
+          </a:prstGeom>
+          <a:solidFill>
+            <a:srgbClr val="FF0000"/>
+          </a:solidFill>
+        </p:spPr>
+        <p:style>
+          <a:lnRef idx="2">
+            <a:schemeClr val="dk1">
+              <a:shade val="50000"/>
+            </a:schemeClr>
+          </a:lnRef>
+          <a:fillRef idx="1">
+            <a:schemeClr val="dk1"/>
+          </a:fillRef>
+          <a:effectRef idx="0">
+            <a:schemeClr val="dk1"/>
+          </a:effectRef>
+          <a:fontRef idx="minor">
+            <a:schemeClr val="lt1"/>
+          </a:fontRef>
+        </p:style>
+        <p:txBody>
+          <a:bodyPr rtlCol="0" anchor="ctr"/>
+          <a:lstStyle/>
+          <a:p>
+            <a:pPr algn="ctr"/>
+            <a:endParaRPr lang="en-US"/>
+          </a:p>
+        </p:txBody>
+      </p:sp>
+      <p:sp>
+        <p:nvSpPr>
+          <p:cNvPr id="13" name="Oval 12">
+            <a:extLst>
+              <a:ext uri="{FF2B5EF4-FFF2-40B4-BE49-F238E27FC236}">
+                <a16:creationId xmlns:a16="http://schemas.microsoft.com/office/drawing/2014/main" id="{92F4C904-81FF-472E-9A18-68FD7CD9D3FE}"/>
+              </a:ext>
+            </a:extLst>
+          </p:cNvPr>
+          <p:cNvSpPr/>
+          <p:nvPr/>
+        </p:nvSpPr>
+        <p:spPr>
+          <a:xfrm>
+            <a:off x="3149420" y="1594707"/>
+            <a:ext cx="194484" cy="193811"/>
+          </a:xfrm>
+          <a:prstGeom prst="ellipse">
+            <a:avLst/>
+          </a:prstGeom>
+          <a:solidFill>
+            <a:srgbClr val="FF0000"/>
+          </a:solidFill>
+        </p:spPr>
+        <p:style>
+          <a:lnRef idx="2">
+            <a:schemeClr val="dk1">
+              <a:shade val="50000"/>
+            </a:schemeClr>
+          </a:lnRef>
+          <a:fillRef idx="1">
+            <a:schemeClr val="dk1"/>
+          </a:fillRef>
+          <a:effectRef idx="0">
+            <a:schemeClr val="dk1"/>
+          </a:effectRef>
+          <a:fontRef idx="minor">
+            <a:schemeClr val="lt1"/>
+          </a:fontRef>
+        </p:style>
+        <p:txBody>
+          <a:bodyPr rtlCol="0" anchor="ctr"/>
+          <a:lstStyle/>
+          <a:p>
+            <a:pPr algn="ctr"/>
+            <a:endParaRPr lang="en-US"/>
+          </a:p>
+        </p:txBody>
+      </p:sp>
+      <p:sp>
+        <p:nvSpPr>
+          <p:cNvPr id="14" name="Oval 13">
+            <a:extLst>
+              <a:ext uri="{FF2B5EF4-FFF2-40B4-BE49-F238E27FC236}">
+                <a16:creationId xmlns:a16="http://schemas.microsoft.com/office/drawing/2014/main" id="{9CF83DA8-A3D8-4931-83A6-B6C0D0029D7A}"/>
+              </a:ext>
+            </a:extLst>
+          </p:cNvPr>
+          <p:cNvSpPr/>
+          <p:nvPr/>
+        </p:nvSpPr>
+        <p:spPr>
+          <a:xfrm>
+            <a:off x="2407555" y="2780770"/>
+            <a:ext cx="194484" cy="193811"/>
+          </a:xfrm>
+          <a:prstGeom prst="ellipse">
+            <a:avLst/>
+          </a:prstGeom>
+          <a:solidFill>
+            <a:srgbClr val="FF0000"/>
+          </a:solidFill>
+        </p:spPr>
+        <p:style>
+          <a:lnRef idx="2">
+            <a:schemeClr val="dk1">
+              <a:shade val="50000"/>
+            </a:schemeClr>
+          </a:lnRef>
+          <a:fillRef idx="1">
+            <a:schemeClr val="dk1"/>
+          </a:fillRef>
+          <a:effectRef idx="0">
+            <a:schemeClr val="dk1"/>
+          </a:effectRef>
+          <a:fontRef idx="minor">
+            <a:schemeClr val="lt1"/>
+          </a:fontRef>
+        </p:style>
+        <p:txBody>
+          <a:bodyPr rtlCol="0" anchor="ctr"/>
+          <a:lstStyle/>
+          <a:p>
+            <a:pPr algn="ctr"/>
+            <a:endParaRPr lang="en-US"/>
+          </a:p>
+        </p:txBody>
+      </p:sp>
+      <p:sp>
+        <p:nvSpPr>
+          <p:cNvPr id="15" name="Oval 14">
+            <a:extLst>
+              <a:ext uri="{FF2B5EF4-FFF2-40B4-BE49-F238E27FC236}">
+                <a16:creationId xmlns:a16="http://schemas.microsoft.com/office/drawing/2014/main" id="{22D390A5-4545-4A0F-9033-E4088924B88E}"/>
+              </a:ext>
+            </a:extLst>
+          </p:cNvPr>
+          <p:cNvSpPr/>
+          <p:nvPr/>
+        </p:nvSpPr>
+        <p:spPr>
+          <a:xfrm>
+            <a:off x="3035499" y="2287497"/>
+            <a:ext cx="194484" cy="193811"/>
+          </a:xfrm>
+          <a:prstGeom prst="ellipse">
+            <a:avLst/>
+          </a:prstGeom>
+          <a:solidFill>
+            <a:srgbClr val="FF0000"/>
+          </a:solidFill>
+        </p:spPr>
+        <p:style>
+          <a:lnRef idx="2">
+            <a:schemeClr val="dk1">
+              <a:shade val="50000"/>
+            </a:schemeClr>
+          </a:lnRef>
+          <a:fillRef idx="1">
+            <a:schemeClr val="dk1"/>
+          </a:fillRef>
+          <a:effectRef idx="0">
+            <a:schemeClr val="dk1"/>
+          </a:effectRef>
+          <a:fontRef idx="minor">
+            <a:schemeClr val="lt1"/>
+          </a:fontRef>
+        </p:style>
+        <p:txBody>
+          <a:bodyPr rtlCol="0" anchor="ctr"/>
+          <a:lstStyle/>
+          <a:p>
+            <a:pPr algn="ctr"/>
+            <a:endParaRPr lang="en-US"/>
+          </a:p>
+        </p:txBody>
+      </p:sp>
+      <p:sp>
+        <p:nvSpPr>
+          <p:cNvPr id="16" name="Oval 15">
+            <a:extLst>
+              <a:ext uri="{FF2B5EF4-FFF2-40B4-BE49-F238E27FC236}">
+                <a16:creationId xmlns:a16="http://schemas.microsoft.com/office/drawing/2014/main" id="{11671597-7D26-46D0-9E4E-26FA63DCF9EC}"/>
+              </a:ext>
+            </a:extLst>
+          </p:cNvPr>
+          <p:cNvSpPr/>
+          <p:nvPr/>
+        </p:nvSpPr>
+        <p:spPr>
+          <a:xfrm>
+            <a:off x="2853507" y="2668499"/>
+            <a:ext cx="194484" cy="193811"/>
+          </a:xfrm>
+          <a:prstGeom prst="ellipse">
+            <a:avLst/>
+          </a:prstGeom>
+          <a:solidFill>
+            <a:srgbClr val="FF0000"/>
+          </a:solidFill>
+        </p:spPr>
+        <p:style>
+          <a:lnRef idx="2">
+            <a:schemeClr val="dk1">
+              <a:shade val="50000"/>
+            </a:schemeClr>
+          </a:lnRef>
+          <a:fillRef idx="1">
+            <a:schemeClr val="dk1"/>
+          </a:fillRef>
+          <a:effectRef idx="0">
+            <a:schemeClr val="dk1"/>
+          </a:effectRef>
+          <a:fontRef idx="minor">
+            <a:schemeClr val="lt1"/>
+          </a:fontRef>
+        </p:style>
+        <p:txBody>
+          <a:bodyPr rtlCol="0" anchor="ctr"/>
+          <a:lstStyle/>
+          <a:p>
+            <a:pPr algn="ctr"/>
+            <a:endParaRPr lang="en-US"/>
+          </a:p>
+        </p:txBody>
+      </p:sp>
+      <p:sp>
+        <p:nvSpPr>
+          <p:cNvPr id="17" name="Oval 16">
+            <a:extLst>
+              <a:ext uri="{FF2B5EF4-FFF2-40B4-BE49-F238E27FC236}">
+                <a16:creationId xmlns:a16="http://schemas.microsoft.com/office/drawing/2014/main" id="{4AE39FEA-37A2-456E-8540-E73C7AAFCCF2}"/>
+              </a:ext>
+            </a:extLst>
+          </p:cNvPr>
+          <p:cNvSpPr/>
+          <p:nvPr/>
+        </p:nvSpPr>
+        <p:spPr>
+          <a:xfrm>
+            <a:off x="1944192" y="3150309"/>
+            <a:ext cx="194484" cy="193811"/>
+          </a:xfrm>
+          <a:prstGeom prst="ellipse">
+            <a:avLst/>
+          </a:prstGeom>
+          <a:solidFill>
+            <a:srgbClr val="FF0000"/>
+          </a:solidFill>
+        </p:spPr>
+        <p:style>
+          <a:lnRef idx="2">
+            <a:schemeClr val="dk1">
+              <a:shade val="50000"/>
+            </a:schemeClr>
+          </a:lnRef>
+          <a:fillRef idx="1">
+            <a:schemeClr val="dk1"/>
+          </a:fillRef>
+          <a:effectRef idx="0">
+            <a:schemeClr val="dk1"/>
+          </a:effectRef>
+          <a:fontRef idx="minor">
+            <a:schemeClr val="lt1"/>
+          </a:fontRef>
+        </p:style>
+        <p:txBody>
+          <a:bodyPr rtlCol="0" anchor="ctr"/>
+          <a:lstStyle/>
+          <a:p>
+            <a:pPr algn="ctr"/>
+            <a:endParaRPr lang="en-US"/>
+          </a:p>
+        </p:txBody>
+      </p:sp>
+      <p:sp>
+        <p:nvSpPr>
+          <p:cNvPr id="18" name="Oval 17">
+            <a:extLst>
+              <a:ext uri="{FF2B5EF4-FFF2-40B4-BE49-F238E27FC236}">
+                <a16:creationId xmlns:a16="http://schemas.microsoft.com/office/drawing/2014/main" id="{6FDBA620-EF7D-4EC4-BD8F-87E04F5F2C24}"/>
+              </a:ext>
+            </a:extLst>
+          </p:cNvPr>
+          <p:cNvSpPr/>
+          <p:nvPr/>
+        </p:nvSpPr>
+        <p:spPr>
+          <a:xfrm>
+            <a:off x="2622763" y="1788518"/>
+            <a:ext cx="194484" cy="193811"/>
+          </a:xfrm>
+          <a:prstGeom prst="ellipse">
+            <a:avLst/>
+          </a:prstGeom>
+          <a:solidFill>
+            <a:srgbClr val="FF0000"/>
+          </a:solidFill>
+        </p:spPr>
+        <p:style>
+          <a:lnRef idx="2">
+            <a:schemeClr val="dk1">
+              <a:shade val="50000"/>
+            </a:schemeClr>
+          </a:lnRef>
+          <a:fillRef idx="1">
+            <a:schemeClr val="dk1"/>
+          </a:fillRef>
+          <a:effectRef idx="0">
+            <a:schemeClr val="dk1"/>
+          </a:effectRef>
+          <a:fontRef idx="minor">
+            <a:schemeClr val="lt1"/>
+          </a:fontRef>
+        </p:style>
+        <p:txBody>
+          <a:bodyPr rtlCol="0" anchor="ctr"/>
+          <a:lstStyle/>
+          <a:p>
+            <a:pPr algn="ctr"/>
+            <a:endParaRPr lang="en-US"/>
+          </a:p>
+        </p:txBody>
+      </p:sp>
+      <p:sp>
+        <p:nvSpPr>
+          <p:cNvPr id="19" name="Oval 18">
+            <a:extLst>
+              <a:ext uri="{FF2B5EF4-FFF2-40B4-BE49-F238E27FC236}">
+                <a16:creationId xmlns:a16="http://schemas.microsoft.com/office/drawing/2014/main" id="{DD53F38C-FA81-43B7-9BFC-258ADB076ACF}"/>
+              </a:ext>
+            </a:extLst>
+          </p:cNvPr>
+          <p:cNvSpPr/>
+          <p:nvPr/>
+        </p:nvSpPr>
+        <p:spPr>
+          <a:xfrm>
+            <a:off x="2537358" y="2365930"/>
+            <a:ext cx="194484" cy="193811"/>
+          </a:xfrm>
+          <a:prstGeom prst="ellipse">
+            <a:avLst/>
+          </a:prstGeom>
+          <a:solidFill>
+            <a:srgbClr val="FF0000"/>
+          </a:solidFill>
+        </p:spPr>
+        <p:style>
+          <a:lnRef idx="2">
+            <a:schemeClr val="dk1">
+              <a:shade val="50000"/>
+            </a:schemeClr>
+          </a:lnRef>
+          <a:fillRef idx="1">
+            <a:schemeClr val="dk1"/>
+          </a:fillRef>
+          <a:effectRef idx="0">
+            <a:schemeClr val="dk1"/>
+          </a:effectRef>
+          <a:fontRef idx="minor">
+            <a:schemeClr val="lt1"/>
+          </a:fontRef>
+        </p:style>
+        <p:txBody>
+          <a:bodyPr rtlCol="0" anchor="ctr"/>
+          <a:lstStyle/>
+          <a:p>
+            <a:pPr algn="ctr"/>
+            <a:endParaRPr lang="en-US"/>
+          </a:p>
+        </p:txBody>
+      </p:sp>
+      <p:sp>
+        <p:nvSpPr>
+          <p:cNvPr id="20" name="Oval 19">
+            <a:extLst>
+              <a:ext uri="{FF2B5EF4-FFF2-40B4-BE49-F238E27FC236}">
+                <a16:creationId xmlns:a16="http://schemas.microsoft.com/office/drawing/2014/main" id="{0D636EB5-A136-439E-AD38-0BCF703AA45B}"/>
+              </a:ext>
+            </a:extLst>
+          </p:cNvPr>
+          <p:cNvSpPr/>
+          <p:nvPr/>
+        </p:nvSpPr>
+        <p:spPr>
+          <a:xfrm>
+            <a:off x="2353626" y="2338571"/>
+            <a:ext cx="107857" cy="124264"/>
+          </a:xfrm>
+          <a:prstGeom prst="ellipse">
+            <a:avLst/>
+          </a:prstGeom>
+        </p:spPr>
+        <p:style>
+          <a:lnRef idx="2">
+            <a:schemeClr val="accent5">
+              <a:shade val="50000"/>
+            </a:schemeClr>
+          </a:lnRef>
+          <a:fillRef idx="1">
+            <a:schemeClr val="accent5"/>
+          </a:fillRef>
+          <a:effectRef idx="0">
+            <a:schemeClr val="accent5"/>
+          </a:effectRef>
+          <a:fontRef idx="minor">
+            <a:schemeClr val="lt1"/>
+          </a:fontRef>
+        </p:style>
+        <p:txBody>
+          <a:bodyPr rtlCol="0" anchor="ctr"/>
+          <a:lstStyle/>
+          <a:p>
+            <a:pPr algn="ctr"/>
+            <a:endParaRPr lang="en-US"/>
+          </a:p>
+        </p:txBody>
+      </p:sp>
+      <mc:AlternateContent xmlns:mc="http://schemas.openxmlformats.org/markup-compatibility/2006">
+        <mc:Choice xmlns:a14="http://schemas.microsoft.com/office/drawing/2010/main" Requires="a14">
+          <p:sp>
+            <p:nvSpPr>
+              <p:cNvPr id="21" name="TextBox 20">
+                <a:extLst>
+                  <a:ext uri="{FF2B5EF4-FFF2-40B4-BE49-F238E27FC236}">
+                    <a16:creationId xmlns:a16="http://schemas.microsoft.com/office/drawing/2014/main" id="{F61A6205-3AE5-4AC4-B54F-D1BF50D1A68F}"/>
+                  </a:ext>
+                </a:extLst>
+              </p:cNvPr>
+              <p:cNvSpPr txBox="1"/>
+              <p:nvPr/>
+            </p:nvSpPr>
+            <p:spPr>
+              <a:xfrm>
+                <a:off x="4613431" y="4177567"/>
+                <a:ext cx="612557" cy="646331"/>
+              </a:xfrm>
+              <a:prstGeom prst="rect">
+                <a:avLst/>
+              </a:prstGeom>
+              <a:noFill/>
+            </p:spPr>
+            <p:txBody>
+              <a:bodyPr wrap="square" lIns="0" tIns="0" rIns="0" bIns="0" rtlCol="0">
+                <a:spAutoFit/>
+              </a:bodyPr>
+              <a:lstStyle/>
+              <a:p>
+                <a14:m>
+                  <m:oMathPara xmlns:m="http://schemas.openxmlformats.org/officeDocument/2006/math">
+                    <m:oMathParaPr>
+                      <m:jc m:val="centerGroup"/>
+                    </m:oMathParaPr>
+                    <m:oMath xmlns:m="http://schemas.openxmlformats.org/officeDocument/2006/math">
+                      <m:sSub>
+                        <m:sSubPr>
+                          <m:ctrlPr>
+                            <a:rPr lang="en-US" sz="2400" b="1" i="1" smtClean="0">
+                              <a:latin typeface="Cambria Math" panose="02040503050406030204" pitchFamily="18" charset="0"/>
+                            </a:rPr>
+                          </m:ctrlPr>
+                        </m:sSubPr>
+                        <m:e>
+                          <m:r>
+                            <a:rPr lang="en-US" sz="2400" b="1" i="1" smtClean="0">
+                              <a:latin typeface="Cambria Math" panose="02040503050406030204" pitchFamily="18" charset="0"/>
+                            </a:rPr>
+                            <m:t>𝒙</m:t>
+                          </m:r>
+                        </m:e>
+                        <m:sub>
+                          <m:r>
+                            <a:rPr lang="en-US" sz="2400" b="1" i="1" smtClean="0">
+                              <a:latin typeface="Cambria Math" panose="02040503050406030204" pitchFamily="18" charset="0"/>
+                            </a:rPr>
+                            <m:t>𝟏</m:t>
+                          </m:r>
+                        </m:sub>
+                      </m:sSub>
+                    </m:oMath>
+                  </m:oMathPara>
+                </a14:m>
+                <a:endParaRPr lang="en-US" b="1" dirty="0"/>
+              </a:p>
+              <a:p>
+                <a:endParaRPr lang="en-US" dirty="0"/>
+              </a:p>
+            </p:txBody>
+          </p:sp>
+        </mc:Choice>
+        <mc:Fallback>
+          <p:sp>
+            <p:nvSpPr>
+              <p:cNvPr id="21" name="TextBox 20">
+                <a:extLst>
+                  <a:ext uri="{FF2B5EF4-FFF2-40B4-BE49-F238E27FC236}">
+                    <a16:creationId xmlns:a16="http://schemas.microsoft.com/office/drawing/2014/main" id="{F61A6205-3AE5-4AC4-B54F-D1BF50D1A68F}"/>
+                  </a:ext>
+                </a:extLst>
+              </p:cNvPr>
+              <p:cNvSpPr txBox="1">
+                <a:spLocks noRot="1" noChangeAspect="1" noMove="1" noResize="1" noEditPoints="1" noAdjustHandles="1" noChangeArrowheads="1" noChangeShapeType="1" noTextEdit="1"/>
+              </p:cNvSpPr>
+              <p:nvPr/>
+            </p:nvSpPr>
+            <p:spPr>
+              <a:xfrm>
+                <a:off x="4613431" y="4177567"/>
+                <a:ext cx="612557" cy="646331"/>
+              </a:xfrm>
+              <a:prstGeom prst="rect">
+                <a:avLst/>
+              </a:prstGeom>
+              <a:blipFill>
+                <a:blip r:embed="rId2"/>
+                <a:stretch>
+                  <a:fillRect/>
+                </a:stretch>
+              </a:blipFill>
+            </p:spPr>
+            <p:txBody>
+              <a:bodyPr/>
+              <a:lstStyle/>
+              <a:p>
+                <a:r>
+                  <a:rPr lang="en-US">
+                    <a:noFill/>
+                  </a:rPr>
+                  <a:t> </a:t>
+                </a:r>
+              </a:p>
+            </p:txBody>
+          </p:sp>
+        </mc:Fallback>
+      </mc:AlternateContent>
+      <mc:AlternateContent xmlns:mc="http://schemas.openxmlformats.org/markup-compatibility/2006">
+        <mc:Choice xmlns:a14="http://schemas.microsoft.com/office/drawing/2010/main" Requires="a14">
+          <p:sp>
+            <p:nvSpPr>
+              <p:cNvPr id="22" name="TextBox 21">
+                <a:extLst>
+                  <a:ext uri="{FF2B5EF4-FFF2-40B4-BE49-F238E27FC236}">
+                    <a16:creationId xmlns:a16="http://schemas.microsoft.com/office/drawing/2014/main" id="{C59D6D38-137E-4223-A62F-7005CECB33AA}"/>
+                  </a:ext>
+                </a:extLst>
+              </p:cNvPr>
+              <p:cNvSpPr txBox="1"/>
+              <p:nvPr/>
+            </p:nvSpPr>
+            <p:spPr>
+              <a:xfrm>
+                <a:off x="141381" y="734511"/>
+                <a:ext cx="612557" cy="646331"/>
+              </a:xfrm>
+              <a:prstGeom prst="rect">
+                <a:avLst/>
+              </a:prstGeom>
+              <a:noFill/>
+            </p:spPr>
+            <p:txBody>
+              <a:bodyPr wrap="square" lIns="0" tIns="0" rIns="0" bIns="0" rtlCol="0">
+                <a:spAutoFit/>
+              </a:bodyPr>
+              <a:lstStyle/>
+              <a:p>
+                <a14:m>
+                  <m:oMathPara xmlns:m="http://schemas.openxmlformats.org/officeDocument/2006/math">
+                    <m:oMathParaPr>
+                      <m:jc m:val="centerGroup"/>
+                    </m:oMathParaPr>
+                    <m:oMath xmlns:m="http://schemas.openxmlformats.org/officeDocument/2006/math">
+                      <m:sSub>
+                        <m:sSubPr>
+                          <m:ctrlPr>
+                            <a:rPr lang="en-US" sz="2400" b="1" i="1" smtClean="0">
+                              <a:latin typeface="Cambria Math" panose="02040503050406030204" pitchFamily="18" charset="0"/>
+                            </a:rPr>
+                          </m:ctrlPr>
+                        </m:sSubPr>
+                        <m:e>
+                          <m:r>
+                            <a:rPr lang="en-US" sz="2400" b="1" i="1" smtClean="0">
+                              <a:latin typeface="Cambria Math" panose="02040503050406030204" pitchFamily="18" charset="0"/>
+                            </a:rPr>
+                            <m:t>𝒙</m:t>
+                          </m:r>
+                        </m:e>
+                        <m:sub>
+                          <m:r>
+                            <a:rPr lang="en-US" sz="2400" b="1" i="1" smtClean="0">
+                              <a:latin typeface="Cambria Math" panose="02040503050406030204" pitchFamily="18" charset="0"/>
+                            </a:rPr>
+                            <m:t>𝟐</m:t>
+                          </m:r>
+                        </m:sub>
+                      </m:sSub>
+                    </m:oMath>
+                  </m:oMathPara>
+                </a14:m>
+                <a:endParaRPr lang="en-US" b="1" dirty="0"/>
+              </a:p>
+              <a:p>
+                <a:endParaRPr lang="en-US" dirty="0"/>
+              </a:p>
+            </p:txBody>
+          </p:sp>
+        </mc:Choice>
+        <mc:Fallback>
+          <p:sp>
+            <p:nvSpPr>
+              <p:cNvPr id="22" name="TextBox 21">
+                <a:extLst>
+                  <a:ext uri="{FF2B5EF4-FFF2-40B4-BE49-F238E27FC236}">
+                    <a16:creationId xmlns:a16="http://schemas.microsoft.com/office/drawing/2014/main" id="{C59D6D38-137E-4223-A62F-7005CECB33AA}"/>
+                  </a:ext>
+                </a:extLst>
+              </p:cNvPr>
+              <p:cNvSpPr txBox="1">
+                <a:spLocks noRot="1" noChangeAspect="1" noMove="1" noResize="1" noEditPoints="1" noAdjustHandles="1" noChangeArrowheads="1" noChangeShapeType="1" noTextEdit="1"/>
+              </p:cNvSpPr>
+              <p:nvPr/>
+            </p:nvSpPr>
+            <p:spPr>
+              <a:xfrm>
+                <a:off x="141381" y="734511"/>
+                <a:ext cx="612557" cy="646331"/>
+              </a:xfrm>
+              <a:prstGeom prst="rect">
+                <a:avLst/>
+              </a:prstGeom>
+              <a:blipFill>
+                <a:blip r:embed="rId3"/>
+                <a:stretch>
+                  <a:fillRect/>
+                </a:stretch>
+              </a:blipFill>
+            </p:spPr>
+            <p:txBody>
+              <a:bodyPr/>
+              <a:lstStyle/>
+              <a:p>
+                <a:r>
+                  <a:rPr lang="en-US">
+                    <a:noFill/>
+                  </a:rPr>
+                  <a:t> </a:t>
+                </a:r>
+              </a:p>
+            </p:txBody>
+          </p:sp>
+        </mc:Fallback>
+      </mc:AlternateContent>
+      <p:cxnSp>
+        <p:nvCxnSpPr>
+          <p:cNvPr id="23" name="Straight Arrow Connector 22">
+            <a:extLst>
+              <a:ext uri="{FF2B5EF4-FFF2-40B4-BE49-F238E27FC236}">
+                <a16:creationId xmlns:a16="http://schemas.microsoft.com/office/drawing/2014/main" id="{A643E21F-B4B2-4E50-A7DC-A3F3B71F1DBD}"/>
+              </a:ext>
+            </a:extLst>
+          </p:cNvPr>
+          <p:cNvCxnSpPr>
+            <a:cxnSpLocks/>
+          </p:cNvCxnSpPr>
+          <p:nvPr/>
+        </p:nvCxnSpPr>
+        <p:spPr>
+          <a:xfrm flipV="1">
+            <a:off x="2407554" y="1508384"/>
+            <a:ext cx="839108" cy="890115"/>
+          </a:xfrm>
+          <a:prstGeom prst="straightConnector1">
+            <a:avLst/>
+          </a:prstGeom>
+          <a:ln w="38100">
+            <a:tailEnd type="triangle"/>
+          </a:ln>
+        </p:spPr>
+        <p:style>
+          <a:lnRef idx="1">
+            <a:schemeClr val="accent5"/>
+          </a:lnRef>
+          <a:fillRef idx="0">
+            <a:schemeClr val="accent5"/>
+          </a:fillRef>
+          <a:effectRef idx="0">
+            <a:schemeClr val="accent5"/>
+          </a:effectRef>
+          <a:fontRef idx="minor">
+            <a:schemeClr val="tx1"/>
+          </a:fontRef>
+        </p:style>
+      </p:cxnSp>
+      <p:cxnSp>
+        <p:nvCxnSpPr>
+          <p:cNvPr id="26" name="Straight Arrow Connector 25">
+            <a:extLst>
+              <a:ext uri="{FF2B5EF4-FFF2-40B4-BE49-F238E27FC236}">
+                <a16:creationId xmlns:a16="http://schemas.microsoft.com/office/drawing/2014/main" id="{01558650-6AF2-43D7-990F-90506D93B2C7}"/>
+              </a:ext>
+            </a:extLst>
+          </p:cNvPr>
+          <p:cNvCxnSpPr>
+            <a:cxnSpLocks/>
+          </p:cNvCxnSpPr>
+          <p:nvPr/>
+        </p:nvCxnSpPr>
+        <p:spPr>
+          <a:xfrm flipH="1" flipV="1">
+            <a:off x="1815560" y="1853546"/>
+            <a:ext cx="591994" cy="512384"/>
+          </a:xfrm>
+          <a:prstGeom prst="straightConnector1">
+            <a:avLst/>
+          </a:prstGeom>
+          <a:ln w="38100">
+            <a:tailEnd type="triangle"/>
+          </a:ln>
+        </p:spPr>
+        <p:style>
+          <a:lnRef idx="1">
+            <a:schemeClr val="accent5"/>
+          </a:lnRef>
+          <a:fillRef idx="0">
+            <a:schemeClr val="accent5"/>
+          </a:fillRef>
+          <a:effectRef idx="0">
+            <a:schemeClr val="accent5"/>
+          </a:effectRef>
+          <a:fontRef idx="minor">
+            <a:schemeClr val="tx1"/>
+          </a:fontRef>
+        </p:style>
+      </p:cxnSp>
+      <mc:AlternateContent xmlns:mc="http://schemas.openxmlformats.org/markup-compatibility/2006">
+        <mc:Choice xmlns:a14="http://schemas.microsoft.com/office/drawing/2010/main" Requires="a14">
+          <p:sp>
+            <p:nvSpPr>
+              <p:cNvPr id="31" name="TextBox 30">
+                <a:extLst>
+                  <a:ext uri="{FF2B5EF4-FFF2-40B4-BE49-F238E27FC236}">
+                    <a16:creationId xmlns:a16="http://schemas.microsoft.com/office/drawing/2014/main" id="{21FFC334-54D9-474B-A524-5A2783F92898}"/>
+                  </a:ext>
+                </a:extLst>
+              </p:cNvPr>
+              <p:cNvSpPr txBox="1"/>
+              <p:nvPr/>
+            </p:nvSpPr>
+            <p:spPr>
+              <a:xfrm flipH="1">
+                <a:off x="3222341" y="1020047"/>
+                <a:ext cx="612557" cy="646331"/>
+              </a:xfrm>
+              <a:prstGeom prst="rect">
+                <a:avLst/>
+              </a:prstGeom>
+              <a:noFill/>
+            </p:spPr>
+            <p:txBody>
+              <a:bodyPr wrap="square" lIns="0" tIns="0" rIns="0" bIns="0" rtlCol="0">
+                <a:spAutoFit/>
+              </a:bodyPr>
+              <a:lstStyle/>
+              <a:p>
+                <a14:m>
+                  <m:oMathPara xmlns:m="http://schemas.openxmlformats.org/officeDocument/2006/math">
+                    <m:oMathParaPr>
+                      <m:jc m:val="centerGroup"/>
+                    </m:oMathParaPr>
+                    <m:oMath xmlns:m="http://schemas.openxmlformats.org/officeDocument/2006/math">
+                      <m:sSub>
+                        <m:sSubPr>
+                          <m:ctrlPr>
+                            <a:rPr lang="en-US" sz="2400" b="1" i="1" smtClean="0">
+                              <a:latin typeface="Cambria Math" panose="02040503050406030204" pitchFamily="18" charset="0"/>
+                            </a:rPr>
+                          </m:ctrlPr>
+                        </m:sSubPr>
+                        <m:e>
+                          <m:r>
+                            <a:rPr lang="en-US" sz="2400" b="1" i="1" smtClean="0">
+                              <a:latin typeface="Cambria Math" panose="02040503050406030204" pitchFamily="18" charset="0"/>
+                            </a:rPr>
+                            <m:t>𝒘</m:t>
+                          </m:r>
+                        </m:e>
+                        <m:sub>
+                          <m:r>
+                            <a:rPr lang="en-US" sz="2400" b="1" i="1" smtClean="0">
+                              <a:latin typeface="Cambria Math" panose="02040503050406030204" pitchFamily="18" charset="0"/>
+                            </a:rPr>
+                            <m:t>𝟏</m:t>
+                          </m:r>
+                        </m:sub>
+                      </m:sSub>
+                    </m:oMath>
+                  </m:oMathPara>
+                </a14:m>
+                <a:endParaRPr lang="en-US" b="1" dirty="0"/>
+              </a:p>
+              <a:p>
+                <a:endParaRPr lang="en-US" dirty="0"/>
+              </a:p>
+            </p:txBody>
+          </p:sp>
+        </mc:Choice>
+        <mc:Fallback>
+          <p:sp>
+            <p:nvSpPr>
+              <p:cNvPr id="31" name="TextBox 30">
+                <a:extLst>
+                  <a:ext uri="{FF2B5EF4-FFF2-40B4-BE49-F238E27FC236}">
+                    <a16:creationId xmlns:a16="http://schemas.microsoft.com/office/drawing/2014/main" id="{21FFC334-54D9-474B-A524-5A2783F92898}"/>
+                  </a:ext>
+                </a:extLst>
+              </p:cNvPr>
+              <p:cNvSpPr txBox="1">
+                <a:spLocks noRot="1" noChangeAspect="1" noMove="1" noResize="1" noEditPoints="1" noAdjustHandles="1" noChangeArrowheads="1" noChangeShapeType="1" noTextEdit="1"/>
+              </p:cNvSpPr>
+              <p:nvPr/>
+            </p:nvSpPr>
+            <p:spPr>
+              <a:xfrm flipH="1">
+                <a:off x="3222341" y="1020047"/>
+                <a:ext cx="612557" cy="646331"/>
+              </a:xfrm>
+              <a:prstGeom prst="rect">
+                <a:avLst/>
+              </a:prstGeom>
+              <a:blipFill>
+                <a:blip r:embed="rId4"/>
+                <a:stretch>
+                  <a:fillRect/>
+                </a:stretch>
+              </a:blipFill>
+            </p:spPr>
+            <p:txBody>
+              <a:bodyPr/>
+              <a:lstStyle/>
+              <a:p>
+                <a:r>
+                  <a:rPr lang="en-US">
+                    <a:noFill/>
+                  </a:rPr>
+                  <a:t> </a:t>
+                </a:r>
+              </a:p>
+            </p:txBody>
+          </p:sp>
+        </mc:Fallback>
+      </mc:AlternateContent>
+      <mc:AlternateContent xmlns:mc="http://schemas.openxmlformats.org/markup-compatibility/2006">
+        <mc:Choice xmlns:a14="http://schemas.microsoft.com/office/drawing/2010/main" Requires="a14">
+          <p:sp>
+            <p:nvSpPr>
+              <p:cNvPr id="32" name="TextBox 31">
+                <a:extLst>
+                  <a:ext uri="{FF2B5EF4-FFF2-40B4-BE49-F238E27FC236}">
+                    <a16:creationId xmlns:a16="http://schemas.microsoft.com/office/drawing/2014/main" id="{722CE043-ABDB-4E22-BBE8-AC0438B73E26}"/>
+                  </a:ext>
+                </a:extLst>
+              </p:cNvPr>
+              <p:cNvSpPr txBox="1"/>
+              <p:nvPr/>
+            </p:nvSpPr>
+            <p:spPr>
+              <a:xfrm flipH="1">
+                <a:off x="1244019" y="1396090"/>
+                <a:ext cx="612557" cy="646331"/>
+              </a:xfrm>
+              <a:prstGeom prst="rect">
+                <a:avLst/>
+              </a:prstGeom>
+              <a:noFill/>
+            </p:spPr>
+            <p:txBody>
+              <a:bodyPr wrap="square" lIns="0" tIns="0" rIns="0" bIns="0" rtlCol="0">
+                <a:spAutoFit/>
+              </a:bodyPr>
+              <a:lstStyle/>
+              <a:p>
+                <a14:m>
+                  <m:oMathPara xmlns:m="http://schemas.openxmlformats.org/officeDocument/2006/math">
+                    <m:oMathParaPr>
+                      <m:jc m:val="centerGroup"/>
+                    </m:oMathParaPr>
+                    <m:oMath xmlns:m="http://schemas.openxmlformats.org/officeDocument/2006/math">
+                      <m:sSub>
+                        <m:sSubPr>
+                          <m:ctrlPr>
+                            <a:rPr lang="en-US" sz="2400" b="1" i="1" smtClean="0">
+                              <a:latin typeface="Cambria Math" panose="02040503050406030204" pitchFamily="18" charset="0"/>
+                            </a:rPr>
+                          </m:ctrlPr>
+                        </m:sSubPr>
+                        <m:e>
+                          <m:r>
+                            <a:rPr lang="en-US" sz="2400" b="1" i="1" smtClean="0">
+                              <a:latin typeface="Cambria Math" panose="02040503050406030204" pitchFamily="18" charset="0"/>
+                            </a:rPr>
+                            <m:t>𝒘</m:t>
+                          </m:r>
+                        </m:e>
+                        <m:sub>
+                          <m:r>
+                            <a:rPr lang="en-US" sz="2400" b="1" i="1" smtClean="0">
+                              <a:latin typeface="Cambria Math" panose="02040503050406030204" pitchFamily="18" charset="0"/>
+                            </a:rPr>
+                            <m:t>𝟐</m:t>
+                          </m:r>
+                        </m:sub>
+                      </m:sSub>
+                    </m:oMath>
+                  </m:oMathPara>
+                </a14:m>
+                <a:endParaRPr lang="en-US" b="1" dirty="0"/>
+              </a:p>
+              <a:p>
+                <a:endParaRPr lang="en-US" dirty="0"/>
+              </a:p>
+            </p:txBody>
+          </p:sp>
+        </mc:Choice>
+        <mc:Fallback>
+          <p:sp>
+            <p:nvSpPr>
+              <p:cNvPr id="32" name="TextBox 31">
+                <a:extLst>
+                  <a:ext uri="{FF2B5EF4-FFF2-40B4-BE49-F238E27FC236}">
+                    <a16:creationId xmlns:a16="http://schemas.microsoft.com/office/drawing/2014/main" id="{722CE043-ABDB-4E22-BBE8-AC0438B73E26}"/>
+                  </a:ext>
+                </a:extLst>
+              </p:cNvPr>
+              <p:cNvSpPr txBox="1">
+                <a:spLocks noRot="1" noChangeAspect="1" noMove="1" noResize="1" noEditPoints="1" noAdjustHandles="1" noChangeArrowheads="1" noChangeShapeType="1" noTextEdit="1"/>
+              </p:cNvSpPr>
+              <p:nvPr/>
+            </p:nvSpPr>
+            <p:spPr>
+              <a:xfrm flipH="1">
+                <a:off x="1244019" y="1396090"/>
+                <a:ext cx="612557" cy="646331"/>
+              </a:xfrm>
+              <a:prstGeom prst="rect">
+                <a:avLst/>
+              </a:prstGeom>
+              <a:blipFill>
+                <a:blip r:embed="rId5"/>
+                <a:stretch>
+                  <a:fillRect/>
+                </a:stretch>
+              </a:blipFill>
+            </p:spPr>
+            <p:txBody>
+              <a:bodyPr/>
+              <a:lstStyle/>
+              <a:p>
+                <a:r>
+                  <a:rPr lang="en-US">
+                    <a:noFill/>
+                  </a:rPr>
+                  <a:t> </a:t>
+                </a:r>
+              </a:p>
+            </p:txBody>
+          </p:sp>
+        </mc:Fallback>
+      </mc:AlternateContent>
+      <p:cxnSp>
+        <p:nvCxnSpPr>
+          <p:cNvPr id="33" name="Straight Arrow Connector 32">
+            <a:extLst>
+              <a:ext uri="{FF2B5EF4-FFF2-40B4-BE49-F238E27FC236}">
+                <a16:creationId xmlns:a16="http://schemas.microsoft.com/office/drawing/2014/main" id="{6803D885-FB7B-4F50-9B5B-9061CD747F68}"/>
+              </a:ext>
+            </a:extLst>
+          </p:cNvPr>
+          <p:cNvCxnSpPr/>
+          <p:nvPr/>
+        </p:nvCxnSpPr>
+        <p:spPr>
+          <a:xfrm>
+            <a:off x="6161909" y="4074850"/>
+            <a:ext cx="4412202" cy="0"/>
+          </a:xfrm>
+          <a:prstGeom prst="straightConnector1">
+            <a:avLst/>
+          </a:prstGeom>
+          <a:ln w="57150">
+            <a:solidFill>
+              <a:schemeClr val="tx1"/>
+            </a:solidFill>
+            <a:tailEnd type="triangle"/>
+          </a:ln>
+        </p:spPr>
+        <p:style>
+          <a:lnRef idx="1">
+            <a:schemeClr val="accent1"/>
+          </a:lnRef>
+          <a:fillRef idx="0">
+            <a:schemeClr val="accent1"/>
+          </a:fillRef>
+          <a:effectRef idx="0">
+            <a:schemeClr val="accent1"/>
+          </a:effectRef>
+          <a:fontRef idx="minor">
+            <a:schemeClr val="tx1"/>
+          </a:fontRef>
+        </p:style>
+      </p:cxnSp>
+      <p:cxnSp>
+        <p:nvCxnSpPr>
+          <p:cNvPr id="34" name="Straight Arrow Connector 33">
+            <a:extLst>
+              <a:ext uri="{FF2B5EF4-FFF2-40B4-BE49-F238E27FC236}">
+                <a16:creationId xmlns:a16="http://schemas.microsoft.com/office/drawing/2014/main" id="{D0714450-25D3-4723-A035-2A549589DE8E}"/>
+              </a:ext>
+            </a:extLst>
+          </p:cNvPr>
+          <p:cNvCxnSpPr>
+            <a:cxnSpLocks/>
+          </p:cNvCxnSpPr>
+          <p:nvPr/>
+        </p:nvCxnSpPr>
+        <p:spPr>
+          <a:xfrm flipV="1">
+            <a:off x="6161909" y="887766"/>
+            <a:ext cx="0" cy="3187084"/>
+          </a:xfrm>
+          <a:prstGeom prst="straightConnector1">
+            <a:avLst/>
+          </a:prstGeom>
+          <a:ln w="57150">
+            <a:solidFill>
+              <a:schemeClr val="tx1"/>
+            </a:solidFill>
+            <a:tailEnd type="triangle"/>
+          </a:ln>
+        </p:spPr>
+        <p:style>
+          <a:lnRef idx="1">
+            <a:schemeClr val="accent1"/>
+          </a:lnRef>
+          <a:fillRef idx="0">
+            <a:schemeClr val="accent1"/>
+          </a:fillRef>
+          <a:effectRef idx="0">
+            <a:schemeClr val="accent1"/>
+          </a:effectRef>
+          <a:fontRef idx="minor">
+            <a:schemeClr val="tx1"/>
+          </a:fontRef>
+        </p:style>
+      </p:cxnSp>
+      <p:sp>
+        <p:nvSpPr>
+          <p:cNvPr id="35" name="Oval 34">
+            <a:extLst>
+              <a:ext uri="{FF2B5EF4-FFF2-40B4-BE49-F238E27FC236}">
+                <a16:creationId xmlns:a16="http://schemas.microsoft.com/office/drawing/2014/main" id="{22DC07EB-A328-45D1-B19D-EDBD10E12DE7}"/>
+              </a:ext>
+            </a:extLst>
+          </p:cNvPr>
+          <p:cNvSpPr/>
+          <p:nvPr/>
+        </p:nvSpPr>
+        <p:spPr>
+          <a:xfrm>
+            <a:off x="6107979" y="4012718"/>
+            <a:ext cx="107857" cy="124264"/>
+          </a:xfrm>
+          <a:prstGeom prst="ellipse">
+            <a:avLst/>
+          </a:prstGeom>
+        </p:spPr>
+        <p:style>
+          <a:lnRef idx="2">
+            <a:schemeClr val="dk1">
+              <a:shade val="50000"/>
+            </a:schemeClr>
+          </a:lnRef>
+          <a:fillRef idx="1">
+            <a:schemeClr val="dk1"/>
+          </a:fillRef>
+          <a:effectRef idx="0">
+            <a:schemeClr val="dk1"/>
+          </a:effectRef>
+          <a:fontRef idx="minor">
+            <a:schemeClr val="lt1"/>
+          </a:fontRef>
+        </p:style>
+        <p:txBody>
+          <a:bodyPr rtlCol="0" anchor="ctr"/>
+          <a:lstStyle/>
+          <a:p>
+            <a:pPr algn="ctr"/>
+            <a:endParaRPr lang="en-US"/>
+          </a:p>
+        </p:txBody>
+      </p:sp>
+      <p:sp>
+        <p:nvSpPr>
+          <p:cNvPr id="36" name="Oval 35">
+            <a:extLst>
+              <a:ext uri="{FF2B5EF4-FFF2-40B4-BE49-F238E27FC236}">
+                <a16:creationId xmlns:a16="http://schemas.microsoft.com/office/drawing/2014/main" id="{02951133-2320-468E-A4DD-6590B8BDF307}"/>
+              </a:ext>
+            </a:extLst>
+          </p:cNvPr>
+          <p:cNvSpPr/>
+          <p:nvPr/>
+        </p:nvSpPr>
+        <p:spPr>
+          <a:xfrm>
+            <a:off x="7103749" y="1994191"/>
+            <a:ext cx="194484" cy="193811"/>
+          </a:xfrm>
+          <a:prstGeom prst="ellipse">
+            <a:avLst/>
+          </a:prstGeom>
+          <a:noFill/>
+          <a:ln w="38100">
+            <a:solidFill>
+              <a:srgbClr val="FF0000"/>
+            </a:solidFill>
+          </a:ln>
+        </p:spPr>
+        <p:style>
+          <a:lnRef idx="2">
+            <a:schemeClr val="dk1">
+              <a:shade val="50000"/>
+            </a:schemeClr>
+          </a:lnRef>
+          <a:fillRef idx="1">
+            <a:schemeClr val="dk1"/>
+          </a:fillRef>
+          <a:effectRef idx="0">
+            <a:schemeClr val="dk1"/>
+          </a:effectRef>
+          <a:fontRef idx="minor">
+            <a:schemeClr val="lt1"/>
+          </a:fontRef>
+        </p:style>
+        <p:txBody>
+          <a:bodyPr rtlCol="0" anchor="ctr"/>
+          <a:lstStyle/>
+          <a:p>
+            <a:pPr algn="ctr"/>
+            <a:endParaRPr lang="en-US"/>
+          </a:p>
+        </p:txBody>
+      </p:sp>
+      <p:sp>
+        <p:nvSpPr>
+          <p:cNvPr id="37" name="Oval 36">
+            <a:extLst>
+              <a:ext uri="{FF2B5EF4-FFF2-40B4-BE49-F238E27FC236}">
+                <a16:creationId xmlns:a16="http://schemas.microsoft.com/office/drawing/2014/main" id="{C4C6A5A4-71F8-4EEB-B0CA-4D3879579AAC}"/>
+              </a:ext>
+            </a:extLst>
+          </p:cNvPr>
+          <p:cNvSpPr/>
+          <p:nvPr/>
+        </p:nvSpPr>
+        <p:spPr>
+          <a:xfrm>
+            <a:off x="7103749" y="2737873"/>
+            <a:ext cx="194484" cy="193811"/>
+          </a:xfrm>
+          <a:prstGeom prst="ellipse">
+            <a:avLst/>
+          </a:prstGeom>
+          <a:noFill/>
+          <a:ln w="38100">
+            <a:solidFill>
+              <a:srgbClr val="FF0000"/>
+            </a:solidFill>
+          </a:ln>
+        </p:spPr>
+        <p:style>
+          <a:lnRef idx="2">
+            <a:schemeClr val="dk1">
+              <a:shade val="50000"/>
+            </a:schemeClr>
+          </a:lnRef>
+          <a:fillRef idx="1">
+            <a:schemeClr val="dk1"/>
+          </a:fillRef>
+          <a:effectRef idx="0">
+            <a:schemeClr val="dk1"/>
+          </a:effectRef>
+          <a:fontRef idx="minor">
+            <a:schemeClr val="lt1"/>
+          </a:fontRef>
+        </p:style>
+        <p:txBody>
+          <a:bodyPr rtlCol="0" anchor="ctr"/>
+          <a:lstStyle/>
+          <a:p>
+            <a:pPr algn="ctr"/>
+            <a:endParaRPr lang="en-US"/>
+          </a:p>
+        </p:txBody>
+      </p:sp>
+      <p:sp>
+        <p:nvSpPr>
+          <p:cNvPr id="38" name="Oval 37">
+            <a:extLst>
+              <a:ext uri="{FF2B5EF4-FFF2-40B4-BE49-F238E27FC236}">
+                <a16:creationId xmlns:a16="http://schemas.microsoft.com/office/drawing/2014/main" id="{DD7A7BDF-0F1F-4ED0-9A93-25290A5B7D5E}"/>
+              </a:ext>
+            </a:extLst>
+          </p:cNvPr>
+          <p:cNvSpPr/>
+          <p:nvPr/>
+        </p:nvSpPr>
+        <p:spPr>
+          <a:xfrm>
+            <a:off x="7640032" y="1486690"/>
+            <a:ext cx="194484" cy="193811"/>
+          </a:xfrm>
+          <a:prstGeom prst="ellipse">
+            <a:avLst/>
+          </a:prstGeom>
+          <a:noFill/>
+          <a:ln w="38100">
+            <a:solidFill>
+              <a:srgbClr val="FF0000"/>
+            </a:solidFill>
+          </a:ln>
+        </p:spPr>
+        <p:style>
+          <a:lnRef idx="2">
+            <a:schemeClr val="dk1">
+              <a:shade val="50000"/>
+            </a:schemeClr>
+          </a:lnRef>
+          <a:fillRef idx="1">
+            <a:schemeClr val="dk1"/>
+          </a:fillRef>
+          <a:effectRef idx="0">
+            <a:schemeClr val="dk1"/>
+          </a:effectRef>
+          <a:fontRef idx="minor">
+            <a:schemeClr val="lt1"/>
+          </a:fontRef>
+        </p:style>
+        <p:txBody>
+          <a:bodyPr rtlCol="0" anchor="ctr"/>
+          <a:lstStyle/>
+          <a:p>
+            <a:pPr algn="ctr"/>
+            <a:endParaRPr lang="en-US"/>
+          </a:p>
+        </p:txBody>
+      </p:sp>
+      <p:sp>
+        <p:nvSpPr>
+          <p:cNvPr id="39" name="Oval 38">
+            <a:extLst>
+              <a:ext uri="{FF2B5EF4-FFF2-40B4-BE49-F238E27FC236}">
+                <a16:creationId xmlns:a16="http://schemas.microsoft.com/office/drawing/2014/main" id="{709A0995-1CCE-4D56-B290-101E0214F014}"/>
+              </a:ext>
+            </a:extLst>
+          </p:cNvPr>
+          <p:cNvSpPr/>
+          <p:nvPr/>
+        </p:nvSpPr>
+        <p:spPr>
+          <a:xfrm>
+            <a:off x="7298233" y="2419581"/>
+            <a:ext cx="194484" cy="193811"/>
+          </a:xfrm>
+          <a:prstGeom prst="ellipse">
+            <a:avLst/>
+          </a:prstGeom>
+          <a:noFill/>
+          <a:ln w="38100">
+            <a:solidFill>
+              <a:srgbClr val="FF0000"/>
+            </a:solidFill>
+          </a:ln>
+        </p:spPr>
+        <p:style>
+          <a:lnRef idx="2">
+            <a:schemeClr val="dk1">
+              <a:shade val="50000"/>
+            </a:schemeClr>
+          </a:lnRef>
+          <a:fillRef idx="1">
+            <a:schemeClr val="dk1"/>
+          </a:fillRef>
+          <a:effectRef idx="0">
+            <a:schemeClr val="dk1"/>
+          </a:effectRef>
+          <a:fontRef idx="minor">
+            <a:schemeClr val="lt1"/>
+          </a:fontRef>
+        </p:style>
+        <p:txBody>
+          <a:bodyPr rtlCol="0" anchor="ctr"/>
+          <a:lstStyle/>
+          <a:p>
+            <a:pPr algn="ctr"/>
+            <a:endParaRPr lang="en-US"/>
+          </a:p>
+        </p:txBody>
+      </p:sp>
+      <p:sp>
+        <p:nvSpPr>
+          <p:cNvPr id="40" name="Oval 39">
+            <a:extLst>
+              <a:ext uri="{FF2B5EF4-FFF2-40B4-BE49-F238E27FC236}">
+                <a16:creationId xmlns:a16="http://schemas.microsoft.com/office/drawing/2014/main" id="{1558044C-E127-4F81-8853-94DD9D494F4B}"/>
+              </a:ext>
+            </a:extLst>
+          </p:cNvPr>
+          <p:cNvSpPr/>
+          <p:nvPr/>
+        </p:nvSpPr>
+        <p:spPr>
+          <a:xfrm>
+            <a:off x="7597948" y="2058899"/>
+            <a:ext cx="194484" cy="193811"/>
+          </a:xfrm>
+          <a:prstGeom prst="ellipse">
+            <a:avLst/>
+          </a:prstGeom>
+          <a:noFill/>
+          <a:ln w="38100">
+            <a:solidFill>
+              <a:srgbClr val="FF0000"/>
+            </a:solidFill>
+          </a:ln>
+        </p:spPr>
+        <p:style>
+          <a:lnRef idx="2">
+            <a:schemeClr val="dk1">
+              <a:shade val="50000"/>
+            </a:schemeClr>
+          </a:lnRef>
+          <a:fillRef idx="1">
+            <a:schemeClr val="dk1"/>
+          </a:fillRef>
+          <a:effectRef idx="0">
+            <a:schemeClr val="dk1"/>
+          </a:effectRef>
+          <a:fontRef idx="minor">
+            <a:schemeClr val="lt1"/>
+          </a:fontRef>
+        </p:style>
+        <p:txBody>
+          <a:bodyPr rtlCol="0" anchor="ctr"/>
+          <a:lstStyle/>
+          <a:p>
+            <a:pPr algn="ctr"/>
+            <a:endParaRPr lang="en-US"/>
+          </a:p>
+        </p:txBody>
+      </p:sp>
+      <p:sp>
+        <p:nvSpPr>
+          <p:cNvPr id="41" name="Oval 40">
+            <a:extLst>
+              <a:ext uri="{FF2B5EF4-FFF2-40B4-BE49-F238E27FC236}">
+                <a16:creationId xmlns:a16="http://schemas.microsoft.com/office/drawing/2014/main" id="{10E1303B-A968-4593-813D-2AF96DE1F613}"/>
+              </a:ext>
+            </a:extLst>
+          </p:cNvPr>
+          <p:cNvSpPr/>
+          <p:nvPr/>
+        </p:nvSpPr>
+        <p:spPr>
+          <a:xfrm>
+            <a:off x="8503461" y="1594707"/>
+            <a:ext cx="194484" cy="193811"/>
+          </a:xfrm>
+          <a:prstGeom prst="ellipse">
+            <a:avLst/>
+          </a:prstGeom>
+          <a:noFill/>
+          <a:ln w="38100">
+            <a:solidFill>
+              <a:srgbClr val="FF0000"/>
+            </a:solidFill>
+          </a:ln>
+        </p:spPr>
+        <p:style>
+          <a:lnRef idx="2">
+            <a:schemeClr val="dk1">
+              <a:shade val="50000"/>
+            </a:schemeClr>
+          </a:lnRef>
+          <a:fillRef idx="1">
+            <a:schemeClr val="dk1"/>
+          </a:fillRef>
+          <a:effectRef idx="0">
+            <a:schemeClr val="dk1"/>
+          </a:effectRef>
+          <a:fontRef idx="minor">
+            <a:schemeClr val="lt1"/>
+          </a:fontRef>
+        </p:style>
+        <p:txBody>
+          <a:bodyPr rtlCol="0" anchor="ctr"/>
+          <a:lstStyle/>
+          <a:p>
+            <a:pPr algn="ctr"/>
+            <a:endParaRPr lang="en-US"/>
+          </a:p>
+        </p:txBody>
+      </p:sp>
+      <p:sp>
+        <p:nvSpPr>
+          <p:cNvPr id="42" name="Oval 41">
+            <a:extLst>
+              <a:ext uri="{FF2B5EF4-FFF2-40B4-BE49-F238E27FC236}">
+                <a16:creationId xmlns:a16="http://schemas.microsoft.com/office/drawing/2014/main" id="{67531BCF-3F1B-43CE-9475-0226743E566C}"/>
+              </a:ext>
+            </a:extLst>
+          </p:cNvPr>
+          <p:cNvSpPr/>
+          <p:nvPr/>
+        </p:nvSpPr>
+        <p:spPr>
+          <a:xfrm>
+            <a:off x="7761596" y="2780770"/>
+            <a:ext cx="194484" cy="193811"/>
+          </a:xfrm>
+          <a:prstGeom prst="ellipse">
+            <a:avLst/>
+          </a:prstGeom>
+          <a:noFill/>
+          <a:ln w="38100">
+            <a:solidFill>
+              <a:srgbClr val="FF0000"/>
+            </a:solidFill>
+          </a:ln>
+        </p:spPr>
+        <p:style>
+          <a:lnRef idx="2">
+            <a:schemeClr val="dk1">
+              <a:shade val="50000"/>
+            </a:schemeClr>
+          </a:lnRef>
+          <a:fillRef idx="1">
+            <a:schemeClr val="dk1"/>
+          </a:fillRef>
+          <a:effectRef idx="0">
+            <a:schemeClr val="dk1"/>
+          </a:effectRef>
+          <a:fontRef idx="minor">
+            <a:schemeClr val="lt1"/>
+          </a:fontRef>
+        </p:style>
+        <p:txBody>
+          <a:bodyPr rtlCol="0" anchor="ctr"/>
+          <a:lstStyle/>
+          <a:p>
+            <a:pPr algn="ctr"/>
+            <a:endParaRPr lang="en-US"/>
+          </a:p>
+        </p:txBody>
+      </p:sp>
+      <p:sp>
+        <p:nvSpPr>
+          <p:cNvPr id="43" name="Oval 42">
+            <a:extLst>
+              <a:ext uri="{FF2B5EF4-FFF2-40B4-BE49-F238E27FC236}">
+                <a16:creationId xmlns:a16="http://schemas.microsoft.com/office/drawing/2014/main" id="{5EE99A00-7357-462B-B82F-B3F63A0C69D9}"/>
+              </a:ext>
+            </a:extLst>
+          </p:cNvPr>
+          <p:cNvSpPr/>
+          <p:nvPr/>
+        </p:nvSpPr>
+        <p:spPr>
+          <a:xfrm>
+            <a:off x="8389540" y="2287497"/>
+            <a:ext cx="194484" cy="193811"/>
+          </a:xfrm>
+          <a:prstGeom prst="ellipse">
+            <a:avLst/>
+          </a:prstGeom>
+          <a:noFill/>
+          <a:ln w="38100">
+            <a:solidFill>
+              <a:srgbClr val="FF0000"/>
+            </a:solidFill>
+          </a:ln>
+        </p:spPr>
+        <p:style>
+          <a:lnRef idx="2">
+            <a:schemeClr val="dk1">
+              <a:shade val="50000"/>
+            </a:schemeClr>
+          </a:lnRef>
+          <a:fillRef idx="1">
+            <a:schemeClr val="dk1"/>
+          </a:fillRef>
+          <a:effectRef idx="0">
+            <a:schemeClr val="dk1"/>
+          </a:effectRef>
+          <a:fontRef idx="minor">
+            <a:schemeClr val="lt1"/>
+          </a:fontRef>
+        </p:style>
+        <p:txBody>
+          <a:bodyPr rtlCol="0" anchor="ctr"/>
+          <a:lstStyle/>
+          <a:p>
+            <a:pPr algn="ctr"/>
+            <a:endParaRPr lang="en-US"/>
+          </a:p>
+        </p:txBody>
+      </p:sp>
+      <p:sp>
+        <p:nvSpPr>
+          <p:cNvPr id="44" name="Oval 43">
+            <a:extLst>
+              <a:ext uri="{FF2B5EF4-FFF2-40B4-BE49-F238E27FC236}">
+                <a16:creationId xmlns:a16="http://schemas.microsoft.com/office/drawing/2014/main" id="{A33F2D1E-A52E-455F-ADFB-D446C4253213}"/>
+              </a:ext>
+            </a:extLst>
+          </p:cNvPr>
+          <p:cNvSpPr/>
+          <p:nvPr/>
+        </p:nvSpPr>
+        <p:spPr>
+          <a:xfrm>
+            <a:off x="8207548" y="2668499"/>
+            <a:ext cx="194484" cy="193811"/>
+          </a:xfrm>
+          <a:prstGeom prst="ellipse">
+            <a:avLst/>
+          </a:prstGeom>
+          <a:noFill/>
+          <a:ln w="38100">
+            <a:solidFill>
+              <a:srgbClr val="FF0000"/>
+            </a:solidFill>
+          </a:ln>
+        </p:spPr>
+        <p:style>
+          <a:lnRef idx="2">
+            <a:schemeClr val="dk1">
+              <a:shade val="50000"/>
+            </a:schemeClr>
+          </a:lnRef>
+          <a:fillRef idx="1">
+            <a:schemeClr val="dk1"/>
+          </a:fillRef>
+          <a:effectRef idx="0">
+            <a:schemeClr val="dk1"/>
+          </a:effectRef>
+          <a:fontRef idx="minor">
+            <a:schemeClr val="lt1"/>
+          </a:fontRef>
+        </p:style>
+        <p:txBody>
+          <a:bodyPr rtlCol="0" anchor="ctr"/>
+          <a:lstStyle/>
+          <a:p>
+            <a:pPr algn="ctr"/>
+            <a:endParaRPr lang="en-US"/>
+          </a:p>
+        </p:txBody>
+      </p:sp>
+      <p:sp>
+        <p:nvSpPr>
+          <p:cNvPr id="45" name="Oval 44">
+            <a:extLst>
+              <a:ext uri="{FF2B5EF4-FFF2-40B4-BE49-F238E27FC236}">
+                <a16:creationId xmlns:a16="http://schemas.microsoft.com/office/drawing/2014/main" id="{DF58B03B-2E52-4E70-ACAC-8C95CA12C7CE}"/>
+              </a:ext>
+            </a:extLst>
+          </p:cNvPr>
+          <p:cNvSpPr/>
+          <p:nvPr/>
+        </p:nvSpPr>
+        <p:spPr>
+          <a:xfrm>
+            <a:off x="7298233" y="3150309"/>
+            <a:ext cx="194484" cy="193811"/>
+          </a:xfrm>
+          <a:prstGeom prst="ellipse">
+            <a:avLst/>
+          </a:prstGeom>
+          <a:noFill/>
+          <a:ln w="38100">
+            <a:solidFill>
+              <a:srgbClr val="FF0000"/>
+            </a:solidFill>
+          </a:ln>
+        </p:spPr>
+        <p:style>
+          <a:lnRef idx="2">
+            <a:schemeClr val="dk1">
+              <a:shade val="50000"/>
+            </a:schemeClr>
+          </a:lnRef>
+          <a:fillRef idx="1">
+            <a:schemeClr val="dk1"/>
+          </a:fillRef>
+          <a:effectRef idx="0">
+            <a:schemeClr val="dk1"/>
+          </a:effectRef>
+          <a:fontRef idx="minor">
+            <a:schemeClr val="lt1"/>
+          </a:fontRef>
+        </p:style>
+        <p:txBody>
+          <a:bodyPr rtlCol="0" anchor="ctr"/>
+          <a:lstStyle/>
+          <a:p>
+            <a:pPr algn="ctr"/>
+            <a:endParaRPr lang="en-US"/>
+          </a:p>
+        </p:txBody>
+      </p:sp>
+      <p:sp>
+        <p:nvSpPr>
+          <p:cNvPr id="46" name="Oval 45">
+            <a:extLst>
+              <a:ext uri="{FF2B5EF4-FFF2-40B4-BE49-F238E27FC236}">
+                <a16:creationId xmlns:a16="http://schemas.microsoft.com/office/drawing/2014/main" id="{5141AAFE-BF87-450B-A17A-AD8430E8D11A}"/>
+              </a:ext>
+            </a:extLst>
+          </p:cNvPr>
+          <p:cNvSpPr/>
+          <p:nvPr/>
+        </p:nvSpPr>
+        <p:spPr>
+          <a:xfrm>
+            <a:off x="7976804" y="1788518"/>
+            <a:ext cx="194484" cy="193811"/>
+          </a:xfrm>
+          <a:prstGeom prst="ellipse">
+            <a:avLst/>
+          </a:prstGeom>
+          <a:solidFill>
+            <a:schemeClr val="bg1"/>
+          </a:solidFill>
+          <a:ln w="38100">
+            <a:solidFill>
+              <a:srgbClr val="FF0000"/>
+            </a:solidFill>
+          </a:ln>
+        </p:spPr>
+        <p:style>
+          <a:lnRef idx="2">
+            <a:schemeClr val="dk1">
+              <a:shade val="50000"/>
+            </a:schemeClr>
+          </a:lnRef>
+          <a:fillRef idx="1">
+            <a:schemeClr val="dk1"/>
+          </a:fillRef>
+          <a:effectRef idx="0">
+            <a:schemeClr val="dk1"/>
+          </a:effectRef>
+          <a:fontRef idx="minor">
+            <a:schemeClr val="lt1"/>
+          </a:fontRef>
+        </p:style>
+        <p:txBody>
+          <a:bodyPr rtlCol="0" anchor="ctr"/>
+          <a:lstStyle/>
+          <a:p>
+            <a:pPr algn="ctr"/>
+            <a:endParaRPr lang="en-US"/>
+          </a:p>
+        </p:txBody>
+      </p:sp>
+      <p:sp>
+        <p:nvSpPr>
+          <p:cNvPr id="47" name="Oval 46">
+            <a:extLst>
+              <a:ext uri="{FF2B5EF4-FFF2-40B4-BE49-F238E27FC236}">
+                <a16:creationId xmlns:a16="http://schemas.microsoft.com/office/drawing/2014/main" id="{7AE208F8-73F7-45E7-8A00-B6A197C5B461}"/>
+              </a:ext>
+            </a:extLst>
+          </p:cNvPr>
+          <p:cNvSpPr/>
+          <p:nvPr/>
+        </p:nvSpPr>
+        <p:spPr>
+          <a:xfrm>
+            <a:off x="7891399" y="2365930"/>
+            <a:ext cx="194484" cy="193811"/>
+          </a:xfrm>
+          <a:prstGeom prst="ellipse">
+            <a:avLst/>
+          </a:prstGeom>
+          <a:solidFill>
+            <a:schemeClr val="bg1"/>
+          </a:solidFill>
+          <a:ln w="38100">
+            <a:solidFill>
+              <a:srgbClr val="FF0000"/>
+            </a:solidFill>
+          </a:ln>
+        </p:spPr>
+        <p:style>
+          <a:lnRef idx="2">
+            <a:schemeClr val="dk1">
+              <a:shade val="50000"/>
+            </a:schemeClr>
+          </a:lnRef>
+          <a:fillRef idx="1">
+            <a:schemeClr val="dk1"/>
+          </a:fillRef>
+          <a:effectRef idx="0">
+            <a:schemeClr val="dk1"/>
+          </a:effectRef>
+          <a:fontRef idx="minor">
+            <a:schemeClr val="lt1"/>
+          </a:fontRef>
+        </p:style>
+        <p:txBody>
+          <a:bodyPr rtlCol="0" anchor="ctr"/>
+          <a:lstStyle/>
+          <a:p>
+            <a:pPr algn="ctr"/>
+            <a:endParaRPr lang="en-US"/>
+          </a:p>
+        </p:txBody>
+      </p:sp>
+      <mc:AlternateContent xmlns:mc="http://schemas.openxmlformats.org/markup-compatibility/2006">
+        <mc:Choice xmlns:a14="http://schemas.microsoft.com/office/drawing/2010/main" Requires="a14">
+          <p:sp>
+            <p:nvSpPr>
+              <p:cNvPr id="49" name="TextBox 48">
+                <a:extLst>
+                  <a:ext uri="{FF2B5EF4-FFF2-40B4-BE49-F238E27FC236}">
+                    <a16:creationId xmlns:a16="http://schemas.microsoft.com/office/drawing/2014/main" id="{428FACFE-203A-4B23-9F93-E77BB56E01CA}"/>
+                  </a:ext>
+                </a:extLst>
+              </p:cNvPr>
+              <p:cNvSpPr txBox="1"/>
+              <p:nvPr/>
+            </p:nvSpPr>
+            <p:spPr>
+              <a:xfrm>
+                <a:off x="9967472" y="4177567"/>
+                <a:ext cx="612557" cy="646331"/>
+              </a:xfrm>
+              <a:prstGeom prst="rect">
+                <a:avLst/>
+              </a:prstGeom>
+              <a:noFill/>
+            </p:spPr>
+            <p:txBody>
+              <a:bodyPr wrap="square" lIns="0" tIns="0" rIns="0" bIns="0" rtlCol="0">
+                <a:spAutoFit/>
+              </a:bodyPr>
+              <a:lstStyle/>
+              <a:p>
+                <a14:m>
+                  <m:oMathPara xmlns:m="http://schemas.openxmlformats.org/officeDocument/2006/math">
+                    <m:oMathParaPr>
+                      <m:jc m:val="centerGroup"/>
+                    </m:oMathParaPr>
+                    <m:oMath xmlns:m="http://schemas.openxmlformats.org/officeDocument/2006/math">
+                      <m:sSub>
+                        <m:sSubPr>
+                          <m:ctrlPr>
+                            <a:rPr lang="en-US" sz="2400" b="1" i="1" smtClean="0">
+                              <a:latin typeface="Cambria Math" panose="02040503050406030204" pitchFamily="18" charset="0"/>
+                            </a:rPr>
+                          </m:ctrlPr>
+                        </m:sSubPr>
+                        <m:e>
+                          <m:r>
+                            <a:rPr lang="en-US" sz="2400" b="1" i="1" smtClean="0">
+                              <a:latin typeface="Cambria Math" panose="02040503050406030204" pitchFamily="18" charset="0"/>
+                            </a:rPr>
+                            <m:t>𝒙</m:t>
+                          </m:r>
+                        </m:e>
+                        <m:sub>
+                          <m:r>
+                            <a:rPr lang="en-US" sz="2400" b="1" i="1" smtClean="0">
+                              <a:latin typeface="Cambria Math" panose="02040503050406030204" pitchFamily="18" charset="0"/>
+                            </a:rPr>
+                            <m:t>𝟏</m:t>
+                          </m:r>
+                        </m:sub>
+                      </m:sSub>
+                    </m:oMath>
+                  </m:oMathPara>
+                </a14:m>
+                <a:endParaRPr lang="en-US" b="1" dirty="0"/>
+              </a:p>
+              <a:p>
+                <a:endParaRPr lang="en-US" dirty="0"/>
+              </a:p>
+            </p:txBody>
+          </p:sp>
+        </mc:Choice>
+        <mc:Fallback>
+          <p:sp>
+            <p:nvSpPr>
+              <p:cNvPr id="49" name="TextBox 48">
+                <a:extLst>
+                  <a:ext uri="{FF2B5EF4-FFF2-40B4-BE49-F238E27FC236}">
+                    <a16:creationId xmlns:a16="http://schemas.microsoft.com/office/drawing/2014/main" id="{428FACFE-203A-4B23-9F93-E77BB56E01CA}"/>
+                  </a:ext>
+                </a:extLst>
+              </p:cNvPr>
+              <p:cNvSpPr txBox="1">
+                <a:spLocks noRot="1" noChangeAspect="1" noMove="1" noResize="1" noEditPoints="1" noAdjustHandles="1" noChangeArrowheads="1" noChangeShapeType="1" noTextEdit="1"/>
+              </p:cNvSpPr>
+              <p:nvPr/>
+            </p:nvSpPr>
+            <p:spPr>
+              <a:xfrm>
+                <a:off x="9967472" y="4177567"/>
+                <a:ext cx="612557" cy="646331"/>
+              </a:xfrm>
+              <a:prstGeom prst="rect">
+                <a:avLst/>
+              </a:prstGeom>
+              <a:blipFill>
+                <a:blip r:embed="rId6"/>
+                <a:stretch>
+                  <a:fillRect/>
+                </a:stretch>
+              </a:blipFill>
+            </p:spPr>
+            <p:txBody>
+              <a:bodyPr/>
+              <a:lstStyle/>
+              <a:p>
+                <a:r>
+                  <a:rPr lang="en-US">
+                    <a:noFill/>
+                  </a:rPr>
+                  <a:t> </a:t>
+                </a:r>
+              </a:p>
+            </p:txBody>
+          </p:sp>
+        </mc:Fallback>
+      </mc:AlternateContent>
+      <mc:AlternateContent xmlns:mc="http://schemas.openxmlformats.org/markup-compatibility/2006">
+        <mc:Choice xmlns:a14="http://schemas.microsoft.com/office/drawing/2010/main" Requires="a14">
+          <p:sp>
+            <p:nvSpPr>
+              <p:cNvPr id="50" name="TextBox 49">
+                <a:extLst>
+                  <a:ext uri="{FF2B5EF4-FFF2-40B4-BE49-F238E27FC236}">
+                    <a16:creationId xmlns:a16="http://schemas.microsoft.com/office/drawing/2014/main" id="{33239EA8-261F-41A4-9BB6-A402DEEF9538}"/>
+                  </a:ext>
+                </a:extLst>
+              </p:cNvPr>
+              <p:cNvSpPr txBox="1"/>
+              <p:nvPr/>
+            </p:nvSpPr>
+            <p:spPr>
+              <a:xfrm>
+                <a:off x="5495422" y="734511"/>
+                <a:ext cx="612557" cy="646331"/>
+              </a:xfrm>
+              <a:prstGeom prst="rect">
+                <a:avLst/>
+              </a:prstGeom>
+              <a:noFill/>
+            </p:spPr>
+            <p:txBody>
+              <a:bodyPr wrap="square" lIns="0" tIns="0" rIns="0" bIns="0" rtlCol="0">
+                <a:spAutoFit/>
+              </a:bodyPr>
+              <a:lstStyle/>
+              <a:p>
+                <a14:m>
+                  <m:oMathPara xmlns:m="http://schemas.openxmlformats.org/officeDocument/2006/math">
+                    <m:oMathParaPr>
+                      <m:jc m:val="centerGroup"/>
+                    </m:oMathParaPr>
+                    <m:oMath xmlns:m="http://schemas.openxmlformats.org/officeDocument/2006/math">
+                      <m:sSub>
+                        <m:sSubPr>
+                          <m:ctrlPr>
+                            <a:rPr lang="en-US" sz="2400" b="1" i="1" smtClean="0">
+                              <a:latin typeface="Cambria Math" panose="02040503050406030204" pitchFamily="18" charset="0"/>
+                            </a:rPr>
+                          </m:ctrlPr>
+                        </m:sSubPr>
+                        <m:e>
+                          <m:r>
+                            <a:rPr lang="en-US" sz="2400" b="1" i="1" smtClean="0">
+                              <a:latin typeface="Cambria Math" panose="02040503050406030204" pitchFamily="18" charset="0"/>
+                            </a:rPr>
+                            <m:t>𝒙</m:t>
+                          </m:r>
+                        </m:e>
+                        <m:sub>
+                          <m:r>
+                            <a:rPr lang="en-US" sz="2400" b="1" i="1" smtClean="0">
+                              <a:latin typeface="Cambria Math" panose="02040503050406030204" pitchFamily="18" charset="0"/>
+                            </a:rPr>
+                            <m:t>𝟐</m:t>
+                          </m:r>
+                        </m:sub>
+                      </m:sSub>
+                    </m:oMath>
+                  </m:oMathPara>
+                </a14:m>
+                <a:endParaRPr lang="en-US" b="1" dirty="0"/>
+              </a:p>
+              <a:p>
+                <a:endParaRPr lang="en-US" dirty="0"/>
+              </a:p>
+            </p:txBody>
+          </p:sp>
+        </mc:Choice>
+        <mc:Fallback>
+          <p:sp>
+            <p:nvSpPr>
+              <p:cNvPr id="50" name="TextBox 49">
+                <a:extLst>
+                  <a:ext uri="{FF2B5EF4-FFF2-40B4-BE49-F238E27FC236}">
+                    <a16:creationId xmlns:a16="http://schemas.microsoft.com/office/drawing/2014/main" id="{33239EA8-261F-41A4-9BB6-A402DEEF9538}"/>
+                  </a:ext>
+                </a:extLst>
+              </p:cNvPr>
+              <p:cNvSpPr txBox="1">
+                <a:spLocks noRot="1" noChangeAspect="1" noMove="1" noResize="1" noEditPoints="1" noAdjustHandles="1" noChangeArrowheads="1" noChangeShapeType="1" noTextEdit="1"/>
+              </p:cNvSpPr>
+              <p:nvPr/>
+            </p:nvSpPr>
+            <p:spPr>
+              <a:xfrm>
+                <a:off x="5495422" y="734511"/>
+                <a:ext cx="612557" cy="646331"/>
+              </a:xfrm>
+              <a:prstGeom prst="rect">
+                <a:avLst/>
+              </a:prstGeom>
+              <a:blipFill>
+                <a:blip r:embed="rId7"/>
+                <a:stretch>
+                  <a:fillRect/>
+                </a:stretch>
+              </a:blipFill>
+            </p:spPr>
+            <p:txBody>
+              <a:bodyPr/>
+              <a:lstStyle/>
+              <a:p>
+                <a:r>
+                  <a:rPr lang="en-US">
+                    <a:noFill/>
+                  </a:rPr>
+                  <a:t> </a:t>
+                </a:r>
+              </a:p>
+            </p:txBody>
+          </p:sp>
+        </mc:Fallback>
+      </mc:AlternateContent>
+      <mc:AlternateContent xmlns:mc="http://schemas.openxmlformats.org/markup-compatibility/2006">
+        <mc:Choice xmlns:a14="http://schemas.microsoft.com/office/drawing/2010/main" Requires="a14">
+          <p:sp>
+            <p:nvSpPr>
+              <p:cNvPr id="53" name="TextBox 52">
+                <a:extLst>
+                  <a:ext uri="{FF2B5EF4-FFF2-40B4-BE49-F238E27FC236}">
+                    <a16:creationId xmlns:a16="http://schemas.microsoft.com/office/drawing/2014/main" id="{964A2C50-7F90-417B-A2EE-D588FC0C52E2}"/>
+                  </a:ext>
+                </a:extLst>
+              </p:cNvPr>
+              <p:cNvSpPr txBox="1"/>
+              <p:nvPr/>
+            </p:nvSpPr>
+            <p:spPr>
+              <a:xfrm flipH="1">
+                <a:off x="8576382" y="1020047"/>
+                <a:ext cx="612557" cy="646331"/>
+              </a:xfrm>
+              <a:prstGeom prst="rect">
+                <a:avLst/>
+              </a:prstGeom>
+              <a:noFill/>
+            </p:spPr>
+            <p:txBody>
+              <a:bodyPr wrap="square" lIns="0" tIns="0" rIns="0" bIns="0" rtlCol="0">
+                <a:spAutoFit/>
+              </a:bodyPr>
+              <a:lstStyle/>
+              <a:p>
+                <a14:m>
+                  <m:oMathPara xmlns:m="http://schemas.openxmlformats.org/officeDocument/2006/math">
+                    <m:oMathParaPr>
+                      <m:jc m:val="centerGroup"/>
+                    </m:oMathParaPr>
+                    <m:oMath xmlns:m="http://schemas.openxmlformats.org/officeDocument/2006/math">
+                      <m:sSub>
+                        <m:sSubPr>
+                          <m:ctrlPr>
+                            <a:rPr lang="en-US" sz="2400" b="1" i="1" smtClean="0">
+                              <a:latin typeface="Cambria Math" panose="02040503050406030204" pitchFamily="18" charset="0"/>
+                            </a:rPr>
+                          </m:ctrlPr>
+                        </m:sSubPr>
+                        <m:e>
+                          <m:r>
+                            <a:rPr lang="en-US" sz="2400" b="1" i="1" smtClean="0">
+                              <a:latin typeface="Cambria Math" panose="02040503050406030204" pitchFamily="18" charset="0"/>
+                            </a:rPr>
+                            <m:t>𝒘</m:t>
+                          </m:r>
+                        </m:e>
+                        <m:sub>
+                          <m:r>
+                            <a:rPr lang="en-US" sz="2400" b="1" i="1" smtClean="0">
+                              <a:latin typeface="Cambria Math" panose="02040503050406030204" pitchFamily="18" charset="0"/>
+                            </a:rPr>
+                            <m:t>𝟏</m:t>
+                          </m:r>
+                        </m:sub>
+                      </m:sSub>
+                    </m:oMath>
+                  </m:oMathPara>
+                </a14:m>
+                <a:endParaRPr lang="en-US" b="1" dirty="0"/>
+              </a:p>
+              <a:p>
+                <a:endParaRPr lang="en-US" dirty="0"/>
+              </a:p>
+            </p:txBody>
+          </p:sp>
+        </mc:Choice>
+        <mc:Fallback>
+          <p:sp>
+            <p:nvSpPr>
+              <p:cNvPr id="53" name="TextBox 52">
+                <a:extLst>
+                  <a:ext uri="{FF2B5EF4-FFF2-40B4-BE49-F238E27FC236}">
+                    <a16:creationId xmlns:a16="http://schemas.microsoft.com/office/drawing/2014/main" id="{964A2C50-7F90-417B-A2EE-D588FC0C52E2}"/>
+                  </a:ext>
+                </a:extLst>
+              </p:cNvPr>
+              <p:cNvSpPr txBox="1">
+                <a:spLocks noRot="1" noChangeAspect="1" noMove="1" noResize="1" noEditPoints="1" noAdjustHandles="1" noChangeArrowheads="1" noChangeShapeType="1" noTextEdit="1"/>
+              </p:cNvSpPr>
+              <p:nvPr/>
+            </p:nvSpPr>
+            <p:spPr>
+              <a:xfrm flipH="1">
+                <a:off x="8576382" y="1020047"/>
+                <a:ext cx="612557" cy="646331"/>
+              </a:xfrm>
+              <a:prstGeom prst="rect">
+                <a:avLst/>
+              </a:prstGeom>
+              <a:blipFill>
+                <a:blip r:embed="rId8"/>
+                <a:stretch>
+                  <a:fillRect/>
+                </a:stretch>
+              </a:blipFill>
+            </p:spPr>
+            <p:txBody>
+              <a:bodyPr/>
+              <a:lstStyle/>
+              <a:p>
+                <a:r>
+                  <a:rPr lang="en-US">
+                    <a:noFill/>
+                  </a:rPr>
+                  <a:t> </a:t>
+                </a:r>
+              </a:p>
+            </p:txBody>
+          </p:sp>
+        </mc:Fallback>
+      </mc:AlternateContent>
+      <p:sp>
+        <p:nvSpPr>
+          <p:cNvPr id="55" name="Oval 54">
+            <a:extLst>
+              <a:ext uri="{FF2B5EF4-FFF2-40B4-BE49-F238E27FC236}">
+                <a16:creationId xmlns:a16="http://schemas.microsoft.com/office/drawing/2014/main" id="{87028560-BF40-461F-8E87-552880A4D418}"/>
+              </a:ext>
+            </a:extLst>
+          </p:cNvPr>
+          <p:cNvSpPr/>
+          <p:nvPr/>
+        </p:nvSpPr>
+        <p:spPr>
+          <a:xfrm>
+            <a:off x="7816196" y="4026646"/>
+            <a:ext cx="107857" cy="124264"/>
+          </a:xfrm>
+          <a:prstGeom prst="ellipse">
+            <a:avLst/>
+          </a:prstGeom>
+        </p:spPr>
+        <p:style>
+          <a:lnRef idx="2">
+            <a:schemeClr val="dk1">
+              <a:shade val="50000"/>
+            </a:schemeClr>
+          </a:lnRef>
+          <a:fillRef idx="1">
+            <a:schemeClr val="dk1"/>
+          </a:fillRef>
+          <a:effectRef idx="0">
+            <a:schemeClr val="dk1"/>
+          </a:effectRef>
+          <a:fontRef idx="minor">
+            <a:schemeClr val="lt1"/>
+          </a:fontRef>
+        </p:style>
+        <p:txBody>
+          <a:bodyPr rtlCol="0" anchor="ctr"/>
+          <a:lstStyle/>
+          <a:p>
+            <a:pPr algn="ctr"/>
+            <a:endParaRPr lang="en-US"/>
+          </a:p>
+        </p:txBody>
+      </p:sp>
+      <mc:AlternateContent xmlns:mc="http://schemas.openxmlformats.org/markup-compatibility/2006">
+        <mc:Choice xmlns:a14="http://schemas.microsoft.com/office/drawing/2010/main" Requires="a14">
+          <p:sp>
+            <p:nvSpPr>
+              <p:cNvPr id="56" name="TextBox 55">
+                <a:extLst>
+                  <a:ext uri="{FF2B5EF4-FFF2-40B4-BE49-F238E27FC236}">
+                    <a16:creationId xmlns:a16="http://schemas.microsoft.com/office/drawing/2014/main" id="{495E9490-DB8A-4F03-91A6-CF2EB677DF76}"/>
+                  </a:ext>
+                </a:extLst>
+              </p:cNvPr>
+              <p:cNvSpPr txBox="1"/>
+              <p:nvPr/>
+            </p:nvSpPr>
+            <p:spPr>
+              <a:xfrm>
+                <a:off x="501587" y="4212208"/>
+                <a:ext cx="612557" cy="553998"/>
+              </a:xfrm>
+              <a:prstGeom prst="rect">
+                <a:avLst/>
+              </a:prstGeom>
+              <a:noFill/>
+            </p:spPr>
+            <p:txBody>
+              <a:bodyPr wrap="square" lIns="0" tIns="0" rIns="0" bIns="0" rtlCol="0">
+                <a:spAutoFit/>
+              </a:bodyPr>
+              <a:lstStyle/>
+              <a:p>
+                <a14:m>
+                  <m:oMathPara xmlns:m="http://schemas.openxmlformats.org/officeDocument/2006/math">
+                    <m:oMathParaPr>
+                      <m:jc m:val="centerGroup"/>
+                    </m:oMathParaPr>
+                    <m:oMath xmlns:m="http://schemas.openxmlformats.org/officeDocument/2006/math">
+                      <m:r>
+                        <a:rPr lang="en-US" b="1" i="1" smtClean="0">
+                          <a:latin typeface="Cambria Math" panose="02040503050406030204" pitchFamily="18" charset="0"/>
+                        </a:rPr>
+                        <m:t>(</m:t>
+                      </m:r>
+                      <m:r>
+                        <a:rPr lang="en-US" b="1" i="1" smtClean="0">
+                          <a:latin typeface="Cambria Math" panose="02040503050406030204" pitchFamily="18" charset="0"/>
+                        </a:rPr>
+                        <m:t>𝟎</m:t>
+                      </m:r>
+                      <m:r>
+                        <a:rPr lang="en-US" b="1" i="1" smtClean="0">
+                          <a:latin typeface="Cambria Math" panose="02040503050406030204" pitchFamily="18" charset="0"/>
+                        </a:rPr>
+                        <m:t>,</m:t>
+                      </m:r>
+                      <m:r>
+                        <a:rPr lang="en-US" b="1" i="1" smtClean="0">
+                          <a:latin typeface="Cambria Math" panose="02040503050406030204" pitchFamily="18" charset="0"/>
+                        </a:rPr>
+                        <m:t>𝟎</m:t>
+                      </m:r>
+                      <m:r>
+                        <a:rPr lang="en-US" b="1" i="1" smtClean="0">
+                          <a:latin typeface="Cambria Math" panose="02040503050406030204" pitchFamily="18" charset="0"/>
+                        </a:rPr>
+                        <m:t>)</m:t>
+                      </m:r>
+                    </m:oMath>
+                  </m:oMathPara>
+                </a14:m>
+                <a:endParaRPr lang="en-US" sz="1400" b="1" dirty="0"/>
+              </a:p>
+              <a:p>
+                <a:endParaRPr lang="en-US" dirty="0"/>
+              </a:p>
+            </p:txBody>
+          </p:sp>
+        </mc:Choice>
+        <mc:Fallback>
+          <p:sp>
+            <p:nvSpPr>
+              <p:cNvPr id="56" name="TextBox 55">
+                <a:extLst>
+                  <a:ext uri="{FF2B5EF4-FFF2-40B4-BE49-F238E27FC236}">
+                    <a16:creationId xmlns:a16="http://schemas.microsoft.com/office/drawing/2014/main" id="{495E9490-DB8A-4F03-91A6-CF2EB677DF76}"/>
+                  </a:ext>
+                </a:extLst>
+              </p:cNvPr>
+              <p:cNvSpPr txBox="1">
+                <a:spLocks noRot="1" noChangeAspect="1" noMove="1" noResize="1" noEditPoints="1" noAdjustHandles="1" noChangeArrowheads="1" noChangeShapeType="1" noTextEdit="1"/>
+              </p:cNvSpPr>
+              <p:nvPr/>
+            </p:nvSpPr>
+            <p:spPr>
+              <a:xfrm>
+                <a:off x="501587" y="4212208"/>
+                <a:ext cx="612557" cy="553998"/>
+              </a:xfrm>
+              <a:prstGeom prst="rect">
+                <a:avLst/>
+              </a:prstGeom>
+              <a:blipFill>
+                <a:blip r:embed="rId9"/>
+                <a:stretch>
+                  <a:fillRect l="-12871" t="-1099" r="-12871"/>
+                </a:stretch>
+              </a:blipFill>
+            </p:spPr>
+            <p:txBody>
+              <a:bodyPr/>
+              <a:lstStyle/>
+              <a:p>
+                <a:r>
+                  <a:rPr lang="en-US">
+                    <a:noFill/>
+                  </a:rPr>
+                  <a:t> </a:t>
+                </a:r>
+              </a:p>
+            </p:txBody>
+          </p:sp>
+        </mc:Fallback>
+      </mc:AlternateContent>
+      <mc:AlternateContent xmlns:mc="http://schemas.openxmlformats.org/markup-compatibility/2006">
+        <mc:Choice xmlns:a14="http://schemas.microsoft.com/office/drawing/2010/main" Requires="a14">
+          <p:sp>
+            <p:nvSpPr>
+              <p:cNvPr id="57" name="TextBox 56">
+                <a:extLst>
+                  <a:ext uri="{FF2B5EF4-FFF2-40B4-BE49-F238E27FC236}">
+                    <a16:creationId xmlns:a16="http://schemas.microsoft.com/office/drawing/2014/main" id="{E12861CB-E339-4E77-A669-EDE9151E65CA}"/>
+                  </a:ext>
+                </a:extLst>
+              </p:cNvPr>
+              <p:cNvSpPr txBox="1"/>
+              <p:nvPr/>
+            </p:nvSpPr>
+            <p:spPr>
+              <a:xfrm>
+                <a:off x="7563845" y="4223733"/>
+                <a:ext cx="612557" cy="553998"/>
+              </a:xfrm>
+              <a:prstGeom prst="rect">
+                <a:avLst/>
+              </a:prstGeom>
+              <a:noFill/>
+            </p:spPr>
+            <p:txBody>
+              <a:bodyPr wrap="square" lIns="0" tIns="0" rIns="0" bIns="0" rtlCol="0">
+                <a:spAutoFit/>
+              </a:bodyPr>
+              <a:lstStyle/>
+              <a:p>
+                <a14:m>
+                  <m:oMathPara xmlns:m="http://schemas.openxmlformats.org/officeDocument/2006/math">
+                    <m:oMathParaPr>
+                      <m:jc m:val="centerGroup"/>
+                    </m:oMathParaPr>
+                    <m:oMath xmlns:m="http://schemas.openxmlformats.org/officeDocument/2006/math">
+                      <m:r>
+                        <a:rPr lang="en-US" b="1" i="1" smtClean="0">
+                          <a:latin typeface="Cambria Math" panose="02040503050406030204" pitchFamily="18" charset="0"/>
+                        </a:rPr>
+                        <m:t>𝟎</m:t>
+                      </m:r>
+                    </m:oMath>
+                  </m:oMathPara>
+                </a14:m>
+                <a:endParaRPr lang="en-US" sz="1400" b="1" dirty="0"/>
+              </a:p>
+              <a:p>
+                <a:endParaRPr lang="en-US" dirty="0"/>
+              </a:p>
+            </p:txBody>
+          </p:sp>
+        </mc:Choice>
+        <mc:Fallback>
+          <p:sp>
+            <p:nvSpPr>
+              <p:cNvPr id="57" name="TextBox 56">
+                <a:extLst>
+                  <a:ext uri="{FF2B5EF4-FFF2-40B4-BE49-F238E27FC236}">
+                    <a16:creationId xmlns:a16="http://schemas.microsoft.com/office/drawing/2014/main" id="{E12861CB-E339-4E77-A669-EDE9151E65CA}"/>
+                  </a:ext>
+                </a:extLst>
+              </p:cNvPr>
+              <p:cNvSpPr txBox="1">
+                <a:spLocks noRot="1" noChangeAspect="1" noMove="1" noResize="1" noEditPoints="1" noAdjustHandles="1" noChangeArrowheads="1" noChangeShapeType="1" noTextEdit="1"/>
+              </p:cNvSpPr>
+              <p:nvPr/>
+            </p:nvSpPr>
+            <p:spPr>
+              <a:xfrm>
+                <a:off x="7563845" y="4223733"/>
+                <a:ext cx="612557" cy="553998"/>
+              </a:xfrm>
+              <a:prstGeom prst="rect">
+                <a:avLst/>
+              </a:prstGeom>
+              <a:blipFill>
+                <a:blip r:embed="rId10"/>
+                <a:stretch>
+                  <a:fillRect/>
+                </a:stretch>
+              </a:blipFill>
+            </p:spPr>
+            <p:txBody>
+              <a:bodyPr/>
+              <a:lstStyle/>
+              <a:p>
+                <a:r>
+                  <a:rPr lang="en-US">
+                    <a:noFill/>
+                  </a:rPr>
+                  <a:t> </a:t>
+                </a:r>
+              </a:p>
+            </p:txBody>
+          </p:sp>
+        </mc:Fallback>
+      </mc:AlternateContent>
+      <p:cxnSp>
+        <p:nvCxnSpPr>
+          <p:cNvPr id="59" name="Straight Connector 58">
+            <a:extLst>
+              <a:ext uri="{FF2B5EF4-FFF2-40B4-BE49-F238E27FC236}">
+                <a16:creationId xmlns:a16="http://schemas.microsoft.com/office/drawing/2014/main" id="{6F811A8D-7055-4927-9F0E-655A5A7B1573}"/>
+              </a:ext>
+            </a:extLst>
+          </p:cNvPr>
+          <p:cNvCxnSpPr/>
+          <p:nvPr/>
+        </p:nvCxnSpPr>
+        <p:spPr>
+          <a:xfrm flipV="1">
+            <a:off x="7028537" y="1455959"/>
+            <a:ext cx="1615481" cy="1818084"/>
+          </a:xfrm>
+          <a:prstGeom prst="line">
+            <a:avLst/>
+          </a:prstGeom>
+          <a:ln w="28575"/>
+        </p:spPr>
+        <p:style>
+          <a:lnRef idx="1">
+            <a:schemeClr val="accent1"/>
+          </a:lnRef>
+          <a:fillRef idx="0">
+            <a:schemeClr val="accent1"/>
+          </a:fillRef>
+          <a:effectRef idx="0">
+            <a:schemeClr val="accent1"/>
+          </a:effectRef>
+          <a:fontRef idx="minor">
+            <a:schemeClr val="tx1"/>
+          </a:fontRef>
+        </p:style>
+      </p:cxnSp>
+      <mc:AlternateContent xmlns:mc="http://schemas.openxmlformats.org/markup-compatibility/2006">
+        <mc:Choice xmlns:a14="http://schemas.microsoft.com/office/drawing/2010/main" Requires="a14">
+          <p:sp>
+            <p:nvSpPr>
+              <p:cNvPr id="60" name="TextBox 59">
+                <a:extLst>
+                  <a:ext uri="{FF2B5EF4-FFF2-40B4-BE49-F238E27FC236}">
+                    <a16:creationId xmlns:a16="http://schemas.microsoft.com/office/drawing/2014/main" id="{A294CBCF-DB52-4628-9F1C-39E637D989E6}"/>
+                  </a:ext>
+                </a:extLst>
+              </p:cNvPr>
+              <p:cNvSpPr txBox="1"/>
+              <p:nvPr/>
+            </p:nvSpPr>
+            <p:spPr>
+              <a:xfrm>
+                <a:off x="5596685" y="2121500"/>
+                <a:ext cx="612557" cy="553998"/>
+              </a:xfrm>
+              <a:prstGeom prst="rect">
+                <a:avLst/>
+              </a:prstGeom>
+              <a:noFill/>
+            </p:spPr>
+            <p:txBody>
+              <a:bodyPr wrap="square" lIns="0" tIns="0" rIns="0" bIns="0" rtlCol="0">
+                <a:spAutoFit/>
+              </a:bodyPr>
+              <a:lstStyle/>
+              <a:p>
+                <a14:m>
+                  <m:oMathPara xmlns:m="http://schemas.openxmlformats.org/officeDocument/2006/math">
+                    <m:oMathParaPr>
+                      <m:jc m:val="centerGroup"/>
+                    </m:oMathParaPr>
+                    <m:oMath xmlns:m="http://schemas.openxmlformats.org/officeDocument/2006/math">
+                      <m:r>
+                        <a:rPr lang="en-US" b="1" i="1" smtClean="0">
+                          <a:latin typeface="Cambria Math" panose="02040503050406030204" pitchFamily="18" charset="0"/>
+                        </a:rPr>
+                        <m:t>𝟎</m:t>
+                      </m:r>
+                    </m:oMath>
+                  </m:oMathPara>
+                </a14:m>
+                <a:endParaRPr lang="en-US" sz="1400" b="1" dirty="0"/>
+              </a:p>
+              <a:p>
+                <a:endParaRPr lang="en-US" dirty="0"/>
+              </a:p>
+            </p:txBody>
+          </p:sp>
+        </mc:Choice>
+        <mc:Fallback>
+          <p:sp>
+            <p:nvSpPr>
+              <p:cNvPr id="60" name="TextBox 59">
+                <a:extLst>
+                  <a:ext uri="{FF2B5EF4-FFF2-40B4-BE49-F238E27FC236}">
+                    <a16:creationId xmlns:a16="http://schemas.microsoft.com/office/drawing/2014/main" id="{A294CBCF-DB52-4628-9F1C-39E637D989E6}"/>
+                  </a:ext>
+                </a:extLst>
+              </p:cNvPr>
+              <p:cNvSpPr txBox="1">
+                <a:spLocks noRot="1" noChangeAspect="1" noMove="1" noResize="1" noEditPoints="1" noAdjustHandles="1" noChangeArrowheads="1" noChangeShapeType="1" noTextEdit="1"/>
+              </p:cNvSpPr>
+              <p:nvPr/>
+            </p:nvSpPr>
+            <p:spPr>
+              <a:xfrm>
+                <a:off x="5596685" y="2121500"/>
+                <a:ext cx="612557" cy="553998"/>
+              </a:xfrm>
+              <a:prstGeom prst="rect">
+                <a:avLst/>
+              </a:prstGeom>
+              <a:blipFill>
+                <a:blip r:embed="rId11"/>
+                <a:stretch>
+                  <a:fillRect/>
+                </a:stretch>
+              </a:blipFill>
+            </p:spPr>
+            <p:txBody>
+              <a:bodyPr/>
+              <a:lstStyle/>
+              <a:p>
+                <a:r>
+                  <a:rPr lang="en-US">
+                    <a:noFill/>
+                  </a:rPr>
+                  <a:t> </a:t>
+                </a:r>
+              </a:p>
+            </p:txBody>
+          </p:sp>
+        </mc:Fallback>
+      </mc:AlternateContent>
+      <p:sp>
+        <p:nvSpPr>
+          <p:cNvPr id="61" name="Oval 60">
+            <a:extLst>
+              <a:ext uri="{FF2B5EF4-FFF2-40B4-BE49-F238E27FC236}">
+                <a16:creationId xmlns:a16="http://schemas.microsoft.com/office/drawing/2014/main" id="{4ECC4C58-CA83-439A-804C-F9DA9A2C289B}"/>
+              </a:ext>
+            </a:extLst>
+          </p:cNvPr>
+          <p:cNvSpPr/>
+          <p:nvPr/>
+        </p:nvSpPr>
+        <p:spPr>
+          <a:xfrm>
+            <a:off x="6094498" y="2214307"/>
+            <a:ext cx="107857" cy="124264"/>
+          </a:xfrm>
+          <a:prstGeom prst="ellipse">
+            <a:avLst/>
+          </a:prstGeom>
+        </p:spPr>
+        <p:style>
+          <a:lnRef idx="2">
+            <a:schemeClr val="dk1">
+              <a:shade val="50000"/>
+            </a:schemeClr>
+          </a:lnRef>
+          <a:fillRef idx="1">
+            <a:schemeClr val="dk1"/>
+          </a:fillRef>
+          <a:effectRef idx="0">
+            <a:schemeClr val="dk1"/>
+          </a:effectRef>
+          <a:fontRef idx="minor">
+            <a:schemeClr val="lt1"/>
+          </a:fontRef>
+        </p:style>
+        <p:txBody>
+          <a:bodyPr rtlCol="0" anchor="ctr"/>
+          <a:lstStyle/>
+          <a:p>
+            <a:pPr algn="ctr"/>
+            <a:endParaRPr lang="en-US"/>
+          </a:p>
+        </p:txBody>
+      </p:sp>
+      <p:sp>
+        <p:nvSpPr>
+          <p:cNvPr id="64" name="Oval 63">
+            <a:extLst>
+              <a:ext uri="{FF2B5EF4-FFF2-40B4-BE49-F238E27FC236}">
+                <a16:creationId xmlns:a16="http://schemas.microsoft.com/office/drawing/2014/main" id="{CF99CE6E-315B-45C5-BA90-5A57CA187AB6}"/>
+              </a:ext>
+            </a:extLst>
+          </p:cNvPr>
+          <p:cNvSpPr/>
+          <p:nvPr/>
+        </p:nvSpPr>
+        <p:spPr>
+          <a:xfrm>
+            <a:off x="7090973" y="2988809"/>
+            <a:ext cx="194484" cy="193811"/>
+          </a:xfrm>
+          <a:prstGeom prst="ellipse">
+            <a:avLst/>
+          </a:prstGeom>
+          <a:solidFill>
+            <a:schemeClr val="accent1"/>
+          </a:solidFill>
+        </p:spPr>
+        <p:style>
+          <a:lnRef idx="2">
+            <a:schemeClr val="dk1">
+              <a:shade val="50000"/>
+            </a:schemeClr>
+          </a:lnRef>
+          <a:fillRef idx="1">
+            <a:schemeClr val="dk1"/>
+          </a:fillRef>
+          <a:effectRef idx="0">
+            <a:schemeClr val="dk1"/>
+          </a:effectRef>
+          <a:fontRef idx="minor">
+            <a:schemeClr val="lt1"/>
+          </a:fontRef>
+        </p:style>
+        <p:txBody>
+          <a:bodyPr rtlCol="0" anchor="ctr"/>
+          <a:lstStyle/>
+          <a:p>
+            <a:pPr algn="ctr"/>
+            <a:endParaRPr lang="en-US"/>
+          </a:p>
+        </p:txBody>
+      </p:sp>
+      <p:sp>
+        <p:nvSpPr>
+          <p:cNvPr id="66" name="Oval 65">
+            <a:extLst>
+              <a:ext uri="{FF2B5EF4-FFF2-40B4-BE49-F238E27FC236}">
+                <a16:creationId xmlns:a16="http://schemas.microsoft.com/office/drawing/2014/main" id="{D4238A40-4FF4-4301-9542-FEC6A7FE9561}"/>
+              </a:ext>
+            </a:extLst>
+          </p:cNvPr>
+          <p:cNvSpPr/>
+          <p:nvPr/>
+        </p:nvSpPr>
+        <p:spPr>
+          <a:xfrm>
+            <a:off x="7243679" y="2853782"/>
+            <a:ext cx="194484" cy="193811"/>
+          </a:xfrm>
+          <a:prstGeom prst="ellipse">
+            <a:avLst/>
+          </a:prstGeom>
+          <a:solidFill>
+            <a:schemeClr val="accent1"/>
+          </a:solidFill>
+        </p:spPr>
+        <p:style>
+          <a:lnRef idx="2">
+            <a:schemeClr val="dk1">
+              <a:shade val="50000"/>
+            </a:schemeClr>
+          </a:lnRef>
+          <a:fillRef idx="1">
+            <a:schemeClr val="dk1"/>
+          </a:fillRef>
+          <a:effectRef idx="0">
+            <a:schemeClr val="dk1"/>
+          </a:effectRef>
+          <a:fontRef idx="minor">
+            <a:schemeClr val="lt1"/>
+          </a:fontRef>
+        </p:style>
+        <p:txBody>
+          <a:bodyPr rtlCol="0" anchor="ctr"/>
+          <a:lstStyle/>
+          <a:p>
+            <a:pPr algn="ctr"/>
+            <a:endParaRPr lang="en-US"/>
+          </a:p>
+        </p:txBody>
+      </p:sp>
+      <p:sp>
+        <p:nvSpPr>
+          <p:cNvPr id="67" name="Oval 66">
+            <a:extLst>
+              <a:ext uri="{FF2B5EF4-FFF2-40B4-BE49-F238E27FC236}">
+                <a16:creationId xmlns:a16="http://schemas.microsoft.com/office/drawing/2014/main" id="{DA9198B4-4F8F-4391-8EFC-B7B947A84F7F}"/>
+              </a:ext>
+            </a:extLst>
+          </p:cNvPr>
+          <p:cNvSpPr/>
+          <p:nvPr/>
+        </p:nvSpPr>
+        <p:spPr>
+          <a:xfrm>
+            <a:off x="7444636" y="2564690"/>
+            <a:ext cx="194484" cy="193811"/>
+          </a:xfrm>
+          <a:prstGeom prst="ellipse">
+            <a:avLst/>
+          </a:prstGeom>
+          <a:solidFill>
+            <a:schemeClr val="accent1"/>
+          </a:solidFill>
+        </p:spPr>
+        <p:style>
+          <a:lnRef idx="2">
+            <a:schemeClr val="dk1">
+              <a:shade val="50000"/>
+            </a:schemeClr>
+          </a:lnRef>
+          <a:fillRef idx="1">
+            <a:schemeClr val="dk1"/>
+          </a:fillRef>
+          <a:effectRef idx="0">
+            <a:schemeClr val="dk1"/>
+          </a:effectRef>
+          <a:fontRef idx="minor">
+            <a:schemeClr val="lt1"/>
+          </a:fontRef>
+        </p:style>
+        <p:txBody>
+          <a:bodyPr rtlCol="0" anchor="ctr"/>
+          <a:lstStyle/>
+          <a:p>
+            <a:pPr algn="ctr"/>
+            <a:endParaRPr lang="en-US"/>
+          </a:p>
+        </p:txBody>
+      </p:sp>
+      <p:sp>
+        <p:nvSpPr>
+          <p:cNvPr id="68" name="Oval 67">
+            <a:extLst>
+              <a:ext uri="{FF2B5EF4-FFF2-40B4-BE49-F238E27FC236}">
+                <a16:creationId xmlns:a16="http://schemas.microsoft.com/office/drawing/2014/main" id="{F6E68E2A-7DE5-419E-86B7-29D31F33D804}"/>
+              </a:ext>
+            </a:extLst>
+          </p:cNvPr>
+          <p:cNvSpPr/>
+          <p:nvPr/>
+        </p:nvSpPr>
+        <p:spPr>
+          <a:xfrm>
+            <a:off x="7480058" y="2525639"/>
+            <a:ext cx="194484" cy="193811"/>
+          </a:xfrm>
+          <a:prstGeom prst="ellipse">
+            <a:avLst/>
+          </a:prstGeom>
+          <a:solidFill>
+            <a:schemeClr val="accent1"/>
+          </a:solidFill>
+        </p:spPr>
+        <p:style>
+          <a:lnRef idx="2">
+            <a:schemeClr val="dk1">
+              <a:shade val="50000"/>
+            </a:schemeClr>
+          </a:lnRef>
+          <a:fillRef idx="1">
+            <a:schemeClr val="dk1"/>
+          </a:fillRef>
+          <a:effectRef idx="0">
+            <a:schemeClr val="dk1"/>
+          </a:effectRef>
+          <a:fontRef idx="minor">
+            <a:schemeClr val="lt1"/>
+          </a:fontRef>
+        </p:style>
+        <p:txBody>
+          <a:bodyPr rtlCol="0" anchor="ctr"/>
+          <a:lstStyle/>
+          <a:p>
+            <a:pPr algn="ctr"/>
+            <a:endParaRPr lang="en-US"/>
+          </a:p>
+        </p:txBody>
+      </p:sp>
+      <p:sp>
+        <p:nvSpPr>
+          <p:cNvPr id="69" name="Oval 68">
+            <a:extLst>
+              <a:ext uri="{FF2B5EF4-FFF2-40B4-BE49-F238E27FC236}">
+                <a16:creationId xmlns:a16="http://schemas.microsoft.com/office/drawing/2014/main" id="{661D674C-9F5A-492D-BB9B-2689D3BAE3DA}"/>
+              </a:ext>
+            </a:extLst>
+          </p:cNvPr>
+          <p:cNvSpPr/>
+          <p:nvPr/>
+        </p:nvSpPr>
+        <p:spPr>
+          <a:xfrm>
+            <a:off x="7580981" y="2422673"/>
+            <a:ext cx="194484" cy="193811"/>
+          </a:xfrm>
+          <a:prstGeom prst="ellipse">
+            <a:avLst/>
+          </a:prstGeom>
+          <a:solidFill>
+            <a:schemeClr val="accent1"/>
+          </a:solidFill>
+        </p:spPr>
+        <p:style>
+          <a:lnRef idx="2">
+            <a:schemeClr val="dk1">
+              <a:shade val="50000"/>
+            </a:schemeClr>
+          </a:lnRef>
+          <a:fillRef idx="1">
+            <a:schemeClr val="dk1"/>
+          </a:fillRef>
+          <a:effectRef idx="0">
+            <a:schemeClr val="dk1"/>
+          </a:effectRef>
+          <a:fontRef idx="minor">
+            <a:schemeClr val="lt1"/>
+          </a:fontRef>
+        </p:style>
+        <p:txBody>
+          <a:bodyPr rtlCol="0" anchor="ctr"/>
+          <a:lstStyle/>
+          <a:p>
+            <a:pPr algn="ctr"/>
+            <a:endParaRPr lang="en-US"/>
+          </a:p>
+        </p:txBody>
+      </p:sp>
+      <p:sp>
+        <p:nvSpPr>
+          <p:cNvPr id="70" name="Oval 69">
+            <a:extLst>
+              <a:ext uri="{FF2B5EF4-FFF2-40B4-BE49-F238E27FC236}">
+                <a16:creationId xmlns:a16="http://schemas.microsoft.com/office/drawing/2014/main" id="{9EAB1EC7-C98F-46C8-BB59-A49EB2AE4EC8}"/>
+              </a:ext>
+            </a:extLst>
+          </p:cNvPr>
+          <p:cNvSpPr/>
+          <p:nvPr/>
+        </p:nvSpPr>
+        <p:spPr>
+          <a:xfrm>
+            <a:off x="7718281" y="2299401"/>
+            <a:ext cx="194484" cy="193811"/>
+          </a:xfrm>
+          <a:prstGeom prst="ellipse">
+            <a:avLst/>
+          </a:prstGeom>
+          <a:solidFill>
+            <a:schemeClr val="accent1"/>
+          </a:solidFill>
+        </p:spPr>
+        <p:style>
+          <a:lnRef idx="2">
+            <a:schemeClr val="dk1">
+              <a:shade val="50000"/>
+            </a:schemeClr>
+          </a:lnRef>
+          <a:fillRef idx="1">
+            <a:schemeClr val="dk1"/>
+          </a:fillRef>
+          <a:effectRef idx="0">
+            <a:schemeClr val="dk1"/>
+          </a:effectRef>
+          <a:fontRef idx="minor">
+            <a:schemeClr val="lt1"/>
+          </a:fontRef>
+        </p:style>
+        <p:txBody>
+          <a:bodyPr rtlCol="0" anchor="ctr"/>
+          <a:lstStyle/>
+          <a:p>
+            <a:pPr algn="ctr"/>
+            <a:endParaRPr lang="en-US"/>
+          </a:p>
+        </p:txBody>
+      </p:sp>
+      <p:sp>
+        <p:nvSpPr>
+          <p:cNvPr id="72" name="Oval 71">
+            <a:extLst>
+              <a:ext uri="{FF2B5EF4-FFF2-40B4-BE49-F238E27FC236}">
+                <a16:creationId xmlns:a16="http://schemas.microsoft.com/office/drawing/2014/main" id="{9C20916D-45CF-49CD-8EC2-495AF454DAD9}"/>
+              </a:ext>
+            </a:extLst>
+          </p:cNvPr>
+          <p:cNvSpPr/>
+          <p:nvPr/>
+        </p:nvSpPr>
+        <p:spPr>
+          <a:xfrm>
+            <a:off x="7794157" y="2198783"/>
+            <a:ext cx="194484" cy="193811"/>
+          </a:xfrm>
+          <a:prstGeom prst="ellipse">
+            <a:avLst/>
+          </a:prstGeom>
+          <a:solidFill>
+            <a:schemeClr val="accent1"/>
+          </a:solidFill>
+        </p:spPr>
+        <p:style>
+          <a:lnRef idx="2">
+            <a:schemeClr val="dk1">
+              <a:shade val="50000"/>
+            </a:schemeClr>
+          </a:lnRef>
+          <a:fillRef idx="1">
+            <a:schemeClr val="dk1"/>
+          </a:fillRef>
+          <a:effectRef idx="0">
+            <a:schemeClr val="dk1"/>
+          </a:effectRef>
+          <a:fontRef idx="minor">
+            <a:schemeClr val="lt1"/>
+          </a:fontRef>
+        </p:style>
+        <p:txBody>
+          <a:bodyPr rtlCol="0" anchor="ctr"/>
+          <a:lstStyle/>
+          <a:p>
+            <a:pPr algn="ctr"/>
+            <a:endParaRPr lang="en-US"/>
+          </a:p>
+        </p:txBody>
+      </p:sp>
+      <p:sp>
+        <p:nvSpPr>
+          <p:cNvPr id="73" name="Oval 72">
+            <a:extLst>
+              <a:ext uri="{FF2B5EF4-FFF2-40B4-BE49-F238E27FC236}">
+                <a16:creationId xmlns:a16="http://schemas.microsoft.com/office/drawing/2014/main" id="{89CC91DC-C4D7-4DA7-A640-CFC6A91776B6}"/>
+              </a:ext>
+            </a:extLst>
+          </p:cNvPr>
+          <p:cNvSpPr/>
+          <p:nvPr/>
+        </p:nvSpPr>
+        <p:spPr>
+          <a:xfrm>
+            <a:off x="8074834" y="1897285"/>
+            <a:ext cx="194484" cy="193811"/>
+          </a:xfrm>
+          <a:prstGeom prst="ellipse">
+            <a:avLst/>
+          </a:prstGeom>
+          <a:solidFill>
+            <a:schemeClr val="accent1"/>
+          </a:solidFill>
+        </p:spPr>
+        <p:style>
+          <a:lnRef idx="2">
+            <a:schemeClr val="dk1">
+              <a:shade val="50000"/>
+            </a:schemeClr>
+          </a:lnRef>
+          <a:fillRef idx="1">
+            <a:schemeClr val="dk1"/>
+          </a:fillRef>
+          <a:effectRef idx="0">
+            <a:schemeClr val="dk1"/>
+          </a:effectRef>
+          <a:fontRef idx="minor">
+            <a:schemeClr val="lt1"/>
+          </a:fontRef>
+        </p:style>
+        <p:txBody>
+          <a:bodyPr rtlCol="0" anchor="ctr"/>
+          <a:lstStyle/>
+          <a:p>
+            <a:pPr algn="ctr"/>
+            <a:endParaRPr lang="en-US" dirty="0"/>
+          </a:p>
+        </p:txBody>
+      </p:sp>
+      <p:sp>
+        <p:nvSpPr>
+          <p:cNvPr id="74" name="Oval 73">
+            <a:extLst>
+              <a:ext uri="{FF2B5EF4-FFF2-40B4-BE49-F238E27FC236}">
+                <a16:creationId xmlns:a16="http://schemas.microsoft.com/office/drawing/2014/main" id="{5A78BAA0-9208-459E-8BF8-2F495F0B848F}"/>
+              </a:ext>
+            </a:extLst>
+          </p:cNvPr>
+          <p:cNvSpPr/>
+          <p:nvPr/>
+        </p:nvSpPr>
+        <p:spPr>
+          <a:xfrm>
+            <a:off x="7999922" y="1987722"/>
+            <a:ext cx="194484" cy="193811"/>
+          </a:xfrm>
+          <a:prstGeom prst="ellipse">
+            <a:avLst/>
+          </a:prstGeom>
+          <a:solidFill>
+            <a:schemeClr val="accent1"/>
+          </a:solidFill>
+        </p:spPr>
+        <p:style>
+          <a:lnRef idx="2">
+            <a:schemeClr val="dk1">
+              <a:shade val="50000"/>
+            </a:schemeClr>
+          </a:lnRef>
+          <a:fillRef idx="1">
+            <a:schemeClr val="dk1"/>
+          </a:fillRef>
+          <a:effectRef idx="0">
+            <a:schemeClr val="dk1"/>
+          </a:effectRef>
+          <a:fontRef idx="minor">
+            <a:schemeClr val="lt1"/>
+          </a:fontRef>
+        </p:style>
+        <p:txBody>
+          <a:bodyPr rtlCol="0" anchor="ctr"/>
+          <a:lstStyle/>
+          <a:p>
+            <a:pPr algn="ctr"/>
+            <a:endParaRPr lang="en-US"/>
+          </a:p>
+        </p:txBody>
+      </p:sp>
+      <p:sp>
+        <p:nvSpPr>
+          <p:cNvPr id="75" name="Oval 74">
+            <a:extLst>
+              <a:ext uri="{FF2B5EF4-FFF2-40B4-BE49-F238E27FC236}">
+                <a16:creationId xmlns:a16="http://schemas.microsoft.com/office/drawing/2014/main" id="{95D393DB-7A29-4B27-BDD8-228DC1F74574}"/>
+              </a:ext>
+            </a:extLst>
+          </p:cNvPr>
+          <p:cNvSpPr/>
+          <p:nvPr/>
+        </p:nvSpPr>
+        <p:spPr>
+          <a:xfrm>
+            <a:off x="8414184" y="1533637"/>
+            <a:ext cx="194484" cy="193811"/>
+          </a:xfrm>
+          <a:prstGeom prst="ellipse">
+            <a:avLst/>
+          </a:prstGeom>
+          <a:solidFill>
+            <a:schemeClr val="accent1"/>
+          </a:solidFill>
+        </p:spPr>
+        <p:style>
+          <a:lnRef idx="2">
+            <a:schemeClr val="dk1">
+              <a:shade val="50000"/>
+            </a:schemeClr>
+          </a:lnRef>
+          <a:fillRef idx="1">
+            <a:schemeClr val="dk1"/>
+          </a:fillRef>
+          <a:effectRef idx="0">
+            <a:schemeClr val="dk1"/>
+          </a:effectRef>
+          <a:fontRef idx="minor">
+            <a:schemeClr val="lt1"/>
+          </a:fontRef>
+        </p:style>
+        <p:txBody>
+          <a:bodyPr rtlCol="0" anchor="ctr"/>
+          <a:lstStyle/>
+          <a:p>
+            <a:pPr algn="ctr"/>
+            <a:endParaRPr lang="en-US"/>
+          </a:p>
+        </p:txBody>
+      </p:sp>
+      <p:cxnSp>
+        <p:nvCxnSpPr>
+          <p:cNvPr id="79" name="Straight Connector 78">
+            <a:extLst>
+              <a:ext uri="{FF2B5EF4-FFF2-40B4-BE49-F238E27FC236}">
+                <a16:creationId xmlns:a16="http://schemas.microsoft.com/office/drawing/2014/main" id="{FC22CA1E-4D52-418B-B620-2E7B336F50B8}"/>
+              </a:ext>
+            </a:extLst>
+          </p:cNvPr>
+          <p:cNvCxnSpPr>
+            <a:stCxn id="36" idx="5"/>
+            <a:endCxn id="69" idx="1"/>
+          </p:cNvCxnSpPr>
+          <p:nvPr/>
+        </p:nvCxnSpPr>
+        <p:spPr>
+          <a:xfrm>
+            <a:off x="7269751" y="2159619"/>
+            <a:ext cx="339712" cy="291437"/>
+          </a:xfrm>
+          <a:prstGeom prst="line">
+            <a:avLst/>
+          </a:prstGeom>
+          <a:ln w="28575">
+            <a:solidFill>
+              <a:srgbClr val="FF0000"/>
+            </a:solidFill>
+          </a:ln>
+        </p:spPr>
+        <p:style>
+          <a:lnRef idx="1">
+            <a:schemeClr val="accent1"/>
+          </a:lnRef>
+          <a:fillRef idx="0">
+            <a:schemeClr val="accent1"/>
+          </a:fillRef>
+          <a:effectRef idx="0">
+            <a:schemeClr val="accent1"/>
+          </a:effectRef>
+          <a:fontRef idx="minor">
+            <a:schemeClr val="tx1"/>
+          </a:fontRef>
+        </p:style>
+      </p:cxnSp>
+    </p:spTree>
+    <p:extLst>
+      <p:ext uri="{BB962C8B-B14F-4D97-AF65-F5344CB8AC3E}">
+        <p14:creationId xmlns:p14="http://schemas.microsoft.com/office/powerpoint/2010/main" val="1626211338"/>
+      </p:ext>
+    </p:extLst>
+  </p:cSld>
+  <p:clrMapOvr>
+    <a:masterClrMapping/>
+  </p:clrMapOvr>
+</p:sld>
+</file>
+
+<file path=ppt/slides/slide9.xml><?xml version="1.0" encoding="utf-8"?>
+<p:sld xmlns:a="http://schemas.openxmlformats.org/drawingml/2006/main" xmlns:r="http://schemas.openxmlformats.org/officeDocument/2006/relationships" xmlns:p="http://schemas.openxmlformats.org/presentationml/2006/main">
+  <p:cSld>
+    <p:spTree>
+      <p:nvGrpSpPr>
+        <p:cNvPr id="1" name=""/>
+        <p:cNvGrpSpPr/>
+        <p:nvPr/>
+      </p:nvGrpSpPr>
+      <p:grpSpPr>
+        <a:xfrm>
+          <a:off x="0" y="0"/>
+          <a:ext cx="0" cy="0"/>
+          <a:chOff x="0" y="0"/>
+          <a:chExt cx="0" cy="0"/>
+        </a:xfrm>
+      </p:grpSpPr>
+      <p:cxnSp>
+        <p:nvCxnSpPr>
+          <p:cNvPr id="3" name="Straight Arrow Connector 2">
+            <a:extLst>
+              <a:ext uri="{FF2B5EF4-FFF2-40B4-BE49-F238E27FC236}">
+                <a16:creationId xmlns:a16="http://schemas.microsoft.com/office/drawing/2014/main" id="{75727D89-8257-41C4-A953-69942ED594DE}"/>
+              </a:ext>
+            </a:extLst>
+          </p:cNvPr>
+          <p:cNvCxnSpPr>
+            <a:cxnSpLocks/>
+          </p:cNvCxnSpPr>
+          <p:nvPr/>
+        </p:nvCxnSpPr>
+        <p:spPr>
+          <a:xfrm>
+            <a:off x="6889072" y="4119238"/>
+            <a:ext cx="3142695" cy="0"/>
+          </a:xfrm>
+          <a:prstGeom prst="straightConnector1">
+            <a:avLst/>
+          </a:prstGeom>
+          <a:ln w="57150">
+            <a:solidFill>
+              <a:schemeClr val="tx1"/>
+            </a:solidFill>
+            <a:tailEnd type="triangle"/>
+          </a:ln>
+        </p:spPr>
+        <p:style>
+          <a:lnRef idx="1">
+            <a:schemeClr val="accent1"/>
+          </a:lnRef>
+          <a:fillRef idx="0">
+            <a:schemeClr val="accent1"/>
+          </a:fillRef>
+          <a:effectRef idx="0">
+            <a:schemeClr val="accent1"/>
+          </a:effectRef>
+          <a:fontRef idx="minor">
+            <a:schemeClr val="tx1"/>
+          </a:fontRef>
+        </p:style>
+      </p:cxnSp>
+      <p:cxnSp>
+        <p:nvCxnSpPr>
+          <p:cNvPr id="4" name="Straight Arrow Connector 3">
+            <a:extLst>
+              <a:ext uri="{FF2B5EF4-FFF2-40B4-BE49-F238E27FC236}">
+                <a16:creationId xmlns:a16="http://schemas.microsoft.com/office/drawing/2014/main" id="{6E267F8D-1D41-49E5-98F2-8FF4232BF526}"/>
+              </a:ext>
+            </a:extLst>
+          </p:cNvPr>
+          <p:cNvCxnSpPr>
+            <a:cxnSpLocks/>
+          </p:cNvCxnSpPr>
+          <p:nvPr/>
+        </p:nvCxnSpPr>
+        <p:spPr>
+          <a:xfrm flipV="1">
+            <a:off x="6889072" y="932154"/>
+            <a:ext cx="0" cy="3187084"/>
+          </a:xfrm>
+          <a:prstGeom prst="straightConnector1">
+            <a:avLst/>
+          </a:prstGeom>
+          <a:ln w="57150">
+            <a:solidFill>
+              <a:schemeClr val="tx1"/>
+            </a:solidFill>
+            <a:tailEnd type="triangle"/>
+          </a:ln>
+        </p:spPr>
+        <p:style>
+          <a:lnRef idx="1">
+            <a:schemeClr val="accent1"/>
+          </a:lnRef>
+          <a:fillRef idx="0">
+            <a:schemeClr val="accent1"/>
+          </a:fillRef>
+          <a:effectRef idx="0">
+            <a:schemeClr val="accent1"/>
+          </a:effectRef>
+          <a:fontRef idx="minor">
+            <a:schemeClr val="tx1"/>
+          </a:fontRef>
+        </p:style>
+      </p:cxnSp>
+      <p:sp>
+        <p:nvSpPr>
+          <p:cNvPr id="7" name="Oval 6">
+            <a:extLst>
+              <a:ext uri="{FF2B5EF4-FFF2-40B4-BE49-F238E27FC236}">
+                <a16:creationId xmlns:a16="http://schemas.microsoft.com/office/drawing/2014/main" id="{2032D6F0-750F-4254-8FA5-99B7743FFB7F}"/>
+              </a:ext>
+            </a:extLst>
+          </p:cNvPr>
+          <p:cNvSpPr/>
+          <p:nvPr/>
+        </p:nvSpPr>
+        <p:spPr>
+          <a:xfrm>
+            <a:off x="6835142" y="4057106"/>
+            <a:ext cx="107857" cy="124264"/>
+          </a:xfrm>
+          <a:prstGeom prst="ellipse">
+            <a:avLst/>
+          </a:prstGeom>
+        </p:spPr>
+        <p:style>
+          <a:lnRef idx="2">
+            <a:schemeClr val="dk1">
+              <a:shade val="50000"/>
+            </a:schemeClr>
+          </a:lnRef>
+          <a:fillRef idx="1">
+            <a:schemeClr val="dk1"/>
+          </a:fillRef>
+          <a:effectRef idx="0">
+            <a:schemeClr val="dk1"/>
+          </a:effectRef>
+          <a:fontRef idx="minor">
+            <a:schemeClr val="lt1"/>
+          </a:fontRef>
+        </p:style>
+        <p:txBody>
+          <a:bodyPr rtlCol="0" anchor="ctr"/>
+          <a:lstStyle/>
+          <a:p>
+            <a:pPr algn="ctr"/>
+            <a:endParaRPr lang="en-US"/>
+          </a:p>
+        </p:txBody>
+      </p:sp>
+      <p:sp>
+        <p:nvSpPr>
+          <p:cNvPr id="8" name="Oval 7">
+            <a:extLst>
+              <a:ext uri="{FF2B5EF4-FFF2-40B4-BE49-F238E27FC236}">
+                <a16:creationId xmlns:a16="http://schemas.microsoft.com/office/drawing/2014/main" id="{050F18F4-1E9C-4C2A-A23C-9A61A06B91D9}"/>
+              </a:ext>
+            </a:extLst>
+          </p:cNvPr>
+          <p:cNvSpPr/>
+          <p:nvPr/>
+        </p:nvSpPr>
+        <p:spPr>
+          <a:xfrm>
+            <a:off x="7830912" y="2038579"/>
+            <a:ext cx="194484" cy="193811"/>
+          </a:xfrm>
+          <a:prstGeom prst="ellipse">
+            <a:avLst/>
+          </a:prstGeom>
+          <a:solidFill>
+            <a:schemeClr val="accent1"/>
+          </a:solidFill>
+          <a:ln w="38100">
+            <a:solidFill>
+              <a:schemeClr val="accent1">
+                <a:lumMod val="75000"/>
+              </a:schemeClr>
+            </a:solidFill>
+          </a:ln>
+        </p:spPr>
+        <p:style>
+          <a:lnRef idx="2">
+            <a:schemeClr val="dk1">
+              <a:shade val="50000"/>
+            </a:schemeClr>
+          </a:lnRef>
+          <a:fillRef idx="1">
+            <a:schemeClr val="dk1"/>
+          </a:fillRef>
+          <a:effectRef idx="0">
+            <a:schemeClr val="dk1"/>
+          </a:effectRef>
+          <a:fontRef idx="minor">
+            <a:schemeClr val="lt1"/>
+          </a:fontRef>
+        </p:style>
+        <p:txBody>
+          <a:bodyPr rtlCol="0" anchor="ctr"/>
+          <a:lstStyle/>
+          <a:p>
+            <a:pPr algn="ctr"/>
+            <a:endParaRPr lang="en-US"/>
+          </a:p>
+        </p:txBody>
+      </p:sp>
+      <p:sp>
+        <p:nvSpPr>
+          <p:cNvPr id="9" name="Oval 8">
+            <a:extLst>
+              <a:ext uri="{FF2B5EF4-FFF2-40B4-BE49-F238E27FC236}">
+                <a16:creationId xmlns:a16="http://schemas.microsoft.com/office/drawing/2014/main" id="{CA435C43-0FDB-4B12-A22F-F102AF0795DC}"/>
+              </a:ext>
+            </a:extLst>
+          </p:cNvPr>
+          <p:cNvSpPr/>
+          <p:nvPr/>
+        </p:nvSpPr>
+        <p:spPr>
+          <a:xfrm>
+            <a:off x="7830912" y="2782261"/>
+            <a:ext cx="194484" cy="193811"/>
+          </a:xfrm>
+          <a:prstGeom prst="ellipse">
+            <a:avLst/>
+          </a:prstGeom>
+          <a:solidFill>
+            <a:schemeClr val="accent1"/>
+          </a:solidFill>
+          <a:ln w="38100">
+            <a:solidFill>
+              <a:schemeClr val="accent1">
+                <a:lumMod val="75000"/>
+              </a:schemeClr>
+            </a:solidFill>
+          </a:ln>
+        </p:spPr>
+        <p:style>
+          <a:lnRef idx="2">
+            <a:schemeClr val="dk1">
+              <a:shade val="50000"/>
+            </a:schemeClr>
+          </a:lnRef>
+          <a:fillRef idx="1">
+            <a:schemeClr val="dk1"/>
+          </a:fillRef>
+          <a:effectRef idx="0">
+            <a:schemeClr val="dk1"/>
+          </a:effectRef>
+          <a:fontRef idx="minor">
+            <a:schemeClr val="lt1"/>
+          </a:fontRef>
+        </p:style>
+        <p:txBody>
+          <a:bodyPr rtlCol="0" anchor="ctr"/>
+          <a:lstStyle/>
+          <a:p>
+            <a:pPr algn="ctr"/>
+            <a:endParaRPr lang="en-US"/>
+          </a:p>
+        </p:txBody>
+      </p:sp>
+      <p:sp>
+        <p:nvSpPr>
+          <p:cNvPr id="10" name="Oval 9">
+            <a:extLst>
+              <a:ext uri="{FF2B5EF4-FFF2-40B4-BE49-F238E27FC236}">
+                <a16:creationId xmlns:a16="http://schemas.microsoft.com/office/drawing/2014/main" id="{F5ACAEA8-140E-4DC8-B677-D7B71B638716}"/>
+              </a:ext>
+            </a:extLst>
+          </p:cNvPr>
+          <p:cNvSpPr/>
+          <p:nvPr/>
+        </p:nvSpPr>
+        <p:spPr>
+          <a:xfrm>
+            <a:off x="8367195" y="1531078"/>
+            <a:ext cx="194484" cy="193811"/>
+          </a:xfrm>
+          <a:prstGeom prst="ellipse">
+            <a:avLst/>
+          </a:prstGeom>
+          <a:solidFill>
+            <a:schemeClr val="accent1"/>
+          </a:solidFill>
+          <a:ln w="38100">
+            <a:solidFill>
+              <a:schemeClr val="accent1">
+                <a:lumMod val="75000"/>
+              </a:schemeClr>
+            </a:solidFill>
+          </a:ln>
+        </p:spPr>
+        <p:style>
+          <a:lnRef idx="2">
+            <a:schemeClr val="dk1">
+              <a:shade val="50000"/>
+            </a:schemeClr>
+          </a:lnRef>
+          <a:fillRef idx="1">
+            <a:schemeClr val="dk1"/>
+          </a:fillRef>
+          <a:effectRef idx="0">
+            <a:schemeClr val="dk1"/>
+          </a:effectRef>
+          <a:fontRef idx="minor">
+            <a:schemeClr val="lt1"/>
+          </a:fontRef>
+        </p:style>
+        <p:txBody>
+          <a:bodyPr rtlCol="0" anchor="ctr"/>
+          <a:lstStyle/>
+          <a:p>
+            <a:pPr algn="ctr"/>
+            <a:endParaRPr lang="en-US"/>
+          </a:p>
+        </p:txBody>
+      </p:sp>
+      <p:sp>
+        <p:nvSpPr>
+          <p:cNvPr id="11" name="Oval 10">
+            <a:extLst>
+              <a:ext uri="{FF2B5EF4-FFF2-40B4-BE49-F238E27FC236}">
+                <a16:creationId xmlns:a16="http://schemas.microsoft.com/office/drawing/2014/main" id="{417264F6-32BE-4E6C-B64C-094DD9665E36}"/>
+              </a:ext>
+            </a:extLst>
+          </p:cNvPr>
+          <p:cNvSpPr/>
+          <p:nvPr/>
+        </p:nvSpPr>
+        <p:spPr>
+          <a:xfrm>
+            <a:off x="8025396" y="2463969"/>
+            <a:ext cx="194484" cy="193811"/>
+          </a:xfrm>
+          <a:prstGeom prst="ellipse">
+            <a:avLst/>
+          </a:prstGeom>
+          <a:solidFill>
+            <a:schemeClr val="accent1"/>
+          </a:solidFill>
+          <a:ln w="38100">
+            <a:solidFill>
+              <a:schemeClr val="accent1">
+                <a:lumMod val="75000"/>
+              </a:schemeClr>
+            </a:solidFill>
+          </a:ln>
+        </p:spPr>
+        <p:style>
+          <a:lnRef idx="2">
+            <a:schemeClr val="dk1">
+              <a:shade val="50000"/>
+            </a:schemeClr>
+          </a:lnRef>
+          <a:fillRef idx="1">
+            <a:schemeClr val="dk1"/>
+          </a:fillRef>
+          <a:effectRef idx="0">
+            <a:schemeClr val="dk1"/>
+          </a:effectRef>
+          <a:fontRef idx="minor">
+            <a:schemeClr val="lt1"/>
+          </a:fontRef>
+        </p:style>
+        <p:txBody>
+          <a:bodyPr rtlCol="0" anchor="ctr"/>
+          <a:lstStyle/>
+          <a:p>
+            <a:pPr algn="ctr"/>
+            <a:endParaRPr lang="en-US"/>
+          </a:p>
+        </p:txBody>
+      </p:sp>
+      <p:sp>
+        <p:nvSpPr>
+          <p:cNvPr id="12" name="Oval 11">
+            <a:extLst>
+              <a:ext uri="{FF2B5EF4-FFF2-40B4-BE49-F238E27FC236}">
+                <a16:creationId xmlns:a16="http://schemas.microsoft.com/office/drawing/2014/main" id="{A89CDF20-2B79-4F50-88E3-C53CCC211EA0}"/>
+              </a:ext>
+            </a:extLst>
+          </p:cNvPr>
+          <p:cNvSpPr/>
+          <p:nvPr/>
+        </p:nvSpPr>
+        <p:spPr>
+          <a:xfrm>
+            <a:off x="8325111" y="2103287"/>
+            <a:ext cx="194484" cy="193811"/>
+          </a:xfrm>
+          <a:prstGeom prst="ellipse">
+            <a:avLst/>
+          </a:prstGeom>
+          <a:solidFill>
+            <a:schemeClr val="accent1"/>
+          </a:solidFill>
+          <a:ln w="38100">
+            <a:solidFill>
+              <a:schemeClr val="accent1">
+                <a:lumMod val="75000"/>
+              </a:schemeClr>
+            </a:solidFill>
+          </a:ln>
+        </p:spPr>
+        <p:style>
+          <a:lnRef idx="2">
+            <a:schemeClr val="dk1">
+              <a:shade val="50000"/>
+            </a:schemeClr>
+          </a:lnRef>
+          <a:fillRef idx="1">
+            <a:schemeClr val="dk1"/>
+          </a:fillRef>
+          <a:effectRef idx="0">
+            <a:schemeClr val="dk1"/>
+          </a:effectRef>
+          <a:fontRef idx="minor">
+            <a:schemeClr val="lt1"/>
+          </a:fontRef>
+        </p:style>
+        <p:txBody>
+          <a:bodyPr rtlCol="0" anchor="ctr"/>
+          <a:lstStyle/>
+          <a:p>
+            <a:pPr algn="ctr"/>
+            <a:endParaRPr lang="en-US"/>
+          </a:p>
+        </p:txBody>
+      </p:sp>
+      <p:sp>
+        <p:nvSpPr>
+          <p:cNvPr id="13" name="Oval 12">
+            <a:extLst>
+              <a:ext uri="{FF2B5EF4-FFF2-40B4-BE49-F238E27FC236}">
+                <a16:creationId xmlns:a16="http://schemas.microsoft.com/office/drawing/2014/main" id="{92F4C904-81FF-472E-9A18-68FD7CD9D3FE}"/>
+              </a:ext>
+            </a:extLst>
+          </p:cNvPr>
+          <p:cNvSpPr/>
+          <p:nvPr/>
+        </p:nvSpPr>
+        <p:spPr>
+          <a:xfrm>
+            <a:off x="9230624" y="1639095"/>
+            <a:ext cx="194484" cy="193811"/>
+          </a:xfrm>
+          <a:prstGeom prst="ellipse">
+            <a:avLst/>
+          </a:prstGeom>
+          <a:solidFill>
+            <a:schemeClr val="accent1"/>
+          </a:solidFill>
+          <a:ln w="38100">
+            <a:solidFill>
+              <a:schemeClr val="accent1">
+                <a:lumMod val="75000"/>
+              </a:schemeClr>
+            </a:solidFill>
+          </a:ln>
+        </p:spPr>
+        <p:style>
+          <a:lnRef idx="2">
+            <a:schemeClr val="dk1">
+              <a:shade val="50000"/>
+            </a:schemeClr>
+          </a:lnRef>
+          <a:fillRef idx="1">
+            <a:schemeClr val="dk1"/>
+          </a:fillRef>
+          <a:effectRef idx="0">
+            <a:schemeClr val="dk1"/>
+          </a:effectRef>
+          <a:fontRef idx="minor">
+            <a:schemeClr val="lt1"/>
+          </a:fontRef>
+        </p:style>
+        <p:txBody>
+          <a:bodyPr rtlCol="0" anchor="ctr"/>
+          <a:lstStyle/>
+          <a:p>
+            <a:pPr algn="ctr"/>
+            <a:endParaRPr lang="en-US"/>
+          </a:p>
+        </p:txBody>
+      </p:sp>
+      <p:sp>
+        <p:nvSpPr>
+          <p:cNvPr id="14" name="Oval 13">
+            <a:extLst>
+              <a:ext uri="{FF2B5EF4-FFF2-40B4-BE49-F238E27FC236}">
+                <a16:creationId xmlns:a16="http://schemas.microsoft.com/office/drawing/2014/main" id="{9CF83DA8-A3D8-4931-83A6-B6C0D0029D7A}"/>
+              </a:ext>
+            </a:extLst>
+          </p:cNvPr>
+          <p:cNvSpPr/>
+          <p:nvPr/>
+        </p:nvSpPr>
+        <p:spPr>
+          <a:xfrm>
+            <a:off x="8488759" y="2825158"/>
+            <a:ext cx="194484" cy="193811"/>
+          </a:xfrm>
+          <a:prstGeom prst="ellipse">
+            <a:avLst/>
+          </a:prstGeom>
+          <a:solidFill>
+            <a:schemeClr val="accent1"/>
+          </a:solidFill>
+          <a:ln w="38100">
+            <a:solidFill>
+              <a:schemeClr val="accent1">
+                <a:lumMod val="75000"/>
+              </a:schemeClr>
+            </a:solidFill>
+          </a:ln>
+        </p:spPr>
+        <p:style>
+          <a:lnRef idx="2">
+            <a:schemeClr val="dk1">
+              <a:shade val="50000"/>
+            </a:schemeClr>
+          </a:lnRef>
+          <a:fillRef idx="1">
+            <a:schemeClr val="dk1"/>
+          </a:fillRef>
+          <a:effectRef idx="0">
+            <a:schemeClr val="dk1"/>
+          </a:effectRef>
+          <a:fontRef idx="minor">
+            <a:schemeClr val="lt1"/>
+          </a:fontRef>
+        </p:style>
+        <p:txBody>
+          <a:bodyPr rtlCol="0" anchor="ctr"/>
+          <a:lstStyle/>
+          <a:p>
+            <a:pPr algn="ctr"/>
+            <a:endParaRPr lang="en-US"/>
+          </a:p>
+        </p:txBody>
+      </p:sp>
+      <p:sp>
+        <p:nvSpPr>
+          <p:cNvPr id="15" name="Oval 14">
+            <a:extLst>
+              <a:ext uri="{FF2B5EF4-FFF2-40B4-BE49-F238E27FC236}">
+                <a16:creationId xmlns:a16="http://schemas.microsoft.com/office/drawing/2014/main" id="{22D390A5-4545-4A0F-9033-E4088924B88E}"/>
+              </a:ext>
+            </a:extLst>
+          </p:cNvPr>
+          <p:cNvSpPr/>
+          <p:nvPr/>
+        </p:nvSpPr>
+        <p:spPr>
+          <a:xfrm>
+            <a:off x="9116703" y="2331885"/>
+            <a:ext cx="194484" cy="193811"/>
+          </a:xfrm>
+          <a:prstGeom prst="ellipse">
+            <a:avLst/>
+          </a:prstGeom>
+          <a:solidFill>
+            <a:schemeClr val="accent1"/>
+          </a:solidFill>
+          <a:ln w="38100">
+            <a:solidFill>
+              <a:schemeClr val="accent1">
+                <a:lumMod val="75000"/>
+              </a:schemeClr>
+            </a:solidFill>
+          </a:ln>
+        </p:spPr>
+        <p:style>
+          <a:lnRef idx="2">
+            <a:schemeClr val="dk1">
+              <a:shade val="50000"/>
+            </a:schemeClr>
+          </a:lnRef>
+          <a:fillRef idx="1">
+            <a:schemeClr val="dk1"/>
+          </a:fillRef>
+          <a:effectRef idx="0">
+            <a:schemeClr val="dk1"/>
+          </a:effectRef>
+          <a:fontRef idx="minor">
+            <a:schemeClr val="lt1"/>
+          </a:fontRef>
+        </p:style>
+        <p:txBody>
+          <a:bodyPr rtlCol="0" anchor="ctr"/>
+          <a:lstStyle/>
+          <a:p>
+            <a:pPr algn="ctr"/>
+            <a:endParaRPr lang="en-US"/>
+          </a:p>
+        </p:txBody>
+      </p:sp>
+      <p:sp>
+        <p:nvSpPr>
+          <p:cNvPr id="16" name="Oval 15">
+            <a:extLst>
+              <a:ext uri="{FF2B5EF4-FFF2-40B4-BE49-F238E27FC236}">
+                <a16:creationId xmlns:a16="http://schemas.microsoft.com/office/drawing/2014/main" id="{11671597-7D26-46D0-9E4E-26FA63DCF9EC}"/>
+              </a:ext>
+            </a:extLst>
+          </p:cNvPr>
+          <p:cNvSpPr/>
+          <p:nvPr/>
+        </p:nvSpPr>
+        <p:spPr>
+          <a:xfrm>
+            <a:off x="8934711" y="2712887"/>
+            <a:ext cx="194484" cy="193811"/>
+          </a:xfrm>
+          <a:prstGeom prst="ellipse">
+            <a:avLst/>
+          </a:prstGeom>
+          <a:solidFill>
+            <a:schemeClr val="accent1"/>
+          </a:solidFill>
+          <a:ln w="38100">
+            <a:solidFill>
+              <a:schemeClr val="accent1">
+                <a:lumMod val="75000"/>
+              </a:schemeClr>
+            </a:solidFill>
+          </a:ln>
+        </p:spPr>
+        <p:style>
+          <a:lnRef idx="2">
+            <a:schemeClr val="dk1">
+              <a:shade val="50000"/>
+            </a:schemeClr>
+          </a:lnRef>
+          <a:fillRef idx="1">
+            <a:schemeClr val="dk1"/>
+          </a:fillRef>
+          <a:effectRef idx="0">
+            <a:schemeClr val="dk1"/>
+          </a:effectRef>
+          <a:fontRef idx="minor">
+            <a:schemeClr val="lt1"/>
+          </a:fontRef>
+        </p:style>
+        <p:txBody>
+          <a:bodyPr rtlCol="0" anchor="ctr"/>
+          <a:lstStyle/>
+          <a:p>
+            <a:pPr algn="ctr"/>
+            <a:endParaRPr lang="en-US"/>
+          </a:p>
+        </p:txBody>
+      </p:sp>
+      <p:sp>
+        <p:nvSpPr>
+          <p:cNvPr id="17" name="Oval 16">
+            <a:extLst>
+              <a:ext uri="{FF2B5EF4-FFF2-40B4-BE49-F238E27FC236}">
+                <a16:creationId xmlns:a16="http://schemas.microsoft.com/office/drawing/2014/main" id="{4AE39FEA-37A2-456E-8540-E73C7AAFCCF2}"/>
+              </a:ext>
+            </a:extLst>
+          </p:cNvPr>
+          <p:cNvSpPr/>
+          <p:nvPr/>
+        </p:nvSpPr>
+        <p:spPr>
+          <a:xfrm>
+            <a:off x="8025396" y="3194697"/>
+            <a:ext cx="194484" cy="193811"/>
+          </a:xfrm>
+          <a:prstGeom prst="ellipse">
+            <a:avLst/>
+          </a:prstGeom>
+          <a:solidFill>
+            <a:schemeClr val="accent1"/>
+          </a:solidFill>
+          <a:ln w="38100">
+            <a:solidFill>
+              <a:schemeClr val="accent1">
+                <a:lumMod val="75000"/>
+              </a:schemeClr>
+            </a:solidFill>
+          </a:ln>
+        </p:spPr>
+        <p:style>
+          <a:lnRef idx="2">
+            <a:schemeClr val="dk1">
+              <a:shade val="50000"/>
+            </a:schemeClr>
+          </a:lnRef>
+          <a:fillRef idx="1">
+            <a:schemeClr val="dk1"/>
+          </a:fillRef>
+          <a:effectRef idx="0">
+            <a:schemeClr val="dk1"/>
+          </a:effectRef>
+          <a:fontRef idx="minor">
+            <a:schemeClr val="lt1"/>
+          </a:fontRef>
+        </p:style>
+        <p:txBody>
+          <a:bodyPr rtlCol="0" anchor="ctr"/>
+          <a:lstStyle/>
+          <a:p>
+            <a:pPr algn="ctr"/>
+            <a:endParaRPr lang="en-US"/>
+          </a:p>
+        </p:txBody>
+      </p:sp>
+      <p:sp>
+        <p:nvSpPr>
+          <p:cNvPr id="18" name="Oval 17">
+            <a:extLst>
+              <a:ext uri="{FF2B5EF4-FFF2-40B4-BE49-F238E27FC236}">
+                <a16:creationId xmlns:a16="http://schemas.microsoft.com/office/drawing/2014/main" id="{6FDBA620-EF7D-4EC4-BD8F-87E04F5F2C24}"/>
+              </a:ext>
+            </a:extLst>
+          </p:cNvPr>
+          <p:cNvSpPr/>
+          <p:nvPr/>
+        </p:nvSpPr>
+        <p:spPr>
+          <a:xfrm>
+            <a:off x="8703967" y="1832906"/>
+            <a:ext cx="194484" cy="193811"/>
+          </a:xfrm>
+          <a:prstGeom prst="ellipse">
+            <a:avLst/>
+          </a:prstGeom>
+          <a:solidFill>
+            <a:schemeClr val="accent1"/>
+          </a:solidFill>
+          <a:ln w="38100">
+            <a:solidFill>
+              <a:schemeClr val="accent1">
+                <a:lumMod val="75000"/>
+              </a:schemeClr>
+            </a:solidFill>
+          </a:ln>
+        </p:spPr>
+        <p:style>
+          <a:lnRef idx="2">
+            <a:schemeClr val="dk1">
+              <a:shade val="50000"/>
+            </a:schemeClr>
+          </a:lnRef>
+          <a:fillRef idx="1">
+            <a:schemeClr val="dk1"/>
+          </a:fillRef>
+          <a:effectRef idx="0">
+            <a:schemeClr val="dk1"/>
+          </a:effectRef>
+          <a:fontRef idx="minor">
+            <a:schemeClr val="lt1"/>
+          </a:fontRef>
+        </p:style>
+        <p:txBody>
+          <a:bodyPr rtlCol="0" anchor="ctr"/>
+          <a:lstStyle/>
+          <a:p>
+            <a:pPr algn="ctr"/>
+            <a:endParaRPr lang="en-US"/>
+          </a:p>
+        </p:txBody>
+      </p:sp>
+      <p:sp>
+        <p:nvSpPr>
+          <p:cNvPr id="19" name="Oval 18">
+            <a:extLst>
+              <a:ext uri="{FF2B5EF4-FFF2-40B4-BE49-F238E27FC236}">
+                <a16:creationId xmlns:a16="http://schemas.microsoft.com/office/drawing/2014/main" id="{DD53F38C-FA81-43B7-9BFC-258ADB076ACF}"/>
+              </a:ext>
+            </a:extLst>
+          </p:cNvPr>
+          <p:cNvSpPr/>
+          <p:nvPr/>
+        </p:nvSpPr>
+        <p:spPr>
+          <a:xfrm>
+            <a:off x="8618562" y="2410318"/>
+            <a:ext cx="194484" cy="193811"/>
+          </a:xfrm>
+          <a:prstGeom prst="ellipse">
+            <a:avLst/>
+          </a:prstGeom>
+          <a:solidFill>
+            <a:schemeClr val="accent1"/>
+          </a:solidFill>
+          <a:ln w="38100">
+            <a:solidFill>
+              <a:schemeClr val="accent1">
+                <a:lumMod val="75000"/>
+              </a:schemeClr>
+            </a:solidFill>
+          </a:ln>
+        </p:spPr>
+        <p:style>
+          <a:lnRef idx="2">
+            <a:schemeClr val="dk1">
+              <a:shade val="50000"/>
+            </a:schemeClr>
+          </a:lnRef>
+          <a:fillRef idx="1">
+            <a:schemeClr val="dk1"/>
+          </a:fillRef>
+          <a:effectRef idx="0">
+            <a:schemeClr val="dk1"/>
+          </a:effectRef>
+          <a:fontRef idx="minor">
+            <a:schemeClr val="lt1"/>
+          </a:fontRef>
+        </p:style>
+        <p:txBody>
+          <a:bodyPr rtlCol="0" anchor="ctr"/>
+          <a:lstStyle/>
+          <a:p>
+            <a:pPr algn="ctr"/>
+            <a:endParaRPr lang="en-US"/>
+          </a:p>
+        </p:txBody>
+      </p:sp>
+      <mc:AlternateContent xmlns:mc="http://schemas.openxmlformats.org/markup-compatibility/2006">
+        <mc:Choice xmlns:a14="http://schemas.microsoft.com/office/drawing/2010/main" Requires="a14">
+          <p:sp>
+            <p:nvSpPr>
+              <p:cNvPr id="22" name="TextBox 21">
+                <a:extLst>
+                  <a:ext uri="{FF2B5EF4-FFF2-40B4-BE49-F238E27FC236}">
+                    <a16:creationId xmlns:a16="http://schemas.microsoft.com/office/drawing/2014/main" id="{C59D6D38-137E-4223-A62F-7005CECB33AA}"/>
+                  </a:ext>
+                </a:extLst>
+              </p:cNvPr>
+              <p:cNvSpPr txBox="1"/>
+              <p:nvPr/>
+            </p:nvSpPr>
+            <p:spPr>
+              <a:xfrm>
+                <a:off x="9733522" y="880547"/>
+                <a:ext cx="612557" cy="646331"/>
+              </a:xfrm>
+              <a:prstGeom prst="rect">
+                <a:avLst/>
+              </a:prstGeom>
+              <a:noFill/>
+            </p:spPr>
+            <p:txBody>
+              <a:bodyPr wrap="square" lIns="0" tIns="0" rIns="0" bIns="0" rtlCol="0">
+                <a:spAutoFit/>
+              </a:bodyPr>
+              <a:lstStyle/>
+              <a:p>
+                <a14:m>
+                  <m:oMathPara xmlns:m="http://schemas.openxmlformats.org/officeDocument/2006/math">
+                    <m:oMathParaPr>
+                      <m:jc m:val="centerGroup"/>
+                    </m:oMathParaPr>
+                    <m:oMath xmlns:m="http://schemas.openxmlformats.org/officeDocument/2006/math">
+                      <m:sSup>
+                        <m:sSupPr>
+                          <m:ctrlPr>
+                            <a:rPr lang="en-US" sz="2400" b="1" i="1" smtClean="0">
+                              <a:latin typeface="Cambria Math" panose="02040503050406030204" pitchFamily="18" charset="0"/>
+                              <a:ea typeface="Cambria Math" panose="02040503050406030204" pitchFamily="18" charset="0"/>
+                            </a:rPr>
+                          </m:ctrlPr>
+                        </m:sSupPr>
+                        <m:e>
+                          <m:r>
+                            <a:rPr lang="en-US" sz="2400" b="1" i="1" smtClean="0">
+                              <a:latin typeface="Cambria Math" panose="02040503050406030204" pitchFamily="18" charset="0"/>
+                              <a:ea typeface="Cambria Math" panose="02040503050406030204" pitchFamily="18" charset="0"/>
+                            </a:rPr>
+                            <m:t>ℝ</m:t>
+                          </m:r>
+                        </m:e>
+                        <m:sup>
+                          <m:r>
+                            <a:rPr lang="en-US" sz="2400" b="0" i="1" smtClean="0">
+                              <a:latin typeface="Cambria Math" panose="02040503050406030204" pitchFamily="18" charset="0"/>
+                              <a:ea typeface="Cambria Math" panose="02040503050406030204" pitchFamily="18" charset="0"/>
+                            </a:rPr>
+                            <m:t>2</m:t>
+                          </m:r>
+                        </m:sup>
+                      </m:sSup>
+                    </m:oMath>
+                  </m:oMathPara>
+                </a14:m>
+                <a:endParaRPr lang="en-US" b="1" dirty="0"/>
+              </a:p>
+              <a:p>
+                <a:endParaRPr lang="en-US" dirty="0"/>
+              </a:p>
+            </p:txBody>
+          </p:sp>
+        </mc:Choice>
+        <mc:Fallback>
+          <p:sp>
+            <p:nvSpPr>
+              <p:cNvPr id="22" name="TextBox 21">
+                <a:extLst>
+                  <a:ext uri="{FF2B5EF4-FFF2-40B4-BE49-F238E27FC236}">
+                    <a16:creationId xmlns:a16="http://schemas.microsoft.com/office/drawing/2014/main" id="{C59D6D38-137E-4223-A62F-7005CECB33AA}"/>
+                  </a:ext>
+                </a:extLst>
+              </p:cNvPr>
+              <p:cNvSpPr txBox="1">
+                <a:spLocks noRot="1" noChangeAspect="1" noMove="1" noResize="1" noEditPoints="1" noAdjustHandles="1" noChangeArrowheads="1" noChangeShapeType="1" noTextEdit="1"/>
+              </p:cNvSpPr>
+              <p:nvPr/>
+            </p:nvSpPr>
+            <p:spPr>
+              <a:xfrm>
+                <a:off x="9733522" y="880547"/>
+                <a:ext cx="612557" cy="646331"/>
+              </a:xfrm>
+              <a:prstGeom prst="rect">
+                <a:avLst/>
+              </a:prstGeom>
+              <a:blipFill>
+                <a:blip r:embed="rId2"/>
+                <a:stretch>
+                  <a:fillRect/>
+                </a:stretch>
+              </a:blipFill>
+            </p:spPr>
+            <p:txBody>
+              <a:bodyPr/>
+              <a:lstStyle/>
+              <a:p>
+                <a:r>
+                  <a:rPr lang="en-US">
+                    <a:noFill/>
+                  </a:rPr>
+                  <a:t> </a:t>
+                </a:r>
+              </a:p>
+            </p:txBody>
+          </p:sp>
+        </mc:Fallback>
+      </mc:AlternateContent>
+      <p:cxnSp>
+        <p:nvCxnSpPr>
+          <p:cNvPr id="91" name="Straight Arrow Connector 90">
+            <a:extLst>
+              <a:ext uri="{FF2B5EF4-FFF2-40B4-BE49-F238E27FC236}">
+                <a16:creationId xmlns:a16="http://schemas.microsoft.com/office/drawing/2014/main" id="{3C2C855E-666A-4347-BB17-A10EDB75215A}"/>
+              </a:ext>
+            </a:extLst>
+          </p:cNvPr>
+          <p:cNvCxnSpPr>
+            <a:cxnSpLocks/>
+          </p:cNvCxnSpPr>
+          <p:nvPr/>
+        </p:nvCxnSpPr>
+        <p:spPr>
+          <a:xfrm>
+            <a:off x="2007833" y="3865849"/>
+            <a:ext cx="2510901" cy="0"/>
+          </a:xfrm>
+          <a:prstGeom prst="straightConnector1">
+            <a:avLst/>
+          </a:prstGeom>
+          <a:ln w="57150">
+            <a:solidFill>
+              <a:schemeClr val="tx1"/>
+            </a:solidFill>
+            <a:tailEnd type="triangle"/>
+          </a:ln>
+        </p:spPr>
+        <p:style>
+          <a:lnRef idx="1">
+            <a:schemeClr val="accent1"/>
+          </a:lnRef>
+          <a:fillRef idx="0">
+            <a:schemeClr val="accent1"/>
+          </a:fillRef>
+          <a:effectRef idx="0">
+            <a:schemeClr val="accent1"/>
+          </a:effectRef>
+          <a:fontRef idx="minor">
+            <a:schemeClr val="tx1"/>
+          </a:fontRef>
+        </p:style>
+      </p:cxnSp>
+      <p:cxnSp>
+        <p:nvCxnSpPr>
+          <p:cNvPr id="92" name="Straight Arrow Connector 91">
+            <a:extLst>
+              <a:ext uri="{FF2B5EF4-FFF2-40B4-BE49-F238E27FC236}">
+                <a16:creationId xmlns:a16="http://schemas.microsoft.com/office/drawing/2014/main" id="{BA7144CD-FED5-4EF1-9DE6-5585A9F2C275}"/>
+              </a:ext>
+            </a:extLst>
+          </p:cNvPr>
+          <p:cNvCxnSpPr>
+            <a:cxnSpLocks/>
+          </p:cNvCxnSpPr>
+          <p:nvPr/>
+        </p:nvCxnSpPr>
+        <p:spPr>
+          <a:xfrm flipH="1" flipV="1">
+            <a:off x="1926940" y="1005761"/>
+            <a:ext cx="53928" cy="2893402"/>
+          </a:xfrm>
+          <a:prstGeom prst="straightConnector1">
+            <a:avLst/>
+          </a:prstGeom>
+          <a:ln w="57150">
+            <a:solidFill>
+              <a:schemeClr val="tx1"/>
+            </a:solidFill>
+            <a:tailEnd type="triangle"/>
+          </a:ln>
+        </p:spPr>
+        <p:style>
+          <a:lnRef idx="1">
+            <a:schemeClr val="accent1"/>
+          </a:lnRef>
+          <a:fillRef idx="0">
+            <a:schemeClr val="accent1"/>
+          </a:fillRef>
+          <a:effectRef idx="0">
+            <a:schemeClr val="accent1"/>
+          </a:effectRef>
+          <a:fontRef idx="minor">
+            <a:schemeClr val="tx1"/>
+          </a:fontRef>
+        </p:style>
+      </p:cxnSp>
+      <p:sp>
+        <p:nvSpPr>
+          <p:cNvPr id="95" name="Oval 94">
+            <a:extLst>
+              <a:ext uri="{FF2B5EF4-FFF2-40B4-BE49-F238E27FC236}">
+                <a16:creationId xmlns:a16="http://schemas.microsoft.com/office/drawing/2014/main" id="{8E292D4B-A3E0-4F3D-9BCB-82C495BCCE40}"/>
+              </a:ext>
+            </a:extLst>
+          </p:cNvPr>
+          <p:cNvSpPr/>
+          <p:nvPr/>
+        </p:nvSpPr>
+        <p:spPr>
+          <a:xfrm>
+            <a:off x="1926940" y="3793372"/>
+            <a:ext cx="107857" cy="124264"/>
+          </a:xfrm>
+          <a:prstGeom prst="ellipse">
+            <a:avLst/>
+          </a:prstGeom>
+        </p:spPr>
+        <p:style>
+          <a:lnRef idx="2">
+            <a:schemeClr val="dk1">
+              <a:shade val="50000"/>
+            </a:schemeClr>
+          </a:lnRef>
+          <a:fillRef idx="1">
+            <a:schemeClr val="dk1"/>
+          </a:fillRef>
+          <a:effectRef idx="0">
+            <a:schemeClr val="dk1"/>
+          </a:effectRef>
+          <a:fontRef idx="minor">
+            <a:schemeClr val="lt1"/>
+          </a:fontRef>
+        </p:style>
+        <p:txBody>
+          <a:bodyPr rtlCol="0" anchor="ctr"/>
+          <a:lstStyle/>
+          <a:p>
+            <a:pPr algn="ctr"/>
+            <a:endParaRPr lang="en-US"/>
+          </a:p>
+        </p:txBody>
+      </p:sp>
+      <p:cxnSp>
+        <p:nvCxnSpPr>
+          <p:cNvPr id="96" name="Straight Arrow Connector 95">
+            <a:extLst>
+              <a:ext uri="{FF2B5EF4-FFF2-40B4-BE49-F238E27FC236}">
+                <a16:creationId xmlns:a16="http://schemas.microsoft.com/office/drawing/2014/main" id="{BCD21120-B035-4BCB-B7F3-7E40B0A3568A}"/>
+              </a:ext>
+            </a:extLst>
+          </p:cNvPr>
+          <p:cNvCxnSpPr>
+            <a:cxnSpLocks/>
+          </p:cNvCxnSpPr>
+          <p:nvPr/>
+        </p:nvCxnSpPr>
+        <p:spPr>
+          <a:xfrm flipH="1">
+            <a:off x="985101" y="3865849"/>
+            <a:ext cx="995864" cy="1356805"/>
+          </a:xfrm>
+          <a:prstGeom prst="straightConnector1">
+            <a:avLst/>
+          </a:prstGeom>
+          <a:ln w="57150">
+            <a:solidFill>
+              <a:schemeClr val="tx1"/>
+            </a:solidFill>
+            <a:tailEnd type="triangle"/>
+          </a:ln>
+        </p:spPr>
+        <p:style>
+          <a:lnRef idx="1">
+            <a:schemeClr val="accent1"/>
+          </a:lnRef>
+          <a:fillRef idx="0">
+            <a:schemeClr val="accent1"/>
+          </a:fillRef>
+          <a:effectRef idx="0">
+            <a:schemeClr val="accent1"/>
+          </a:effectRef>
+          <a:fontRef idx="minor">
+            <a:schemeClr val="tx1"/>
+          </a:fontRef>
+        </p:style>
+      </p:cxnSp>
+      <mc:AlternateContent xmlns:mc="http://schemas.openxmlformats.org/markup-compatibility/2006">
+        <mc:Choice xmlns:a14="http://schemas.microsoft.com/office/drawing/2010/main" Requires="a14">
+          <p:sp>
+            <p:nvSpPr>
+              <p:cNvPr id="104" name="TextBox 103">
+                <a:extLst>
+                  <a:ext uri="{FF2B5EF4-FFF2-40B4-BE49-F238E27FC236}">
+                    <a16:creationId xmlns:a16="http://schemas.microsoft.com/office/drawing/2014/main" id="{37573AB1-8107-4A24-B2C7-7229A484ADCB}"/>
+                  </a:ext>
+                </a:extLst>
+              </p:cNvPr>
+              <p:cNvSpPr txBox="1"/>
+              <p:nvPr/>
+            </p:nvSpPr>
+            <p:spPr>
+              <a:xfrm>
+                <a:off x="3110297" y="876797"/>
+                <a:ext cx="612557" cy="646331"/>
+              </a:xfrm>
+              <a:prstGeom prst="rect">
+                <a:avLst/>
+              </a:prstGeom>
+              <a:noFill/>
+            </p:spPr>
+            <p:txBody>
+              <a:bodyPr wrap="square" lIns="0" tIns="0" rIns="0" bIns="0" rtlCol="0">
+                <a:spAutoFit/>
+              </a:bodyPr>
+              <a:lstStyle/>
+              <a:p>
+                <a14:m>
+                  <m:oMathPara xmlns:m="http://schemas.openxmlformats.org/officeDocument/2006/math">
+                    <m:oMathParaPr>
+                      <m:jc m:val="centerGroup"/>
+                    </m:oMathParaPr>
+                    <m:oMath xmlns:m="http://schemas.openxmlformats.org/officeDocument/2006/math">
+                      <m:sSup>
+                        <m:sSupPr>
+                          <m:ctrlPr>
+                            <a:rPr lang="en-US" sz="2400" b="1" i="1" smtClean="0">
+                              <a:latin typeface="Cambria Math" panose="02040503050406030204" pitchFamily="18" charset="0"/>
+                              <a:ea typeface="Cambria Math" panose="02040503050406030204" pitchFamily="18" charset="0"/>
+                            </a:rPr>
+                          </m:ctrlPr>
+                        </m:sSupPr>
+                        <m:e>
+                          <m:r>
+                            <a:rPr lang="en-US" sz="2400" b="1" i="1" smtClean="0">
+                              <a:latin typeface="Cambria Math" panose="02040503050406030204" pitchFamily="18" charset="0"/>
+                              <a:ea typeface="Cambria Math" panose="02040503050406030204" pitchFamily="18" charset="0"/>
+                            </a:rPr>
+                            <m:t>ℝ</m:t>
+                          </m:r>
+                        </m:e>
+                        <m:sup>
+                          <m:r>
+                            <a:rPr lang="en-US" sz="2400" b="0" i="1" smtClean="0">
+                              <a:latin typeface="Cambria Math" panose="02040503050406030204" pitchFamily="18" charset="0"/>
+                              <a:ea typeface="Cambria Math" panose="02040503050406030204" pitchFamily="18" charset="0"/>
+                            </a:rPr>
+                            <m:t>3</m:t>
+                          </m:r>
+                        </m:sup>
+                      </m:sSup>
+                    </m:oMath>
+                  </m:oMathPara>
+                </a14:m>
+                <a:endParaRPr lang="en-US" b="1" dirty="0"/>
+              </a:p>
+              <a:p>
+                <a:endParaRPr lang="en-US" dirty="0"/>
+              </a:p>
+            </p:txBody>
+          </p:sp>
+        </mc:Choice>
+        <mc:Fallback>
+          <p:sp>
+            <p:nvSpPr>
+              <p:cNvPr id="104" name="TextBox 103">
+                <a:extLst>
+                  <a:ext uri="{FF2B5EF4-FFF2-40B4-BE49-F238E27FC236}">
+                    <a16:creationId xmlns:a16="http://schemas.microsoft.com/office/drawing/2014/main" id="{37573AB1-8107-4A24-B2C7-7229A484ADCB}"/>
+                  </a:ext>
+                </a:extLst>
+              </p:cNvPr>
+              <p:cNvSpPr txBox="1">
+                <a:spLocks noRot="1" noChangeAspect="1" noMove="1" noResize="1" noEditPoints="1" noAdjustHandles="1" noChangeArrowheads="1" noChangeShapeType="1" noTextEdit="1"/>
+              </p:cNvSpPr>
+              <p:nvPr/>
+            </p:nvSpPr>
+            <p:spPr>
+              <a:xfrm>
+                <a:off x="3110297" y="876797"/>
+                <a:ext cx="612557" cy="646331"/>
+              </a:xfrm>
+              <a:prstGeom prst="rect">
+                <a:avLst/>
+              </a:prstGeom>
+              <a:blipFill>
+                <a:blip r:embed="rId3"/>
+                <a:stretch>
+                  <a:fillRect/>
+                </a:stretch>
+              </a:blipFill>
+            </p:spPr>
+            <p:txBody>
+              <a:bodyPr/>
+              <a:lstStyle/>
+              <a:p>
+                <a:r>
+                  <a:rPr lang="en-US">
+                    <a:noFill/>
+                  </a:rPr>
+                  <a:t> </a:t>
+                </a:r>
+              </a:p>
+            </p:txBody>
+          </p:sp>
+        </mc:Fallback>
+      </mc:AlternateContent>
+      <mc:AlternateContent xmlns:mc="http://schemas.openxmlformats.org/markup-compatibility/2006">
+        <mc:Choice xmlns:a14="http://schemas.microsoft.com/office/drawing/2010/main" Requires="a14">
+          <p:sp>
+            <p:nvSpPr>
+              <p:cNvPr id="105" name="TextBox 104">
+                <a:extLst>
+                  <a:ext uri="{FF2B5EF4-FFF2-40B4-BE49-F238E27FC236}">
+                    <a16:creationId xmlns:a16="http://schemas.microsoft.com/office/drawing/2014/main" id="{D21E3714-F842-4BE4-8E9C-13F8CBEB18A1}"/>
+                  </a:ext>
+                </a:extLst>
+              </p:cNvPr>
+              <p:cNvSpPr txBox="1"/>
+              <p:nvPr/>
+            </p:nvSpPr>
+            <p:spPr>
+              <a:xfrm>
+                <a:off x="372544" y="4703437"/>
+                <a:ext cx="612557" cy="646331"/>
+              </a:xfrm>
+              <a:prstGeom prst="rect">
+                <a:avLst/>
+              </a:prstGeom>
+              <a:noFill/>
+            </p:spPr>
+            <p:txBody>
+              <a:bodyPr wrap="square" lIns="0" tIns="0" rIns="0" bIns="0" rtlCol="0">
+                <a:spAutoFit/>
+              </a:bodyPr>
+              <a:lstStyle/>
+              <a:p>
+                <a14:m>
+                  <m:oMathPara xmlns:m="http://schemas.openxmlformats.org/officeDocument/2006/math">
+                    <m:oMathParaPr>
+                      <m:jc m:val="centerGroup"/>
+                    </m:oMathParaPr>
+                    <m:oMath xmlns:m="http://schemas.openxmlformats.org/officeDocument/2006/math">
+                      <m:sSub>
+                        <m:sSubPr>
+                          <m:ctrlPr>
+                            <a:rPr lang="en-US" sz="2400" b="1" i="1" smtClean="0">
+                              <a:latin typeface="Cambria Math" panose="02040503050406030204" pitchFamily="18" charset="0"/>
+                            </a:rPr>
+                          </m:ctrlPr>
+                        </m:sSubPr>
+                        <m:e>
+                          <m:r>
+                            <a:rPr lang="en-US" sz="2400" b="1" i="1" smtClean="0">
+                              <a:latin typeface="Cambria Math" panose="02040503050406030204" pitchFamily="18" charset="0"/>
+                            </a:rPr>
+                            <m:t>𝒙</m:t>
+                          </m:r>
+                        </m:e>
+                        <m:sub>
+                          <m:r>
+                            <a:rPr lang="en-US" sz="2400" b="1" i="1" smtClean="0">
+                              <a:latin typeface="Cambria Math" panose="02040503050406030204" pitchFamily="18" charset="0"/>
+                            </a:rPr>
+                            <m:t>𝟏</m:t>
+                          </m:r>
+                        </m:sub>
+                      </m:sSub>
+                    </m:oMath>
+                  </m:oMathPara>
+                </a14:m>
+                <a:endParaRPr lang="en-US" b="1" dirty="0"/>
+              </a:p>
+              <a:p>
+                <a:endParaRPr lang="en-US" dirty="0"/>
+              </a:p>
+            </p:txBody>
+          </p:sp>
+        </mc:Choice>
+        <mc:Fallback>
+          <p:sp>
+            <p:nvSpPr>
+              <p:cNvPr id="105" name="TextBox 104">
+                <a:extLst>
+                  <a:ext uri="{FF2B5EF4-FFF2-40B4-BE49-F238E27FC236}">
+                    <a16:creationId xmlns:a16="http://schemas.microsoft.com/office/drawing/2014/main" id="{D21E3714-F842-4BE4-8E9C-13F8CBEB18A1}"/>
+                  </a:ext>
+                </a:extLst>
+              </p:cNvPr>
+              <p:cNvSpPr txBox="1">
+                <a:spLocks noRot="1" noChangeAspect="1" noMove="1" noResize="1" noEditPoints="1" noAdjustHandles="1" noChangeArrowheads="1" noChangeShapeType="1" noTextEdit="1"/>
+              </p:cNvSpPr>
+              <p:nvPr/>
+            </p:nvSpPr>
+            <p:spPr>
+              <a:xfrm>
+                <a:off x="372544" y="4703437"/>
+                <a:ext cx="612557" cy="646331"/>
+              </a:xfrm>
+              <a:prstGeom prst="rect">
+                <a:avLst/>
+              </a:prstGeom>
+              <a:blipFill>
+                <a:blip r:embed="rId4"/>
+                <a:stretch>
+                  <a:fillRect/>
+                </a:stretch>
+              </a:blipFill>
+            </p:spPr>
+            <p:txBody>
+              <a:bodyPr/>
+              <a:lstStyle/>
+              <a:p>
+                <a:r>
+                  <a:rPr lang="en-US">
+                    <a:noFill/>
+                  </a:rPr>
+                  <a:t> </a:t>
+                </a:r>
+              </a:p>
+            </p:txBody>
+          </p:sp>
+        </mc:Fallback>
+      </mc:AlternateContent>
+      <mc:AlternateContent xmlns:mc="http://schemas.openxmlformats.org/markup-compatibility/2006">
+        <mc:Choice xmlns:a14="http://schemas.microsoft.com/office/drawing/2010/main" Requires="a14">
+          <p:sp>
+            <p:nvSpPr>
+              <p:cNvPr id="106" name="TextBox 105">
+                <a:extLst>
+                  <a:ext uri="{FF2B5EF4-FFF2-40B4-BE49-F238E27FC236}">
+                    <a16:creationId xmlns:a16="http://schemas.microsoft.com/office/drawing/2014/main" id="{769ADF02-1D02-4BEB-BAF0-08BDDC5148AA}"/>
+                  </a:ext>
+                </a:extLst>
+              </p:cNvPr>
+              <p:cNvSpPr txBox="1"/>
+              <p:nvPr/>
+            </p:nvSpPr>
+            <p:spPr>
+              <a:xfrm>
+                <a:off x="9419210" y="4203638"/>
+                <a:ext cx="612557" cy="646331"/>
+              </a:xfrm>
+              <a:prstGeom prst="rect">
+                <a:avLst/>
+              </a:prstGeom>
+              <a:noFill/>
+            </p:spPr>
+            <p:txBody>
+              <a:bodyPr wrap="square" lIns="0" tIns="0" rIns="0" bIns="0" rtlCol="0">
+                <a:spAutoFit/>
+              </a:bodyPr>
+              <a:lstStyle/>
+              <a:p>
+                <a14:m>
+                  <m:oMathPara xmlns:m="http://schemas.openxmlformats.org/officeDocument/2006/math">
+                    <m:oMathParaPr>
+                      <m:jc m:val="centerGroup"/>
+                    </m:oMathParaPr>
+                    <m:oMath xmlns:m="http://schemas.openxmlformats.org/officeDocument/2006/math">
+                      <m:sSub>
+                        <m:sSubPr>
+                          <m:ctrlPr>
+                            <a:rPr lang="en-US" sz="2400" b="1" i="1" smtClean="0">
+                              <a:latin typeface="Cambria Math" panose="02040503050406030204" pitchFamily="18" charset="0"/>
+                            </a:rPr>
+                          </m:ctrlPr>
+                        </m:sSubPr>
+                        <m:e>
+                          <m:r>
+                            <a:rPr lang="en-US" sz="2400" b="1" i="1" smtClean="0">
+                              <a:latin typeface="Cambria Math" panose="02040503050406030204" pitchFamily="18" charset="0"/>
+                            </a:rPr>
+                            <m:t>𝒛</m:t>
+                          </m:r>
+                        </m:e>
+                        <m:sub>
+                          <m:r>
+                            <a:rPr lang="en-US" sz="2400" b="1" i="1" smtClean="0">
+                              <a:latin typeface="Cambria Math" panose="02040503050406030204" pitchFamily="18" charset="0"/>
+                            </a:rPr>
+                            <m:t>𝟏</m:t>
+                          </m:r>
+                        </m:sub>
+                      </m:sSub>
+                    </m:oMath>
+                  </m:oMathPara>
+                </a14:m>
+                <a:endParaRPr lang="en-US" b="1" dirty="0"/>
+              </a:p>
+              <a:p>
+                <a:endParaRPr lang="en-US" dirty="0"/>
+              </a:p>
+            </p:txBody>
+          </p:sp>
+        </mc:Choice>
+        <mc:Fallback>
+          <p:sp>
+            <p:nvSpPr>
+              <p:cNvPr id="106" name="TextBox 105">
+                <a:extLst>
+                  <a:ext uri="{FF2B5EF4-FFF2-40B4-BE49-F238E27FC236}">
+                    <a16:creationId xmlns:a16="http://schemas.microsoft.com/office/drawing/2014/main" id="{769ADF02-1D02-4BEB-BAF0-08BDDC5148AA}"/>
+                  </a:ext>
+                </a:extLst>
+              </p:cNvPr>
+              <p:cNvSpPr txBox="1">
+                <a:spLocks noRot="1" noChangeAspect="1" noMove="1" noResize="1" noEditPoints="1" noAdjustHandles="1" noChangeArrowheads="1" noChangeShapeType="1" noTextEdit="1"/>
+              </p:cNvSpPr>
+              <p:nvPr/>
+            </p:nvSpPr>
+            <p:spPr>
+              <a:xfrm>
+                <a:off x="9419210" y="4203638"/>
+                <a:ext cx="612557" cy="646331"/>
+              </a:xfrm>
+              <a:prstGeom prst="rect">
+                <a:avLst/>
+              </a:prstGeom>
+              <a:blipFill>
+                <a:blip r:embed="rId5"/>
+                <a:stretch>
+                  <a:fillRect/>
+                </a:stretch>
+              </a:blipFill>
+            </p:spPr>
+            <p:txBody>
+              <a:bodyPr/>
+              <a:lstStyle/>
+              <a:p>
+                <a:r>
+                  <a:rPr lang="en-US">
+                    <a:noFill/>
+                  </a:rPr>
+                  <a:t> </a:t>
+                </a:r>
+              </a:p>
+            </p:txBody>
+          </p:sp>
+        </mc:Fallback>
+      </mc:AlternateContent>
+      <mc:AlternateContent xmlns:mc="http://schemas.openxmlformats.org/markup-compatibility/2006">
+        <mc:Choice xmlns:a14="http://schemas.microsoft.com/office/drawing/2010/main" Requires="a14">
+          <p:sp>
+            <p:nvSpPr>
+              <p:cNvPr id="107" name="TextBox 106">
+                <a:extLst>
+                  <a:ext uri="{FF2B5EF4-FFF2-40B4-BE49-F238E27FC236}">
+                    <a16:creationId xmlns:a16="http://schemas.microsoft.com/office/drawing/2014/main" id="{27233DDD-977B-4FF4-B301-EB5350E97C74}"/>
+                  </a:ext>
+                </a:extLst>
+              </p:cNvPr>
+              <p:cNvSpPr txBox="1"/>
+              <p:nvPr/>
+            </p:nvSpPr>
+            <p:spPr>
+              <a:xfrm>
+                <a:off x="6249550" y="770185"/>
+                <a:ext cx="612557" cy="646331"/>
+              </a:xfrm>
+              <a:prstGeom prst="rect">
+                <a:avLst/>
+              </a:prstGeom>
+              <a:noFill/>
+            </p:spPr>
+            <p:txBody>
+              <a:bodyPr wrap="square" lIns="0" tIns="0" rIns="0" bIns="0" rtlCol="0">
+                <a:spAutoFit/>
+              </a:bodyPr>
+              <a:lstStyle/>
+              <a:p>
+                <a14:m>
+                  <m:oMathPara xmlns:m="http://schemas.openxmlformats.org/officeDocument/2006/math">
+                    <m:oMathParaPr>
+                      <m:jc m:val="centerGroup"/>
+                    </m:oMathParaPr>
+                    <m:oMath xmlns:m="http://schemas.openxmlformats.org/officeDocument/2006/math">
+                      <m:sSub>
+                        <m:sSubPr>
+                          <m:ctrlPr>
+                            <a:rPr lang="en-US" sz="2400" b="1" i="1" smtClean="0">
+                              <a:latin typeface="Cambria Math" panose="02040503050406030204" pitchFamily="18" charset="0"/>
+                            </a:rPr>
+                          </m:ctrlPr>
+                        </m:sSubPr>
+                        <m:e>
+                          <m:r>
+                            <a:rPr lang="en-US" sz="2400" b="1" i="1" smtClean="0">
+                              <a:latin typeface="Cambria Math" panose="02040503050406030204" pitchFamily="18" charset="0"/>
+                            </a:rPr>
+                            <m:t>𝒛</m:t>
+                          </m:r>
+                        </m:e>
+                        <m:sub>
+                          <m:r>
+                            <a:rPr lang="en-US" sz="2400" b="1" i="1" smtClean="0">
+                              <a:latin typeface="Cambria Math" panose="02040503050406030204" pitchFamily="18" charset="0"/>
+                            </a:rPr>
+                            <m:t>𝟐</m:t>
+                          </m:r>
+                        </m:sub>
+                      </m:sSub>
+                    </m:oMath>
+                  </m:oMathPara>
+                </a14:m>
+                <a:endParaRPr lang="en-US" b="1" dirty="0"/>
+              </a:p>
+              <a:p>
+                <a:endParaRPr lang="en-US" dirty="0"/>
+              </a:p>
+            </p:txBody>
+          </p:sp>
+        </mc:Choice>
+        <mc:Fallback>
+          <p:sp>
+            <p:nvSpPr>
+              <p:cNvPr id="107" name="TextBox 106">
+                <a:extLst>
+                  <a:ext uri="{FF2B5EF4-FFF2-40B4-BE49-F238E27FC236}">
+                    <a16:creationId xmlns:a16="http://schemas.microsoft.com/office/drawing/2014/main" id="{27233DDD-977B-4FF4-B301-EB5350E97C74}"/>
+                  </a:ext>
+                </a:extLst>
+              </p:cNvPr>
+              <p:cNvSpPr txBox="1">
+                <a:spLocks noRot="1" noChangeAspect="1" noMove="1" noResize="1" noEditPoints="1" noAdjustHandles="1" noChangeArrowheads="1" noChangeShapeType="1" noTextEdit="1"/>
+              </p:cNvSpPr>
+              <p:nvPr/>
+            </p:nvSpPr>
+            <p:spPr>
+              <a:xfrm>
+                <a:off x="6249550" y="770185"/>
+                <a:ext cx="612557" cy="646331"/>
+              </a:xfrm>
+              <a:prstGeom prst="rect">
+                <a:avLst/>
+              </a:prstGeom>
+              <a:blipFill>
+                <a:blip r:embed="rId6"/>
+                <a:stretch>
+                  <a:fillRect/>
+                </a:stretch>
+              </a:blipFill>
+            </p:spPr>
+            <p:txBody>
+              <a:bodyPr/>
+              <a:lstStyle/>
+              <a:p>
+                <a:r>
+                  <a:rPr lang="en-US">
+                    <a:noFill/>
+                  </a:rPr>
+                  <a:t> </a:t>
+                </a:r>
+              </a:p>
+            </p:txBody>
+          </p:sp>
+        </mc:Fallback>
+      </mc:AlternateContent>
+      <mc:AlternateContent xmlns:mc="http://schemas.openxmlformats.org/markup-compatibility/2006">
+        <mc:Choice xmlns:a14="http://schemas.microsoft.com/office/drawing/2010/main" Requires="a14">
+          <p:sp>
+            <p:nvSpPr>
+              <p:cNvPr id="109" name="TextBox 108">
+                <a:extLst>
+                  <a:ext uri="{FF2B5EF4-FFF2-40B4-BE49-F238E27FC236}">
+                    <a16:creationId xmlns:a16="http://schemas.microsoft.com/office/drawing/2014/main" id="{6AD2E6C6-3B8C-4F22-86E0-2B0B263EBA91}"/>
+                  </a:ext>
+                </a:extLst>
+              </p:cNvPr>
+              <p:cNvSpPr txBox="1"/>
+              <p:nvPr/>
+            </p:nvSpPr>
+            <p:spPr>
+              <a:xfrm>
+                <a:off x="3906177" y="4057106"/>
+                <a:ext cx="612557" cy="646331"/>
+              </a:xfrm>
+              <a:prstGeom prst="rect">
+                <a:avLst/>
+              </a:prstGeom>
+              <a:noFill/>
+            </p:spPr>
+            <p:txBody>
+              <a:bodyPr wrap="square" lIns="0" tIns="0" rIns="0" bIns="0" rtlCol="0">
+                <a:spAutoFit/>
+              </a:bodyPr>
+              <a:lstStyle/>
+              <a:p>
+                <a14:m>
+                  <m:oMathPara xmlns:m="http://schemas.openxmlformats.org/officeDocument/2006/math">
+                    <m:oMathParaPr>
+                      <m:jc m:val="centerGroup"/>
+                    </m:oMathParaPr>
+                    <m:oMath xmlns:m="http://schemas.openxmlformats.org/officeDocument/2006/math">
+                      <m:sSub>
+                        <m:sSubPr>
+                          <m:ctrlPr>
+                            <a:rPr lang="en-US" sz="2400" b="1" i="1" smtClean="0">
+                              <a:latin typeface="Cambria Math" panose="02040503050406030204" pitchFamily="18" charset="0"/>
+                            </a:rPr>
+                          </m:ctrlPr>
+                        </m:sSubPr>
+                        <m:e>
+                          <m:r>
+                            <a:rPr lang="en-US" sz="2400" b="1" i="1" smtClean="0">
+                              <a:latin typeface="Cambria Math" panose="02040503050406030204" pitchFamily="18" charset="0"/>
+                            </a:rPr>
+                            <m:t>𝒙</m:t>
+                          </m:r>
+                        </m:e>
+                        <m:sub>
+                          <m:r>
+                            <a:rPr lang="en-US" sz="2400" b="1" i="1" smtClean="0">
+                              <a:latin typeface="Cambria Math" panose="02040503050406030204" pitchFamily="18" charset="0"/>
+                            </a:rPr>
+                            <m:t>𝟐</m:t>
+                          </m:r>
+                        </m:sub>
+                      </m:sSub>
+                    </m:oMath>
+                  </m:oMathPara>
+                </a14:m>
+                <a:endParaRPr lang="en-US" b="1" dirty="0"/>
+              </a:p>
+              <a:p>
+                <a:endParaRPr lang="en-US" dirty="0"/>
+              </a:p>
+            </p:txBody>
+          </p:sp>
+        </mc:Choice>
+        <mc:Fallback>
+          <p:sp>
+            <p:nvSpPr>
+              <p:cNvPr id="109" name="TextBox 108">
+                <a:extLst>
+                  <a:ext uri="{FF2B5EF4-FFF2-40B4-BE49-F238E27FC236}">
+                    <a16:creationId xmlns:a16="http://schemas.microsoft.com/office/drawing/2014/main" id="{6AD2E6C6-3B8C-4F22-86E0-2B0B263EBA91}"/>
+                  </a:ext>
+                </a:extLst>
+              </p:cNvPr>
+              <p:cNvSpPr txBox="1">
+                <a:spLocks noRot="1" noChangeAspect="1" noMove="1" noResize="1" noEditPoints="1" noAdjustHandles="1" noChangeArrowheads="1" noChangeShapeType="1" noTextEdit="1"/>
+              </p:cNvSpPr>
+              <p:nvPr/>
+            </p:nvSpPr>
+            <p:spPr>
+              <a:xfrm>
+                <a:off x="3906177" y="4057106"/>
+                <a:ext cx="612557" cy="646331"/>
+              </a:xfrm>
+              <a:prstGeom prst="rect">
+                <a:avLst/>
+              </a:prstGeom>
+              <a:blipFill>
+                <a:blip r:embed="rId7"/>
+                <a:stretch>
+                  <a:fillRect/>
+                </a:stretch>
+              </a:blipFill>
+            </p:spPr>
+            <p:txBody>
+              <a:bodyPr/>
+              <a:lstStyle/>
+              <a:p>
+                <a:r>
+                  <a:rPr lang="en-US">
+                    <a:noFill/>
+                  </a:rPr>
+                  <a:t> </a:t>
+                </a:r>
+              </a:p>
+            </p:txBody>
+          </p:sp>
+        </mc:Fallback>
+      </mc:AlternateContent>
+      <mc:AlternateContent xmlns:mc="http://schemas.openxmlformats.org/markup-compatibility/2006">
+        <mc:Choice xmlns:a14="http://schemas.microsoft.com/office/drawing/2010/main" Requires="a14">
+          <p:sp>
+            <p:nvSpPr>
+              <p:cNvPr id="110" name="TextBox 109">
+                <a:extLst>
+                  <a:ext uri="{FF2B5EF4-FFF2-40B4-BE49-F238E27FC236}">
+                    <a16:creationId xmlns:a16="http://schemas.microsoft.com/office/drawing/2014/main" id="{17CB0A1E-46A7-4A2A-86E2-352DB86FEACB}"/>
+                  </a:ext>
+                </a:extLst>
+              </p:cNvPr>
+              <p:cNvSpPr txBox="1"/>
+              <p:nvPr/>
+            </p:nvSpPr>
+            <p:spPr>
+              <a:xfrm>
+                <a:off x="1228653" y="961306"/>
+                <a:ext cx="612557" cy="646331"/>
+              </a:xfrm>
+              <a:prstGeom prst="rect">
+                <a:avLst/>
+              </a:prstGeom>
+              <a:noFill/>
+            </p:spPr>
+            <p:txBody>
+              <a:bodyPr wrap="square" lIns="0" tIns="0" rIns="0" bIns="0" rtlCol="0">
+                <a:spAutoFit/>
+              </a:bodyPr>
+              <a:lstStyle/>
+              <a:p>
+                <a14:m>
+                  <m:oMathPara xmlns:m="http://schemas.openxmlformats.org/officeDocument/2006/math">
+                    <m:oMathParaPr>
+                      <m:jc m:val="centerGroup"/>
+                    </m:oMathParaPr>
+                    <m:oMath xmlns:m="http://schemas.openxmlformats.org/officeDocument/2006/math">
+                      <m:sSub>
+                        <m:sSubPr>
+                          <m:ctrlPr>
+                            <a:rPr lang="en-US" sz="2400" b="1" i="1" smtClean="0">
+                              <a:latin typeface="Cambria Math" panose="02040503050406030204" pitchFamily="18" charset="0"/>
+                            </a:rPr>
+                          </m:ctrlPr>
+                        </m:sSubPr>
+                        <m:e>
+                          <m:r>
+                            <a:rPr lang="en-US" sz="2400" b="1" i="1" smtClean="0">
+                              <a:latin typeface="Cambria Math" panose="02040503050406030204" pitchFamily="18" charset="0"/>
+                            </a:rPr>
+                            <m:t>𝒙</m:t>
+                          </m:r>
+                        </m:e>
+                        <m:sub>
+                          <m:r>
+                            <a:rPr lang="en-US" sz="2400" b="1" i="1" smtClean="0">
+                              <a:latin typeface="Cambria Math" panose="02040503050406030204" pitchFamily="18" charset="0"/>
+                            </a:rPr>
+                            <m:t>𝟑</m:t>
+                          </m:r>
+                        </m:sub>
+                      </m:sSub>
+                    </m:oMath>
+                  </m:oMathPara>
+                </a14:m>
+                <a:endParaRPr lang="en-US" b="1" dirty="0"/>
+              </a:p>
+              <a:p>
+                <a:endParaRPr lang="en-US" dirty="0"/>
+              </a:p>
+            </p:txBody>
+          </p:sp>
+        </mc:Choice>
+        <mc:Fallback>
+          <p:sp>
+            <p:nvSpPr>
+              <p:cNvPr id="110" name="TextBox 109">
+                <a:extLst>
+                  <a:ext uri="{FF2B5EF4-FFF2-40B4-BE49-F238E27FC236}">
+                    <a16:creationId xmlns:a16="http://schemas.microsoft.com/office/drawing/2014/main" id="{17CB0A1E-46A7-4A2A-86E2-352DB86FEACB}"/>
+                  </a:ext>
+                </a:extLst>
+              </p:cNvPr>
+              <p:cNvSpPr txBox="1">
+                <a:spLocks noRot="1" noChangeAspect="1" noMove="1" noResize="1" noEditPoints="1" noAdjustHandles="1" noChangeArrowheads="1" noChangeShapeType="1" noTextEdit="1"/>
+              </p:cNvSpPr>
+              <p:nvPr/>
+            </p:nvSpPr>
+            <p:spPr>
+              <a:xfrm>
+                <a:off x="1228653" y="961306"/>
+                <a:ext cx="612557" cy="646331"/>
+              </a:xfrm>
+              <a:prstGeom prst="rect">
+                <a:avLst/>
+              </a:prstGeom>
+              <a:blipFill>
+                <a:blip r:embed="rId8"/>
+                <a:stretch>
+                  <a:fillRect/>
+                </a:stretch>
+              </a:blipFill>
+            </p:spPr>
+            <p:txBody>
+              <a:bodyPr/>
+              <a:lstStyle/>
+              <a:p>
+                <a:r>
+                  <a:rPr lang="en-US">
+                    <a:noFill/>
+                  </a:rPr>
+                  <a:t> </a:t>
+                </a:r>
+              </a:p>
+            </p:txBody>
+          </p:sp>
+        </mc:Fallback>
+      </mc:AlternateContent>
+      <p:sp>
+        <p:nvSpPr>
+          <p:cNvPr id="118" name="Oval 117">
+            <a:extLst>
+              <a:ext uri="{FF2B5EF4-FFF2-40B4-BE49-F238E27FC236}">
+                <a16:creationId xmlns:a16="http://schemas.microsoft.com/office/drawing/2014/main" id="{4B48D414-CA92-49BA-9C59-93EE6646AE9A}"/>
+              </a:ext>
+            </a:extLst>
+          </p:cNvPr>
+          <p:cNvSpPr/>
+          <p:nvPr/>
+        </p:nvSpPr>
+        <p:spPr>
+          <a:xfrm>
+            <a:off x="1534931" y="2304433"/>
+            <a:ext cx="194484" cy="193811"/>
+          </a:xfrm>
+          <a:prstGeom prst="ellipse">
+            <a:avLst/>
+          </a:prstGeom>
+          <a:gradFill flip="none" rotWithShape="1">
+            <a:gsLst>
+              <a:gs pos="0">
+                <a:srgbClr val="FF0000">
+                  <a:shade val="30000"/>
+                  <a:satMod val="115000"/>
+                </a:srgbClr>
+              </a:gs>
+              <a:gs pos="50000">
+                <a:srgbClr val="FF0000">
+                  <a:shade val="67500"/>
+                  <a:satMod val="115000"/>
+                </a:srgbClr>
+              </a:gs>
+              <a:gs pos="100000">
+                <a:srgbClr val="FF0000">
+                  <a:shade val="100000"/>
+                  <a:satMod val="115000"/>
+                </a:srgbClr>
+              </a:gs>
+            </a:gsLst>
+            <a:path path="circle">
+              <a:fillToRect l="100000" t="100000"/>
+            </a:path>
+            <a:tileRect r="-100000" b="-100000"/>
+          </a:gradFill>
+          <a:ln w="38100">
+            <a:solidFill>
+              <a:srgbClr val="C00000"/>
+            </a:solidFill>
+          </a:ln>
+        </p:spPr>
+        <p:style>
+          <a:lnRef idx="2">
+            <a:schemeClr val="dk1">
+              <a:shade val="50000"/>
+            </a:schemeClr>
+          </a:lnRef>
+          <a:fillRef idx="1">
+            <a:schemeClr val="dk1"/>
+          </a:fillRef>
+          <a:effectRef idx="0">
+            <a:schemeClr val="dk1"/>
+          </a:effectRef>
+          <a:fontRef idx="minor">
+            <a:schemeClr val="lt1"/>
+          </a:fontRef>
+        </p:style>
+        <p:txBody>
+          <a:bodyPr rtlCol="0" anchor="ctr"/>
+          <a:lstStyle/>
+          <a:p>
+            <a:pPr algn="ctr"/>
+            <a:endParaRPr lang="en-US"/>
+          </a:p>
+        </p:txBody>
+      </p:sp>
+      <p:sp>
+        <p:nvSpPr>
+          <p:cNvPr id="119" name="Oval 118">
+            <a:extLst>
+              <a:ext uri="{FF2B5EF4-FFF2-40B4-BE49-F238E27FC236}">
+                <a16:creationId xmlns:a16="http://schemas.microsoft.com/office/drawing/2014/main" id="{C9CDF422-28C0-476E-97A6-83225A452733}"/>
+              </a:ext>
+            </a:extLst>
+          </p:cNvPr>
+          <p:cNvSpPr/>
+          <p:nvPr/>
+        </p:nvSpPr>
+        <p:spPr>
+          <a:xfrm>
+            <a:off x="1140204" y="3097791"/>
+            <a:ext cx="194484" cy="193811"/>
+          </a:xfrm>
+          <a:prstGeom prst="ellipse">
+            <a:avLst/>
+          </a:prstGeom>
+          <a:gradFill flip="none" rotWithShape="1">
+            <a:gsLst>
+              <a:gs pos="0">
+                <a:srgbClr val="FF0000">
+                  <a:shade val="30000"/>
+                  <a:satMod val="115000"/>
+                </a:srgbClr>
+              </a:gs>
+              <a:gs pos="50000">
+                <a:srgbClr val="FF0000">
+                  <a:shade val="67500"/>
+                  <a:satMod val="115000"/>
+                </a:srgbClr>
+              </a:gs>
+              <a:gs pos="100000">
+                <a:srgbClr val="FF0000">
+                  <a:shade val="100000"/>
+                  <a:satMod val="115000"/>
+                </a:srgbClr>
+              </a:gs>
+            </a:gsLst>
+            <a:path path="circle">
+              <a:fillToRect l="100000" t="100000"/>
+            </a:path>
+            <a:tileRect r="-100000" b="-100000"/>
+          </a:gradFill>
+          <a:ln w="38100">
+            <a:solidFill>
+              <a:srgbClr val="C00000"/>
+            </a:solidFill>
+          </a:ln>
+        </p:spPr>
+        <p:style>
+          <a:lnRef idx="2">
+            <a:schemeClr val="dk1">
+              <a:shade val="50000"/>
+            </a:schemeClr>
+          </a:lnRef>
+          <a:fillRef idx="1">
+            <a:schemeClr val="dk1"/>
+          </a:fillRef>
+          <a:effectRef idx="0">
+            <a:schemeClr val="dk1"/>
+          </a:effectRef>
+          <a:fontRef idx="minor">
+            <a:schemeClr val="lt1"/>
+          </a:fontRef>
+        </p:style>
+        <p:txBody>
+          <a:bodyPr rtlCol="0" anchor="ctr"/>
+          <a:lstStyle/>
+          <a:p>
+            <a:pPr algn="ctr"/>
+            <a:endParaRPr lang="en-US"/>
+          </a:p>
+        </p:txBody>
+      </p:sp>
+      <p:sp>
+        <p:nvSpPr>
+          <p:cNvPr id="120" name="Oval 119">
+            <a:extLst>
+              <a:ext uri="{FF2B5EF4-FFF2-40B4-BE49-F238E27FC236}">
+                <a16:creationId xmlns:a16="http://schemas.microsoft.com/office/drawing/2014/main" id="{E87C1881-09AC-4A33-830B-E92F5F6F0E0E}"/>
+              </a:ext>
+            </a:extLst>
+          </p:cNvPr>
+          <p:cNvSpPr/>
+          <p:nvPr/>
+        </p:nvSpPr>
+        <p:spPr>
+          <a:xfrm>
+            <a:off x="2135405" y="1523128"/>
+            <a:ext cx="194484" cy="193811"/>
+          </a:xfrm>
+          <a:prstGeom prst="ellipse">
+            <a:avLst/>
+          </a:prstGeom>
+          <a:gradFill flip="none" rotWithShape="1">
+            <a:gsLst>
+              <a:gs pos="0">
+                <a:srgbClr val="FF0000">
+                  <a:shade val="30000"/>
+                  <a:satMod val="115000"/>
+                </a:srgbClr>
+              </a:gs>
+              <a:gs pos="50000">
+                <a:srgbClr val="FF0000">
+                  <a:shade val="67500"/>
+                  <a:satMod val="115000"/>
+                </a:srgbClr>
+              </a:gs>
+              <a:gs pos="100000">
+                <a:srgbClr val="FF0000">
+                  <a:shade val="100000"/>
+                  <a:satMod val="115000"/>
+                </a:srgbClr>
+              </a:gs>
+            </a:gsLst>
+            <a:path path="circle">
+              <a:fillToRect l="100000" t="100000"/>
+            </a:path>
+            <a:tileRect r="-100000" b="-100000"/>
+          </a:gradFill>
+          <a:ln w="38100">
+            <a:solidFill>
+              <a:srgbClr val="C00000"/>
+            </a:solidFill>
+          </a:ln>
+        </p:spPr>
+        <p:style>
+          <a:lnRef idx="2">
+            <a:schemeClr val="dk1">
+              <a:shade val="50000"/>
+            </a:schemeClr>
+          </a:lnRef>
+          <a:fillRef idx="1">
+            <a:schemeClr val="dk1"/>
+          </a:fillRef>
+          <a:effectRef idx="0">
+            <a:schemeClr val="dk1"/>
+          </a:effectRef>
+          <a:fontRef idx="minor">
+            <a:schemeClr val="lt1"/>
+          </a:fontRef>
+        </p:style>
+        <p:txBody>
+          <a:bodyPr rtlCol="0" anchor="ctr"/>
+          <a:lstStyle/>
+          <a:p>
+            <a:pPr algn="ctr"/>
+            <a:endParaRPr lang="en-US"/>
+          </a:p>
+        </p:txBody>
+      </p:sp>
+      <p:sp>
+        <p:nvSpPr>
+          <p:cNvPr id="121" name="Oval 120">
+            <a:extLst>
+              <a:ext uri="{FF2B5EF4-FFF2-40B4-BE49-F238E27FC236}">
+                <a16:creationId xmlns:a16="http://schemas.microsoft.com/office/drawing/2014/main" id="{8F91423C-9364-49D5-9D2C-718A46D922D7}"/>
+              </a:ext>
+            </a:extLst>
+          </p:cNvPr>
+          <p:cNvSpPr/>
+          <p:nvPr/>
+        </p:nvSpPr>
+        <p:spPr>
+          <a:xfrm>
+            <a:off x="1516143" y="2965675"/>
+            <a:ext cx="194484" cy="193811"/>
+          </a:xfrm>
+          <a:prstGeom prst="ellipse">
+            <a:avLst/>
+          </a:prstGeom>
+          <a:gradFill flip="none" rotWithShape="1">
+            <a:gsLst>
+              <a:gs pos="0">
+                <a:srgbClr val="FF0000">
+                  <a:shade val="30000"/>
+                  <a:satMod val="115000"/>
+                </a:srgbClr>
+              </a:gs>
+              <a:gs pos="50000">
+                <a:srgbClr val="FF0000">
+                  <a:shade val="67500"/>
+                  <a:satMod val="115000"/>
+                </a:srgbClr>
+              </a:gs>
+              <a:gs pos="100000">
+                <a:srgbClr val="FF0000">
+                  <a:shade val="100000"/>
+                  <a:satMod val="115000"/>
+                </a:srgbClr>
+              </a:gs>
+            </a:gsLst>
+            <a:path path="circle">
+              <a:fillToRect l="100000" t="100000"/>
+            </a:path>
+            <a:tileRect r="-100000" b="-100000"/>
+          </a:gradFill>
+          <a:ln w="38100">
+            <a:solidFill>
+              <a:srgbClr val="C00000"/>
+            </a:solidFill>
+          </a:ln>
+        </p:spPr>
+        <p:style>
+          <a:lnRef idx="2">
+            <a:schemeClr val="dk1">
+              <a:shade val="50000"/>
+            </a:schemeClr>
+          </a:lnRef>
+          <a:fillRef idx="1">
+            <a:schemeClr val="dk1"/>
+          </a:fillRef>
+          <a:effectRef idx="0">
+            <a:schemeClr val="dk1"/>
+          </a:effectRef>
+          <a:fontRef idx="minor">
+            <a:schemeClr val="lt1"/>
+          </a:fontRef>
+        </p:style>
+        <p:txBody>
+          <a:bodyPr rtlCol="0" anchor="ctr"/>
+          <a:lstStyle/>
+          <a:p>
+            <a:pPr algn="ctr"/>
+            <a:endParaRPr lang="en-US"/>
+          </a:p>
+        </p:txBody>
+      </p:sp>
+      <p:sp>
+        <p:nvSpPr>
+          <p:cNvPr id="122" name="Oval 121">
+            <a:extLst>
+              <a:ext uri="{FF2B5EF4-FFF2-40B4-BE49-F238E27FC236}">
+                <a16:creationId xmlns:a16="http://schemas.microsoft.com/office/drawing/2014/main" id="{063D6AC4-E2AC-4F8E-A9E2-BF39909B3D27}"/>
+              </a:ext>
+            </a:extLst>
+          </p:cNvPr>
+          <p:cNvSpPr/>
+          <p:nvPr/>
+        </p:nvSpPr>
+        <p:spPr>
+          <a:xfrm>
+            <a:off x="2029130" y="2369141"/>
+            <a:ext cx="194484" cy="193811"/>
+          </a:xfrm>
+          <a:prstGeom prst="ellipse">
+            <a:avLst/>
+          </a:prstGeom>
+          <a:gradFill flip="none" rotWithShape="1">
+            <a:gsLst>
+              <a:gs pos="0">
+                <a:srgbClr val="FF0000">
+                  <a:shade val="30000"/>
+                  <a:satMod val="115000"/>
+                </a:srgbClr>
+              </a:gs>
+              <a:gs pos="50000">
+                <a:srgbClr val="FF0000">
+                  <a:shade val="67500"/>
+                  <a:satMod val="115000"/>
+                </a:srgbClr>
+              </a:gs>
+              <a:gs pos="100000">
+                <a:srgbClr val="FF0000">
+                  <a:shade val="100000"/>
+                  <a:satMod val="115000"/>
+                </a:srgbClr>
+              </a:gs>
+            </a:gsLst>
+            <a:path path="circle">
+              <a:fillToRect l="100000" t="100000"/>
+            </a:path>
+            <a:tileRect r="-100000" b="-100000"/>
+          </a:gradFill>
+          <a:ln w="38100">
+            <a:solidFill>
+              <a:srgbClr val="C00000"/>
+            </a:solidFill>
+          </a:ln>
+        </p:spPr>
+        <p:style>
+          <a:lnRef idx="2">
+            <a:schemeClr val="dk1">
+              <a:shade val="50000"/>
+            </a:schemeClr>
+          </a:lnRef>
+          <a:fillRef idx="1">
+            <a:schemeClr val="dk1"/>
+          </a:fillRef>
+          <a:effectRef idx="0">
+            <a:schemeClr val="dk1"/>
+          </a:effectRef>
+          <a:fontRef idx="minor">
+            <a:schemeClr val="lt1"/>
+          </a:fontRef>
+        </p:style>
+        <p:txBody>
+          <a:bodyPr rtlCol="0" anchor="ctr"/>
+          <a:lstStyle/>
+          <a:p>
+            <a:pPr algn="ctr"/>
+            <a:endParaRPr lang="en-US"/>
+          </a:p>
+        </p:txBody>
+      </p:sp>
+      <p:sp>
+        <p:nvSpPr>
+          <p:cNvPr id="123" name="Oval 122">
+            <a:extLst>
+              <a:ext uri="{FF2B5EF4-FFF2-40B4-BE49-F238E27FC236}">
+                <a16:creationId xmlns:a16="http://schemas.microsoft.com/office/drawing/2014/main" id="{77B28C5A-A774-40A9-B2AA-B2908D291AA7}"/>
+              </a:ext>
+            </a:extLst>
+          </p:cNvPr>
+          <p:cNvSpPr/>
+          <p:nvPr/>
+        </p:nvSpPr>
+        <p:spPr>
+          <a:xfrm>
+            <a:off x="2934643" y="1904949"/>
+            <a:ext cx="194484" cy="193811"/>
+          </a:xfrm>
+          <a:prstGeom prst="ellipse">
+            <a:avLst/>
+          </a:prstGeom>
+          <a:gradFill flip="none" rotWithShape="1">
+            <a:gsLst>
+              <a:gs pos="0">
+                <a:srgbClr val="FF0000">
+                  <a:shade val="30000"/>
+                  <a:satMod val="115000"/>
+                </a:srgbClr>
+              </a:gs>
+              <a:gs pos="50000">
+                <a:srgbClr val="FF0000">
+                  <a:shade val="67500"/>
+                  <a:satMod val="115000"/>
+                </a:srgbClr>
+              </a:gs>
+              <a:gs pos="100000">
+                <a:srgbClr val="FF0000">
+                  <a:shade val="100000"/>
+                  <a:satMod val="115000"/>
+                </a:srgbClr>
+              </a:gs>
+            </a:gsLst>
+            <a:path path="circle">
+              <a:fillToRect l="100000" t="100000"/>
+            </a:path>
+            <a:tileRect r="-100000" b="-100000"/>
+          </a:gradFill>
+          <a:ln w="38100">
+            <a:solidFill>
+              <a:srgbClr val="C00000"/>
+            </a:solidFill>
+          </a:ln>
+        </p:spPr>
+        <p:style>
+          <a:lnRef idx="2">
+            <a:schemeClr val="dk1">
+              <a:shade val="50000"/>
+            </a:schemeClr>
+          </a:lnRef>
+          <a:fillRef idx="1">
+            <a:schemeClr val="dk1"/>
+          </a:fillRef>
+          <a:effectRef idx="0">
+            <a:schemeClr val="dk1"/>
+          </a:effectRef>
+          <a:fontRef idx="minor">
+            <a:schemeClr val="lt1"/>
+          </a:fontRef>
+        </p:style>
+        <p:txBody>
+          <a:bodyPr rtlCol="0" anchor="ctr"/>
+          <a:lstStyle/>
+          <a:p>
+            <a:pPr algn="ctr"/>
+            <a:endParaRPr lang="en-US"/>
+          </a:p>
+        </p:txBody>
+      </p:sp>
+      <p:sp>
+        <p:nvSpPr>
+          <p:cNvPr id="124" name="Oval 123">
+            <a:extLst>
+              <a:ext uri="{FF2B5EF4-FFF2-40B4-BE49-F238E27FC236}">
+                <a16:creationId xmlns:a16="http://schemas.microsoft.com/office/drawing/2014/main" id="{05E22E5C-D3BE-491B-B545-008F2E140EF7}"/>
+              </a:ext>
+            </a:extLst>
+          </p:cNvPr>
+          <p:cNvSpPr/>
+          <p:nvPr/>
+        </p:nvSpPr>
+        <p:spPr>
+          <a:xfrm>
+            <a:off x="2326089" y="3134888"/>
+            <a:ext cx="194484" cy="193811"/>
+          </a:xfrm>
+          <a:prstGeom prst="ellipse">
+            <a:avLst/>
+          </a:prstGeom>
+          <a:gradFill flip="none" rotWithShape="1">
+            <a:gsLst>
+              <a:gs pos="0">
+                <a:srgbClr val="FF0000">
+                  <a:shade val="30000"/>
+                  <a:satMod val="115000"/>
+                </a:srgbClr>
+              </a:gs>
+              <a:gs pos="50000">
+                <a:srgbClr val="FF0000">
+                  <a:shade val="67500"/>
+                  <a:satMod val="115000"/>
+                </a:srgbClr>
+              </a:gs>
+              <a:gs pos="100000">
+                <a:srgbClr val="FF0000">
+                  <a:shade val="100000"/>
+                  <a:satMod val="115000"/>
+                </a:srgbClr>
+              </a:gs>
+            </a:gsLst>
+            <a:path path="circle">
+              <a:fillToRect l="100000" t="100000"/>
+            </a:path>
+            <a:tileRect r="-100000" b="-100000"/>
+          </a:gradFill>
+          <a:ln w="38100">
+            <a:solidFill>
+              <a:srgbClr val="C00000"/>
+            </a:solidFill>
+          </a:ln>
+        </p:spPr>
+        <p:style>
+          <a:lnRef idx="2">
+            <a:schemeClr val="dk1">
+              <a:shade val="50000"/>
+            </a:schemeClr>
+          </a:lnRef>
+          <a:fillRef idx="1">
+            <a:schemeClr val="dk1"/>
+          </a:fillRef>
+          <a:effectRef idx="0">
+            <a:schemeClr val="dk1"/>
+          </a:effectRef>
+          <a:fontRef idx="minor">
+            <a:schemeClr val="lt1"/>
+          </a:fontRef>
+        </p:style>
+        <p:txBody>
+          <a:bodyPr rtlCol="0" anchor="ctr"/>
+          <a:lstStyle/>
+          <a:p>
+            <a:pPr algn="ctr"/>
+            <a:endParaRPr lang="en-US"/>
+          </a:p>
+        </p:txBody>
+      </p:sp>
+      <p:sp>
+        <p:nvSpPr>
+          <p:cNvPr id="125" name="Oval 124">
+            <a:extLst>
+              <a:ext uri="{FF2B5EF4-FFF2-40B4-BE49-F238E27FC236}">
+                <a16:creationId xmlns:a16="http://schemas.microsoft.com/office/drawing/2014/main" id="{3B3B43F8-DA0F-4EBA-8C55-F08630D80E17}"/>
+              </a:ext>
+            </a:extLst>
+          </p:cNvPr>
+          <p:cNvSpPr/>
+          <p:nvPr/>
+        </p:nvSpPr>
+        <p:spPr>
+          <a:xfrm>
+            <a:off x="2820722" y="2597739"/>
+            <a:ext cx="194484" cy="193811"/>
+          </a:xfrm>
+          <a:prstGeom prst="ellipse">
+            <a:avLst/>
+          </a:prstGeom>
+          <a:gradFill flip="none" rotWithShape="1">
+            <a:gsLst>
+              <a:gs pos="0">
+                <a:srgbClr val="FF0000">
+                  <a:shade val="30000"/>
+                  <a:satMod val="115000"/>
+                </a:srgbClr>
+              </a:gs>
+              <a:gs pos="50000">
+                <a:srgbClr val="FF0000">
+                  <a:shade val="67500"/>
+                  <a:satMod val="115000"/>
+                </a:srgbClr>
+              </a:gs>
+              <a:gs pos="100000">
+                <a:srgbClr val="FF0000">
+                  <a:shade val="100000"/>
+                  <a:satMod val="115000"/>
+                </a:srgbClr>
+              </a:gs>
+            </a:gsLst>
+            <a:path path="circle">
+              <a:fillToRect l="100000" t="100000"/>
+            </a:path>
+            <a:tileRect r="-100000" b="-100000"/>
+          </a:gradFill>
+          <a:ln w="38100">
+            <a:solidFill>
+              <a:srgbClr val="C00000"/>
+            </a:solidFill>
+          </a:ln>
+        </p:spPr>
+        <p:style>
+          <a:lnRef idx="2">
+            <a:schemeClr val="dk1">
+              <a:shade val="50000"/>
+            </a:schemeClr>
+          </a:lnRef>
+          <a:fillRef idx="1">
+            <a:schemeClr val="dk1"/>
+          </a:fillRef>
+          <a:effectRef idx="0">
+            <a:schemeClr val="dk1"/>
+          </a:effectRef>
+          <a:fontRef idx="minor">
+            <a:schemeClr val="lt1"/>
+          </a:fontRef>
+        </p:style>
+        <p:txBody>
+          <a:bodyPr rtlCol="0" anchor="ctr"/>
+          <a:lstStyle/>
+          <a:p>
+            <a:pPr algn="ctr"/>
+            <a:endParaRPr lang="en-US"/>
+          </a:p>
+        </p:txBody>
+      </p:sp>
+      <p:sp>
+        <p:nvSpPr>
+          <p:cNvPr id="126" name="Oval 125">
+            <a:extLst>
+              <a:ext uri="{FF2B5EF4-FFF2-40B4-BE49-F238E27FC236}">
+                <a16:creationId xmlns:a16="http://schemas.microsoft.com/office/drawing/2014/main" id="{6441A5FD-E2AC-4C90-868C-A9DE9ABBD098}"/>
+              </a:ext>
+            </a:extLst>
+          </p:cNvPr>
+          <p:cNvSpPr/>
+          <p:nvPr/>
+        </p:nvSpPr>
+        <p:spPr>
+          <a:xfrm>
+            <a:off x="3042110" y="3062580"/>
+            <a:ext cx="194484" cy="193811"/>
+          </a:xfrm>
+          <a:prstGeom prst="ellipse">
+            <a:avLst/>
+          </a:prstGeom>
+          <a:gradFill flip="none" rotWithShape="1">
+            <a:gsLst>
+              <a:gs pos="0">
+                <a:srgbClr val="FF0000">
+                  <a:shade val="30000"/>
+                  <a:satMod val="115000"/>
+                </a:srgbClr>
+              </a:gs>
+              <a:gs pos="50000">
+                <a:srgbClr val="FF0000">
+                  <a:shade val="67500"/>
+                  <a:satMod val="115000"/>
+                </a:srgbClr>
+              </a:gs>
+              <a:gs pos="100000">
+                <a:srgbClr val="FF0000">
+                  <a:shade val="100000"/>
+                  <a:satMod val="115000"/>
+                </a:srgbClr>
+              </a:gs>
+            </a:gsLst>
+            <a:path path="circle">
+              <a:fillToRect l="100000" t="100000"/>
+            </a:path>
+            <a:tileRect r="-100000" b="-100000"/>
+          </a:gradFill>
+          <a:ln w="38100">
+            <a:solidFill>
+              <a:srgbClr val="C00000"/>
+            </a:solidFill>
+          </a:ln>
+        </p:spPr>
+        <p:style>
+          <a:lnRef idx="2">
+            <a:schemeClr val="dk1">
+              <a:shade val="50000"/>
+            </a:schemeClr>
+          </a:lnRef>
+          <a:fillRef idx="1">
+            <a:schemeClr val="dk1"/>
+          </a:fillRef>
+          <a:effectRef idx="0">
+            <a:schemeClr val="dk1"/>
+          </a:effectRef>
+          <a:fontRef idx="minor">
+            <a:schemeClr val="lt1"/>
+          </a:fontRef>
+        </p:style>
+        <p:txBody>
+          <a:bodyPr rtlCol="0" anchor="ctr"/>
+          <a:lstStyle/>
+          <a:p>
+            <a:pPr algn="ctr"/>
+            <a:endParaRPr lang="en-US"/>
+          </a:p>
+        </p:txBody>
+      </p:sp>
+      <p:sp>
+        <p:nvSpPr>
+          <p:cNvPr id="127" name="Oval 126">
+            <a:extLst>
+              <a:ext uri="{FF2B5EF4-FFF2-40B4-BE49-F238E27FC236}">
+                <a16:creationId xmlns:a16="http://schemas.microsoft.com/office/drawing/2014/main" id="{46447E35-69E7-4CB6-9A54-48C3CBA36DB6}"/>
+              </a:ext>
+            </a:extLst>
+          </p:cNvPr>
+          <p:cNvSpPr/>
+          <p:nvPr/>
+        </p:nvSpPr>
+        <p:spPr>
+          <a:xfrm>
+            <a:off x="1426178" y="3820730"/>
+            <a:ext cx="194484" cy="193811"/>
+          </a:xfrm>
+          <a:prstGeom prst="ellipse">
+            <a:avLst/>
+          </a:prstGeom>
+          <a:gradFill flip="none" rotWithShape="1">
+            <a:gsLst>
+              <a:gs pos="0">
+                <a:srgbClr val="FF0000">
+                  <a:shade val="30000"/>
+                  <a:satMod val="115000"/>
+                </a:srgbClr>
+              </a:gs>
+              <a:gs pos="50000">
+                <a:srgbClr val="FF0000">
+                  <a:shade val="67500"/>
+                  <a:satMod val="115000"/>
+                </a:srgbClr>
+              </a:gs>
+              <a:gs pos="100000">
+                <a:srgbClr val="FF0000">
+                  <a:shade val="100000"/>
+                  <a:satMod val="115000"/>
+                </a:srgbClr>
+              </a:gs>
+            </a:gsLst>
+            <a:path path="circle">
+              <a:fillToRect l="100000" t="100000"/>
+            </a:path>
+            <a:tileRect r="-100000" b="-100000"/>
+          </a:gradFill>
+          <a:ln w="38100">
+            <a:solidFill>
+              <a:srgbClr val="C00000"/>
+            </a:solidFill>
+          </a:ln>
+        </p:spPr>
+        <p:style>
+          <a:lnRef idx="2">
+            <a:schemeClr val="dk1">
+              <a:shade val="50000"/>
+            </a:schemeClr>
+          </a:lnRef>
+          <a:fillRef idx="1">
+            <a:schemeClr val="dk1"/>
+          </a:fillRef>
+          <a:effectRef idx="0">
+            <a:schemeClr val="dk1"/>
+          </a:effectRef>
+          <a:fontRef idx="minor">
+            <a:schemeClr val="lt1"/>
+          </a:fontRef>
+        </p:style>
+        <p:txBody>
+          <a:bodyPr rtlCol="0" anchor="ctr"/>
+          <a:lstStyle/>
+          <a:p>
+            <a:pPr algn="ctr"/>
+            <a:endParaRPr lang="en-US"/>
+          </a:p>
+        </p:txBody>
+      </p:sp>
+      <p:sp>
+        <p:nvSpPr>
+          <p:cNvPr id="128" name="Oval 127">
+            <a:extLst>
+              <a:ext uri="{FF2B5EF4-FFF2-40B4-BE49-F238E27FC236}">
+                <a16:creationId xmlns:a16="http://schemas.microsoft.com/office/drawing/2014/main" id="{76DF2B33-82B3-4700-B2FF-2B31B9271288}"/>
+              </a:ext>
+            </a:extLst>
+          </p:cNvPr>
+          <p:cNvSpPr/>
+          <p:nvPr/>
+        </p:nvSpPr>
+        <p:spPr>
+          <a:xfrm>
+            <a:off x="2407986" y="2098760"/>
+            <a:ext cx="194484" cy="193811"/>
+          </a:xfrm>
+          <a:prstGeom prst="ellipse">
+            <a:avLst/>
+          </a:prstGeom>
+          <a:gradFill flip="none" rotWithShape="1">
+            <a:gsLst>
+              <a:gs pos="0">
+                <a:srgbClr val="FF0000">
+                  <a:shade val="30000"/>
+                  <a:satMod val="115000"/>
+                </a:srgbClr>
+              </a:gs>
+              <a:gs pos="50000">
+                <a:srgbClr val="FF0000">
+                  <a:shade val="67500"/>
+                  <a:satMod val="115000"/>
+                </a:srgbClr>
+              </a:gs>
+              <a:gs pos="100000">
+                <a:srgbClr val="FF0000">
+                  <a:shade val="100000"/>
+                  <a:satMod val="115000"/>
+                </a:srgbClr>
+              </a:gs>
+            </a:gsLst>
+            <a:path path="circle">
+              <a:fillToRect l="100000" t="100000"/>
+            </a:path>
+            <a:tileRect r="-100000" b="-100000"/>
+          </a:gradFill>
+          <a:ln w="38100">
+            <a:solidFill>
+              <a:srgbClr val="C00000"/>
+            </a:solidFill>
+          </a:ln>
+        </p:spPr>
+        <p:style>
+          <a:lnRef idx="2">
+            <a:schemeClr val="dk1">
+              <a:shade val="50000"/>
+            </a:schemeClr>
+          </a:lnRef>
+          <a:fillRef idx="1">
+            <a:schemeClr val="dk1"/>
+          </a:fillRef>
+          <a:effectRef idx="0">
+            <a:schemeClr val="dk1"/>
+          </a:effectRef>
+          <a:fontRef idx="minor">
+            <a:schemeClr val="lt1"/>
+          </a:fontRef>
+        </p:style>
+        <p:txBody>
+          <a:bodyPr rtlCol="0" anchor="ctr"/>
+          <a:lstStyle/>
+          <a:p>
+            <a:pPr algn="ctr"/>
+            <a:endParaRPr lang="en-US"/>
+          </a:p>
+        </p:txBody>
+      </p:sp>
+      <p:sp>
+        <p:nvSpPr>
+          <p:cNvPr id="129" name="Oval 128">
+            <a:extLst>
+              <a:ext uri="{FF2B5EF4-FFF2-40B4-BE49-F238E27FC236}">
+                <a16:creationId xmlns:a16="http://schemas.microsoft.com/office/drawing/2014/main" id="{3035850D-E512-4269-82EE-ED0DC102DA5E}"/>
+              </a:ext>
+            </a:extLst>
+          </p:cNvPr>
+          <p:cNvSpPr/>
+          <p:nvPr/>
+        </p:nvSpPr>
+        <p:spPr>
+          <a:xfrm>
+            <a:off x="2322581" y="2676172"/>
+            <a:ext cx="194484" cy="193811"/>
+          </a:xfrm>
+          <a:prstGeom prst="ellipse">
+            <a:avLst/>
+          </a:prstGeom>
+          <a:gradFill flip="none" rotWithShape="1">
+            <a:gsLst>
+              <a:gs pos="0">
+                <a:srgbClr val="FF0000">
+                  <a:shade val="30000"/>
+                  <a:satMod val="115000"/>
+                </a:srgbClr>
+              </a:gs>
+              <a:gs pos="50000">
+                <a:srgbClr val="FF0000">
+                  <a:shade val="67500"/>
+                  <a:satMod val="115000"/>
+                </a:srgbClr>
+              </a:gs>
+              <a:gs pos="100000">
+                <a:srgbClr val="FF0000">
+                  <a:shade val="100000"/>
+                  <a:satMod val="115000"/>
+                </a:srgbClr>
+              </a:gs>
+            </a:gsLst>
+            <a:path path="circle">
+              <a:fillToRect l="100000" t="100000"/>
+            </a:path>
+            <a:tileRect r="-100000" b="-100000"/>
+          </a:gradFill>
+          <a:ln w="38100">
+            <a:solidFill>
+              <a:srgbClr val="C00000"/>
+            </a:solidFill>
+          </a:ln>
+        </p:spPr>
+        <p:style>
+          <a:lnRef idx="2">
+            <a:schemeClr val="dk1">
+              <a:shade val="50000"/>
+            </a:schemeClr>
+          </a:lnRef>
+          <a:fillRef idx="1">
+            <a:schemeClr val="dk1"/>
+          </a:fillRef>
+          <a:effectRef idx="0">
+            <a:schemeClr val="dk1"/>
+          </a:effectRef>
+          <a:fontRef idx="minor">
+            <a:schemeClr val="lt1"/>
+          </a:fontRef>
+        </p:style>
+        <p:txBody>
+          <a:bodyPr rtlCol="0" anchor="ctr"/>
+          <a:lstStyle/>
+          <a:p>
+            <a:pPr algn="ctr"/>
+            <a:endParaRPr lang="en-US"/>
+          </a:p>
+        </p:txBody>
+      </p:sp>
+      <p:sp>
+        <p:nvSpPr>
+          <p:cNvPr id="133" name="Arc 132">
+            <a:extLst>
+              <a:ext uri="{FF2B5EF4-FFF2-40B4-BE49-F238E27FC236}">
+                <a16:creationId xmlns:a16="http://schemas.microsoft.com/office/drawing/2014/main" id="{E8B90B0E-5CC4-4887-B926-8898D967E525}"/>
+              </a:ext>
+            </a:extLst>
+          </p:cNvPr>
+          <p:cNvSpPr/>
+          <p:nvPr/>
+        </p:nvSpPr>
+        <p:spPr>
+          <a:xfrm>
+            <a:off x="3792217" y="2135484"/>
+            <a:ext cx="2845088" cy="1079315"/>
+          </a:xfrm>
+          <a:prstGeom prst="arc">
+            <a:avLst>
+              <a:gd name="adj1" fmla="val 11862036"/>
+              <a:gd name="adj2" fmla="val 20467635"/>
+            </a:avLst>
+          </a:prstGeom>
+          <a:ln w="38100">
+            <a:solidFill>
+              <a:schemeClr val="tx1"/>
+            </a:solidFill>
+          </a:ln>
+        </p:spPr>
+        <p:style>
+          <a:lnRef idx="1">
+            <a:schemeClr val="accent1"/>
+          </a:lnRef>
+          <a:fillRef idx="0">
+            <a:schemeClr val="accent1"/>
+          </a:fillRef>
+          <a:effectRef idx="0">
+            <a:schemeClr val="accent1"/>
+          </a:effectRef>
+          <a:fontRef idx="minor">
+            <a:schemeClr val="tx1"/>
+          </a:fontRef>
+        </p:style>
+        <p:txBody>
+          <a:bodyPr rtlCol="0" anchor="ctr"/>
+          <a:lstStyle/>
+          <a:p>
+            <a:pPr algn="ctr"/>
+            <a:endParaRPr lang="en-US"/>
+          </a:p>
+        </p:txBody>
+      </p:sp>
+    </p:spTree>
+    <p:extLst>
+      <p:ext uri="{BB962C8B-B14F-4D97-AF65-F5344CB8AC3E}">
+        <p14:creationId xmlns:p14="http://schemas.microsoft.com/office/powerpoint/2010/main" val="3562542905"/>
+      </p:ext>
+    </p:extLst>
+  </p:cSld>
+  <p:clrMapOvr>
+    <a:masterClrMapping/>
+  </p:clrMapOvr>
+</p:sld>
+</file>
+
 <file path=ppt/theme/theme1.xml><?xml version="1.0" encoding="utf-8"?>
 <a:theme xmlns:a="http://schemas.openxmlformats.org/drawingml/2006/main" name="Office Theme">
   <a:themeElements>
